--- a/PresentazionePOLDIG.pptx
+++ b/PresentazionePOLDIG.pptx
@@ -6,11 +6,14 @@
   </p:sldMasterIdLst>
   <p:sldIdLst>
     <p:sldId id="256" r:id="rId2"/>
-    <p:sldId id="259" r:id="rId3"/>
-    <p:sldId id="257" r:id="rId4"/>
+    <p:sldId id="257" r:id="rId3"/>
+    <p:sldId id="259" r:id="rId4"/>
     <p:sldId id="258" r:id="rId5"/>
-    <p:sldId id="260" r:id="rId6"/>
-    <p:sldId id="261" r:id="rId7"/>
+    <p:sldId id="264" r:id="rId6"/>
+    <p:sldId id="262" r:id="rId7"/>
+    <p:sldId id="263" r:id="rId8"/>
+    <p:sldId id="260" r:id="rId9"/>
+    <p:sldId id="261" r:id="rId10"/>
   </p:sldIdLst>
   <p:sldSz cx="12192000" cy="6858000"/>
   <p:notesSz cx="6858000" cy="9144000"/>
@@ -960,10 +963,10 @@
         <a:lstStyle/>
         <a:p>
           <a:r>
-            <a:rPr lang="it-IT"/>
+            <a:rPr lang="it-IT" dirty="0"/>
             <a:t>Propone idee ”semplici” e immediate per risolvere i problemi.</a:t>
           </a:r>
-          <a:endParaRPr lang="en-US"/>
+          <a:endParaRPr lang="en-US" dirty="0"/>
         </a:p>
       </dgm:t>
     </dgm:pt>
@@ -997,10 +1000,10 @@
         <a:lstStyle/>
         <a:p>
           <a:r>
-            <a:rPr lang="it-IT"/>
+            <a:rPr lang="it-IT" dirty="0"/>
             <a:t>Crea l’immagine di un leader che guida, spesso utilizzando stereotipi sul suo carattere.</a:t>
           </a:r>
-          <a:endParaRPr lang="en-US"/>
+          <a:endParaRPr lang="en-US" dirty="0"/>
         </a:p>
       </dgm:t>
     </dgm:pt>
@@ -1527,10 +1530,10 @@
             <a:buNone/>
           </a:pPr>
           <a:r>
-            <a:rPr lang="it-IT" sz="2400" kern="1200"/>
+            <a:rPr lang="it-IT" sz="2400" kern="1200" dirty="0"/>
             <a:t>Propone idee ”semplici” e immediate per risolvere i problemi.</a:t>
           </a:r>
-          <a:endParaRPr lang="en-US" sz="2400" kern="1200"/>
+          <a:endParaRPr lang="en-US" sz="2400" kern="1200" dirty="0"/>
         </a:p>
       </dsp:txBody>
       <dsp:txXfrm>
@@ -1638,10 +1641,10 @@
             <a:buNone/>
           </a:pPr>
           <a:r>
-            <a:rPr lang="it-IT" sz="2400" kern="1200"/>
+            <a:rPr lang="it-IT" sz="2400" kern="1200" dirty="0"/>
             <a:t>Crea l’immagine di un leader che guida, spesso utilizzando stereotipi sul suo carattere.</a:t>
           </a:r>
-          <a:endParaRPr lang="en-US" sz="2400" kern="1200"/>
+          <a:endParaRPr lang="en-US" sz="2400" kern="1200" dirty="0"/>
         </a:p>
       </dsp:txBody>
       <dsp:txXfrm>
@@ -6992,6 +6995,318 @@
           <a:chExt cx="0" cy="0"/>
         </a:xfrm>
       </p:grpSpPr>
+      <p:sp>
+        <p:nvSpPr>
+          <p:cNvPr id="3" name="Segnaposto contenuto 2">
+            <a:extLst>
+              <a:ext uri="{FF2B5EF4-FFF2-40B4-BE49-F238E27FC236}">
+                <a16:creationId xmlns:a16="http://schemas.microsoft.com/office/drawing/2014/main" id="{487F9929-77BB-6B30-4AE9-7F60309311A8}"/>
+              </a:ext>
+            </a:extLst>
+          </p:cNvPr>
+          <p:cNvSpPr>
+            <a:spLocks noGrp="1"/>
+          </p:cNvSpPr>
+          <p:nvPr>
+            <p:ph sz="half" idx="1"/>
+          </p:nvPr>
+        </p:nvSpPr>
+        <p:spPr>
+          <a:xfrm>
+            <a:off x="292962" y="1635070"/>
+            <a:ext cx="5726838" cy="4020005"/>
+          </a:xfrm>
+        </p:spPr>
+        <p:txBody>
+          <a:bodyPr>
+            <a:normAutofit fontScale="92500" lnSpcReduction="10000"/>
+          </a:bodyPr>
+          <a:lstStyle/>
+          <a:p>
+            <a:pPr marL="0" indent="0" algn="ctr">
+              <a:buNone/>
+            </a:pPr>
+            <a:r>
+              <a:rPr lang="en-US" b="0" i="1" dirty="0">
+                <a:effectLst/>
+                <a:latin typeface="Arial" panose="020B0604020202020204" pitchFamily="34" charset="0"/>
+              </a:rPr>
+              <a:t>Although frequently used by historians, social scientists, and political commentators, the term [populism] is exceptionally vague</a:t>
+            </a:r>
+            <a:br>
+              <a:rPr lang="en-US" i="1" dirty="0"/>
+            </a:br>
+            <a:r>
+              <a:rPr lang="en-US" b="0" i="1" dirty="0">
+                <a:effectLst/>
+                <a:latin typeface="Arial" panose="020B0604020202020204" pitchFamily="34" charset="0"/>
+              </a:rPr>
+              <a:t>and refers in different contexts to a bewildering variety of phenomena.</a:t>
+            </a:r>
+          </a:p>
+          <a:p>
+            <a:pPr marL="0" indent="0">
+              <a:buNone/>
+            </a:pPr>
+            <a:endParaRPr lang="en-US" i="1" dirty="0">
+              <a:latin typeface="Arial" panose="020B0604020202020204" pitchFamily="34" charset="0"/>
+            </a:endParaRPr>
+          </a:p>
+          <a:p>
+            <a:pPr marL="0" indent="0">
+              <a:buNone/>
+            </a:pPr>
+            <a:r>
+              <a:rPr lang="en-US" sz="3500" b="0" i="0" dirty="0">
+                <a:effectLst/>
+                <a:latin typeface="Aldhabi" panose="01000000000000000000" pitchFamily="2" charset="-78"/>
+                <a:cs typeface="Aldhabi" panose="01000000000000000000" pitchFamily="2" charset="-78"/>
+              </a:rPr>
+              <a:t> </a:t>
+            </a:r>
+          </a:p>
+          <a:p>
+            <a:pPr marL="0" indent="0">
+              <a:buNone/>
+            </a:pPr>
+            <a:endParaRPr lang="en-US" sz="3500" dirty="0">
+              <a:latin typeface="Aldhabi" panose="01000000000000000000" pitchFamily="2" charset="-78"/>
+              <a:cs typeface="Aldhabi" panose="01000000000000000000" pitchFamily="2" charset="-78"/>
+            </a:endParaRPr>
+          </a:p>
+          <a:p>
+            <a:pPr marL="0" indent="0" algn="ctr">
+              <a:buNone/>
+            </a:pPr>
+            <a:r>
+              <a:rPr lang="en-US" sz="3500" b="0" i="1" dirty="0">
+                <a:effectLst/>
+                <a:latin typeface="Aldhabi" panose="01000000000000000000" pitchFamily="2" charset="-78"/>
+                <a:cs typeface="Aldhabi" panose="01000000000000000000" pitchFamily="2" charset="-78"/>
+              </a:rPr>
+              <a:t>Margaret </a:t>
+            </a:r>
+            <a:r>
+              <a:rPr lang="en-US" sz="3500" b="0" i="1" dirty="0" err="1">
+                <a:effectLst/>
+                <a:latin typeface="Aldhabi" panose="01000000000000000000" pitchFamily="2" charset="-78"/>
+                <a:cs typeface="Aldhabi" panose="01000000000000000000" pitchFamily="2" charset="-78"/>
+              </a:rPr>
+              <a:t>Canovan</a:t>
+            </a:r>
+            <a:endParaRPr lang="it-IT" sz="3500" i="1" dirty="0">
+              <a:latin typeface="Aldhabi" panose="01000000000000000000" pitchFamily="2" charset="-78"/>
+              <a:cs typeface="Aldhabi" panose="01000000000000000000" pitchFamily="2" charset="-78"/>
+            </a:endParaRPr>
+          </a:p>
+        </p:txBody>
+      </p:sp>
+      <p:sp>
+        <p:nvSpPr>
+          <p:cNvPr id="4" name="Segnaposto contenuto 3">
+            <a:extLst>
+              <a:ext uri="{FF2B5EF4-FFF2-40B4-BE49-F238E27FC236}">
+                <a16:creationId xmlns:a16="http://schemas.microsoft.com/office/drawing/2014/main" id="{ECBBD2BB-E7B8-A94F-0701-60F3C9F9945C}"/>
+              </a:ext>
+            </a:extLst>
+          </p:cNvPr>
+          <p:cNvSpPr>
+            <a:spLocks noGrp="1"/>
+          </p:cNvSpPr>
+          <p:nvPr>
+            <p:ph sz="half" idx="2"/>
+          </p:nvPr>
+        </p:nvSpPr>
+        <p:spPr>
+          <a:xfrm>
+            <a:off x="6172202" y="1635070"/>
+            <a:ext cx="5626222" cy="4597053"/>
+          </a:xfrm>
+        </p:spPr>
+        <p:txBody>
+          <a:bodyPr>
+            <a:normAutofit fontScale="92500" lnSpcReduction="10000"/>
+          </a:bodyPr>
+          <a:lstStyle/>
+          <a:p>
+            <a:pPr marL="0" indent="0" algn="ctr">
+              <a:buNone/>
+            </a:pPr>
+            <a:r>
+              <a:rPr lang="en-US" b="0" i="1" dirty="0">
+                <a:effectLst/>
+                <a:latin typeface="Arial" panose="020B0604020202020204" pitchFamily="34" charset="0"/>
+              </a:rPr>
+              <a:t>A thin-</a:t>
+            </a:r>
+            <a:r>
+              <a:rPr lang="en-US" b="0" i="1" dirty="0" err="1">
+                <a:effectLst/>
+                <a:latin typeface="Arial" panose="020B0604020202020204" pitchFamily="34" charset="0"/>
+              </a:rPr>
+              <a:t>centred</a:t>
+            </a:r>
+            <a:r>
+              <a:rPr lang="en-US" b="0" i="1" dirty="0">
+                <a:effectLst/>
+                <a:latin typeface="Arial" panose="020B0604020202020204" pitchFamily="34" charset="0"/>
+              </a:rPr>
+              <a:t> ideology that considers society to be ultimately</a:t>
+            </a:r>
+            <a:br>
+              <a:rPr lang="en-US" i="1" dirty="0"/>
+            </a:br>
+            <a:r>
+              <a:rPr lang="en-US" b="0" i="1" dirty="0">
+                <a:effectLst/>
+                <a:latin typeface="Arial" panose="020B0604020202020204" pitchFamily="34" charset="0"/>
+              </a:rPr>
+              <a:t>separated into two homogenous and antagonistic camps, ”the pure</a:t>
+            </a:r>
+            <a:br>
+              <a:rPr lang="en-US" i="1" dirty="0"/>
+            </a:br>
+            <a:r>
+              <a:rPr lang="en-US" b="0" i="1" dirty="0">
+                <a:effectLst/>
+                <a:latin typeface="Arial" panose="020B0604020202020204" pitchFamily="34" charset="0"/>
+              </a:rPr>
+              <a:t>people” versus ”the corrupt elite”, and which argues that politics</a:t>
+            </a:r>
+            <a:br>
+              <a:rPr lang="en-US" i="1" dirty="0"/>
+            </a:br>
+            <a:r>
+              <a:rPr lang="en-US" b="0" i="1" dirty="0">
+                <a:effectLst/>
+                <a:latin typeface="Arial" panose="020B0604020202020204" pitchFamily="34" charset="0"/>
+              </a:rPr>
+              <a:t>should be an expression of the </a:t>
+            </a:r>
+            <a:r>
+              <a:rPr lang="en-US" b="0" i="1" dirty="0" err="1">
+                <a:effectLst/>
+                <a:latin typeface="Arial" panose="020B0604020202020204" pitchFamily="34" charset="0"/>
+              </a:rPr>
+              <a:t>volonté</a:t>
+            </a:r>
+            <a:r>
+              <a:rPr lang="en-US" b="0" i="1" dirty="0">
+                <a:effectLst/>
+                <a:latin typeface="Arial" panose="020B0604020202020204" pitchFamily="34" charset="0"/>
+              </a:rPr>
+              <a:t> </a:t>
+            </a:r>
+            <a:r>
+              <a:rPr lang="en-US" b="0" i="1" dirty="0" err="1">
+                <a:effectLst/>
+                <a:latin typeface="Arial" panose="020B0604020202020204" pitchFamily="34" charset="0"/>
+              </a:rPr>
+              <a:t>générale</a:t>
+            </a:r>
+            <a:r>
+              <a:rPr lang="en-US" b="0" i="1" dirty="0">
+                <a:effectLst/>
+                <a:latin typeface="Arial" panose="020B0604020202020204" pitchFamily="34" charset="0"/>
+              </a:rPr>
+              <a:t> (general will) of</a:t>
+            </a:r>
+            <a:br>
+              <a:rPr lang="en-US" i="1" dirty="0"/>
+            </a:br>
+            <a:r>
+              <a:rPr lang="en-US" b="0" i="1" dirty="0">
+                <a:effectLst/>
+                <a:latin typeface="Arial" panose="020B0604020202020204" pitchFamily="34" charset="0"/>
+              </a:rPr>
+              <a:t>the people.</a:t>
+            </a:r>
+          </a:p>
+          <a:p>
+            <a:pPr marL="0" indent="0">
+              <a:buNone/>
+            </a:pPr>
+            <a:r>
+              <a:rPr lang="en-US" b="0" i="1" dirty="0">
+                <a:effectLst/>
+                <a:latin typeface="Arial" panose="020B0604020202020204" pitchFamily="34" charset="0"/>
+              </a:rPr>
+              <a:t> </a:t>
+            </a:r>
+          </a:p>
+          <a:p>
+            <a:pPr marL="0" indent="0" algn="ctr">
+              <a:buNone/>
+            </a:pPr>
+            <a:r>
+              <a:rPr lang="en-US" sz="3500" b="0" i="1" dirty="0">
+                <a:effectLst/>
+                <a:latin typeface="Aldhabi" panose="01000000000000000000" pitchFamily="2" charset="-78"/>
+                <a:cs typeface="Aldhabi" panose="01000000000000000000" pitchFamily="2" charset="-78"/>
+              </a:rPr>
+              <a:t>Mudde and </a:t>
+            </a:r>
+            <a:r>
+              <a:rPr lang="en-US" sz="3500" b="0" i="1" dirty="0" err="1">
+                <a:effectLst/>
+                <a:latin typeface="Aldhabi" panose="01000000000000000000" pitchFamily="2" charset="-78"/>
+                <a:cs typeface="Aldhabi" panose="01000000000000000000" pitchFamily="2" charset="-78"/>
+              </a:rPr>
+              <a:t>Rovira</a:t>
+            </a:r>
+            <a:r>
+              <a:rPr lang="en-US" sz="3500" b="0" i="1" dirty="0">
+                <a:effectLst/>
+                <a:latin typeface="Aldhabi" panose="01000000000000000000" pitchFamily="2" charset="-78"/>
+                <a:cs typeface="Aldhabi" panose="01000000000000000000" pitchFamily="2" charset="-78"/>
+              </a:rPr>
+              <a:t> </a:t>
+            </a:r>
+            <a:r>
+              <a:rPr lang="en-US" sz="3500" b="0" i="1" dirty="0" err="1">
+                <a:effectLst/>
+                <a:latin typeface="Aldhabi" panose="01000000000000000000" pitchFamily="2" charset="-78"/>
+                <a:cs typeface="Aldhabi" panose="01000000000000000000" pitchFamily="2" charset="-78"/>
+              </a:rPr>
+              <a:t>Kaltwasser</a:t>
+            </a:r>
+            <a:endParaRPr lang="it-IT" sz="3500" i="1" dirty="0">
+              <a:latin typeface="Aldhabi" panose="01000000000000000000" pitchFamily="2" charset="-78"/>
+              <a:cs typeface="Aldhabi" panose="01000000000000000000" pitchFamily="2" charset="-78"/>
+            </a:endParaRPr>
+          </a:p>
+        </p:txBody>
+      </p:sp>
+    </p:spTree>
+    <p:extLst>
+      <p:ext uri="{BB962C8B-B14F-4D97-AF65-F5344CB8AC3E}">
+        <p14:creationId xmlns:p14="http://schemas.microsoft.com/office/powerpoint/2010/main" val="3775509769"/>
+      </p:ext>
+    </p:extLst>
+  </p:cSld>
+  <p:clrMapOvr>
+    <a:masterClrMapping/>
+  </p:clrMapOvr>
+</p:sld>
+</file>
+
+<file path=ppt/slides/slide3.xml><?xml version="1.0" encoding="utf-8"?>
+<p:sld xmlns:a="http://schemas.openxmlformats.org/drawingml/2006/main" xmlns:r="http://schemas.openxmlformats.org/officeDocument/2006/relationships" xmlns:p="http://schemas.openxmlformats.org/presentationml/2006/main">
+  <p:cSld>
+    <p:spTree>
+      <p:nvGrpSpPr>
+        <p:cNvPr id="1" name=""/>
+        <p:cNvGrpSpPr/>
+        <p:nvPr/>
+      </p:nvGrpSpPr>
+      <p:grpSpPr>
+        <a:xfrm>
+          <a:off x="0" y="0"/>
+          <a:ext cx="0" cy="0"/>
+          <a:chOff x="0" y="0"/>
+          <a:chExt cx="0" cy="0"/>
+        </a:xfrm>
+      </p:grpSpPr>
       <p:pic>
         <p:nvPicPr>
           <p:cNvPr id="10" name="Immagine 9" descr="Immagine che contiene Viso umano, disegno, vestiti, persona&#10;&#10;Descrizione generata automaticamente">
@@ -7020,8 +7335,8 @@
         </p:blipFill>
         <p:spPr>
           <a:xfrm>
-            <a:off x="7102136" y="195309"/>
-            <a:ext cx="4083728" cy="2081063"/>
+            <a:off x="6427433" y="239227"/>
+            <a:ext cx="4172505" cy="2081063"/>
           </a:xfrm>
           <a:prstGeom prst="rect">
             <a:avLst/>
@@ -7085,8 +7400,8 @@
         </p:nvSpPr>
         <p:spPr>
           <a:xfrm>
-            <a:off x="833519" y="818095"/>
-            <a:ext cx="5931266" cy="923330"/>
+            <a:off x="949378" y="818093"/>
+            <a:ext cx="4904014" cy="923330"/>
           </a:xfrm>
           <a:prstGeom prst="rect">
             <a:avLst/>
@@ -7164,9 +7479,44 @@
 </p:sld>
 </file>
 
-<file path=ppt/slides/slide3.xml><?xml version="1.0" encoding="utf-8"?>
+<file path=ppt/slides/slide4.xml><?xml version="1.0" encoding="utf-8"?>
 <p:sld xmlns:a="http://schemas.openxmlformats.org/drawingml/2006/main" xmlns:r="http://schemas.openxmlformats.org/officeDocument/2006/relationships" xmlns:p="http://schemas.openxmlformats.org/presentationml/2006/main">
   <p:cSld>
+    <p:bg>
+      <p:bgPr>
+        <a:gradFill flip="none" rotWithShape="1">
+          <a:gsLst>
+            <a:gs pos="0">
+              <a:schemeClr val="accent3">
+                <a:lumMod val="5000"/>
+                <a:lumOff val="95000"/>
+              </a:schemeClr>
+            </a:gs>
+            <a:gs pos="74000">
+              <a:schemeClr val="accent3">
+                <a:lumMod val="45000"/>
+                <a:lumOff val="55000"/>
+              </a:schemeClr>
+            </a:gs>
+            <a:gs pos="83000">
+              <a:schemeClr val="accent3">
+                <a:lumMod val="45000"/>
+                <a:lumOff val="55000"/>
+              </a:schemeClr>
+            </a:gs>
+            <a:gs pos="100000">
+              <a:schemeClr val="accent3">
+                <a:lumMod val="30000"/>
+                <a:lumOff val="70000"/>
+              </a:schemeClr>
+            </a:gs>
+          </a:gsLst>
+          <a:lin ang="5400000" scaled="1"/>
+          <a:tileRect/>
+        </a:gradFill>
+        <a:effectLst/>
+      </p:bgPr>
+    </p:bg>
     <p:spTree>
       <p:nvGrpSpPr>
         <p:cNvPr id="1" name=""/>
@@ -7183,10 +7533,10 @@
       </p:grpSpPr>
       <p:sp>
         <p:nvSpPr>
-          <p:cNvPr id="3" name="Segnaposto contenuto 2">
+          <p:cNvPr id="2" name="Titolo 1">
             <a:extLst>
               <a:ext uri="{FF2B5EF4-FFF2-40B4-BE49-F238E27FC236}">
-                <a16:creationId xmlns:a16="http://schemas.microsoft.com/office/drawing/2014/main" id="{487F9929-77BB-6B30-4AE9-7F60309311A8}"/>
+                <a16:creationId xmlns:a16="http://schemas.microsoft.com/office/drawing/2014/main" id="{C0B6F312-2114-2FB6-E417-767F62CFF662}"/>
               </a:ext>
             </a:extLst>
           </p:cNvPr>
@@ -7194,105 +7544,1513 @@
             <a:spLocks noGrp="1"/>
           </p:cNvSpPr>
           <p:nvPr>
-            <p:ph sz="half" idx="1"/>
+            <p:ph type="title"/>
           </p:nvPr>
         </p:nvSpPr>
         <p:spPr>
           <a:xfrm>
-            <a:off x="292962" y="1635070"/>
-            <a:ext cx="5726838" cy="4020005"/>
+            <a:off x="6096000" y="4454539"/>
+            <a:ext cx="4952999" cy="1413326"/>
           </a:xfrm>
         </p:spPr>
         <p:txBody>
-          <a:bodyPr>
-            <a:normAutofit fontScale="92500" lnSpcReduction="10000"/>
+          <a:bodyPr anchor="b">
+            <a:normAutofit/>
           </a:bodyPr>
           <a:lstStyle/>
           <a:p>
-            <a:pPr marL="0" indent="0" algn="ctr">
-              <a:buNone/>
-            </a:pPr>
-            <a:r>
-              <a:rPr lang="en-US" b="0" i="1" dirty="0">
-                <a:effectLst/>
+            <a:r>
+              <a:rPr lang="it-IT" sz="1700" dirty="0">
+                <a:solidFill>
+                  <a:schemeClr val="tx2"/>
+                </a:solidFill>
                 <a:latin typeface="Arial" panose="020B0604020202020204" pitchFamily="34" charset="0"/>
+                <a:cs typeface="Arial" panose="020B0604020202020204" pitchFamily="34" charset="0"/>
               </a:rPr>
-              <a:t>Although frequently used by historians, social scientists, and political commentators, the term [populism] is exceptionally vague</a:t>
-            </a:r>
-            <a:br>
-              <a:rPr lang="en-US" i="1" dirty="0"/>
-            </a:br>
-            <a:r>
-              <a:rPr lang="en-US" b="0" i="1" dirty="0">
-                <a:effectLst/>
+              <a:t>Come espresso dalla definizione di </a:t>
+            </a:r>
+            <a:r>
+              <a:rPr lang="it-IT" sz="1700" b="1" dirty="0">
+                <a:solidFill>
+                  <a:schemeClr val="tx2"/>
+                </a:solidFill>
                 <a:latin typeface="Arial" panose="020B0604020202020204" pitchFamily="34" charset="0"/>
+                <a:cs typeface="Arial" panose="020B0604020202020204" pitchFamily="34" charset="0"/>
               </a:rPr>
-              <a:t>and refers in different contexts to a bewildering variety of phenomena.</a:t>
-            </a:r>
-          </a:p>
-          <a:p>
-            <a:pPr marL="0" indent="0">
-              <a:buNone/>
-            </a:pPr>
-            <a:endParaRPr lang="en-US" i="1" dirty="0">
-              <a:latin typeface="Arial" panose="020B0604020202020204" pitchFamily="34" charset="0"/>
-            </a:endParaRPr>
-          </a:p>
-          <a:p>
-            <a:pPr marL="0" indent="0">
-              <a:buNone/>
-            </a:pPr>
-            <a:r>
-              <a:rPr lang="en-US" sz="3500" b="0" i="0" dirty="0">
-                <a:effectLst/>
-                <a:latin typeface="Aldhabi" panose="01000000000000000000" pitchFamily="2" charset="-78"/>
-                <a:cs typeface="Aldhabi" panose="01000000000000000000" pitchFamily="2" charset="-78"/>
+              <a:t>Gerbaudo</a:t>
+            </a:r>
+            <a:r>
+              <a:rPr lang="it-IT" sz="1700" dirty="0">
+                <a:solidFill>
+                  <a:schemeClr val="tx2"/>
+                </a:solidFill>
+                <a:latin typeface="Arial" panose="020B0604020202020204" pitchFamily="34" charset="0"/>
+                <a:cs typeface="Arial" panose="020B0604020202020204" pitchFamily="34" charset="0"/>
               </a:rPr>
-              <a:t> </a:t>
-            </a:r>
-          </a:p>
-          <a:p>
-            <a:pPr marL="0" indent="0">
-              <a:buNone/>
-            </a:pPr>
-            <a:endParaRPr lang="en-US" sz="3500" dirty="0">
-              <a:latin typeface="Aldhabi" panose="01000000000000000000" pitchFamily="2" charset="-78"/>
-              <a:cs typeface="Aldhabi" panose="01000000000000000000" pitchFamily="2" charset="-78"/>
-            </a:endParaRPr>
-          </a:p>
-          <a:p>
-            <a:pPr marL="0" indent="0" algn="ctr">
-              <a:buNone/>
-            </a:pPr>
-            <a:r>
-              <a:rPr lang="en-US" sz="3500" b="0" i="1" dirty="0">
-                <a:effectLst/>
-                <a:latin typeface="Aldhabi" panose="01000000000000000000" pitchFamily="2" charset="-78"/>
-                <a:cs typeface="Aldhabi" panose="01000000000000000000" pitchFamily="2" charset="-78"/>
+              <a:t>, il populismo si afferma come il </a:t>
+            </a:r>
+            <a:r>
+              <a:rPr lang="it-IT" sz="1700" i="1" dirty="0">
+                <a:solidFill>
+                  <a:schemeClr val="tx2"/>
+                </a:solidFill>
+                <a:latin typeface="Arial" panose="020B0604020202020204" pitchFamily="34" charset="0"/>
+                <a:cs typeface="Arial" panose="020B0604020202020204" pitchFamily="34" charset="0"/>
               </a:rPr>
-              <a:t>Margaret </a:t>
-            </a:r>
-            <a:r>
-              <a:rPr lang="en-US" sz="3500" b="0" i="1" dirty="0" err="1">
-                <a:effectLst/>
-                <a:latin typeface="Aldhabi" panose="01000000000000000000" pitchFamily="2" charset="-78"/>
-                <a:cs typeface="Aldhabi" panose="01000000000000000000" pitchFamily="2" charset="-78"/>
+              <a:t>”partito piglia tutto”</a:t>
+            </a:r>
+            <a:r>
+              <a:rPr lang="it-IT" sz="1700" dirty="0">
+                <a:solidFill>
+                  <a:schemeClr val="tx2"/>
+                </a:solidFill>
+                <a:latin typeface="Arial" panose="020B0604020202020204" pitchFamily="34" charset="0"/>
+                <a:cs typeface="Arial" panose="020B0604020202020204" pitchFamily="34" charset="0"/>
               </a:rPr>
-              <a:t>Canovan</a:t>
-            </a:r>
-            <a:endParaRPr lang="it-IT" sz="3500" i="1" dirty="0">
-              <a:latin typeface="Aldhabi" panose="01000000000000000000" pitchFamily="2" charset="-78"/>
-              <a:cs typeface="Aldhabi" panose="01000000000000000000" pitchFamily="2" charset="-78"/>
-            </a:endParaRPr>
+              <a:t>: aggrega interessi indipendentemente dal loro grado di realizzabilità.</a:t>
+            </a:r>
           </a:p>
         </p:txBody>
       </p:sp>
+      <p:pic>
+        <p:nvPicPr>
+          <p:cNvPr id="4" name="Immagine 3" descr="Immagine che contiene testo, Carattere, grafica, design&#10;&#10;Descrizione generata automaticamente">
+            <a:extLst>
+              <a:ext uri="{FF2B5EF4-FFF2-40B4-BE49-F238E27FC236}">
+                <a16:creationId xmlns:a16="http://schemas.microsoft.com/office/drawing/2014/main" id="{CCC10F7E-D8FC-34AE-477F-EAC1B512A08E}"/>
+              </a:ext>
+            </a:extLst>
+          </p:cNvPr>
+          <p:cNvPicPr>
+            <a:picLocks noChangeAspect="1"/>
+          </p:cNvPicPr>
+          <p:nvPr/>
+        </p:nvPicPr>
+        <p:blipFill>
+          <a:blip r:embed="rId2"/>
+          <a:stretch>
+            <a:fillRect/>
+          </a:stretch>
+        </p:blipFill>
+        <p:spPr>
+          <a:xfrm>
+            <a:off x="612518" y="996697"/>
+            <a:ext cx="4793644" cy="4871168"/>
+          </a:xfrm>
+          <a:prstGeom prst="rect">
+            <a:avLst/>
+          </a:prstGeom>
+        </p:spPr>
+      </p:pic>
+      <p:grpSp>
+        <p:nvGrpSpPr>
+          <p:cNvPr id="28" name="Group 8">
+            <a:extLst>
+              <a:ext uri="{FF2B5EF4-FFF2-40B4-BE49-F238E27FC236}">
+                <a16:creationId xmlns:a16="http://schemas.microsoft.com/office/drawing/2014/main" id="{9B991AFC-21D0-28BD-C527-F66B1B56F841}"/>
+              </a:ext>
+              <a:ext uri="{C183D7F6-B498-43B3-948B-1728B52AA6E4}">
+                <adec:decorative xmlns:adec="http://schemas.microsoft.com/office/drawing/2017/decorative" val="1"/>
+              </a:ext>
+            </a:extLst>
+          </p:cNvPr>
+          <p:cNvGrpSpPr>
+            <a:grpSpLocks noGrp="1" noUngrp="1" noRot="1" noChangeAspect="1" noMove="1" noResize="1"/>
+          </p:cNvGrpSpPr>
+          <p:nvPr>
+            <p:extLst>
+              <p:ext uri="{386F3935-93C4-4BCD-93E2-E3B085C9AB24}">
+                <p16:designElem xmlns:p16="http://schemas.microsoft.com/office/powerpoint/2015/main" val="1"/>
+              </p:ext>
+            </p:extLst>
+          </p:nvPr>
+        </p:nvGrpSpPr>
+        <p:grpSpPr>
+          <a:xfrm>
+            <a:off x="10264608" y="74723"/>
+            <a:ext cx="1821184" cy="2084383"/>
+            <a:chOff x="10264608" y="74723"/>
+            <a:chExt cx="1821184" cy="2084383"/>
+          </a:xfrm>
+        </p:grpSpPr>
+        <p:sp>
+          <p:nvSpPr>
+            <p:cNvPr id="10" name="Freeform: Shape 9">
+              <a:extLst>
+                <a:ext uri="{FF2B5EF4-FFF2-40B4-BE49-F238E27FC236}">
+                  <a16:creationId xmlns:a16="http://schemas.microsoft.com/office/drawing/2014/main" id="{D4420C61-30B9-D26F-6720-C32154CA34BF}"/>
+                </a:ext>
+                <a:ext uri="{C183D7F6-B498-43B3-948B-1728B52AA6E4}">
+                  <adec:decorative xmlns:adec="http://schemas.microsoft.com/office/drawing/2017/decorative" val="1"/>
+                </a:ext>
+              </a:extLst>
+            </p:cNvPr>
+            <p:cNvSpPr/>
+            <p:nvPr>
+              <p:extLst>
+                <p:ext uri="{386F3935-93C4-4BCD-93E2-E3B085C9AB24}">
+                  <p16:designElem xmlns:p16="http://schemas.microsoft.com/office/powerpoint/2015/main" val="1"/>
+                </p:ext>
+              </p:extLst>
+            </p:nvPr>
+          </p:nvSpPr>
+          <p:spPr>
+            <a:xfrm rot="11465047" flipV="1">
+              <a:off x="11636678" y="400406"/>
+              <a:ext cx="413532" cy="368654"/>
+            </a:xfrm>
+            <a:custGeom>
+              <a:avLst/>
+              <a:gdLst>
+                <a:gd name="connsiteX0" fmla="*/ 2531073 w 4828010"/>
+                <a:gd name="connsiteY0" fmla="*/ 0 h 4873559"/>
+                <a:gd name="connsiteX1" fmla="*/ 3937963 w 4828010"/>
+                <a:gd name="connsiteY1" fmla="*/ 437433 h 4873559"/>
+                <a:gd name="connsiteX2" fmla="*/ 4806231 w 4828010"/>
+                <a:gd name="connsiteY2" fmla="*/ 1773180 h 4873559"/>
+                <a:gd name="connsiteX3" fmla="*/ 4448644 w 4828010"/>
+                <a:gd name="connsiteY3" fmla="*/ 3933235 h 4873559"/>
+                <a:gd name="connsiteX4" fmla="*/ 3192542 w 4828010"/>
+                <a:gd name="connsiteY4" fmla="*/ 4716168 h 4873559"/>
+                <a:gd name="connsiteX5" fmla="*/ 937448 w 4828010"/>
+                <a:gd name="connsiteY5" fmla="*/ 4547691 h 4873559"/>
+                <a:gd name="connsiteX6" fmla="*/ 12348 w 4828010"/>
+                <a:gd name="connsiteY6" fmla="*/ 3026750 h 4873559"/>
+                <a:gd name="connsiteX7" fmla="*/ 553508 w 4828010"/>
+                <a:gd name="connsiteY7" fmla="*/ 740383 h 4873559"/>
+                <a:gd name="connsiteX8" fmla="*/ 2531073 w 4828010"/>
+                <a:gd name="connsiteY8" fmla="*/ 0 h 4873559"/>
+                <a:gd name="connsiteX0" fmla="*/ 2531073 w 4828010"/>
+                <a:gd name="connsiteY0" fmla="*/ 0 h 4853896"/>
+                <a:gd name="connsiteX1" fmla="*/ 3937963 w 4828010"/>
+                <a:gd name="connsiteY1" fmla="*/ 437433 h 4853896"/>
+                <a:gd name="connsiteX2" fmla="*/ 4806231 w 4828010"/>
+                <a:gd name="connsiteY2" fmla="*/ 1773180 h 4853896"/>
+                <a:gd name="connsiteX3" fmla="*/ 4448644 w 4828010"/>
+                <a:gd name="connsiteY3" fmla="*/ 3933235 h 4853896"/>
+                <a:gd name="connsiteX4" fmla="*/ 3192542 w 4828010"/>
+                <a:gd name="connsiteY4" fmla="*/ 4716168 h 4853896"/>
+                <a:gd name="connsiteX5" fmla="*/ 1075671 w 4828010"/>
+                <a:gd name="connsiteY5" fmla="*/ 4473263 h 4853896"/>
+                <a:gd name="connsiteX6" fmla="*/ 12348 w 4828010"/>
+                <a:gd name="connsiteY6" fmla="*/ 3026750 h 4853896"/>
+                <a:gd name="connsiteX7" fmla="*/ 553508 w 4828010"/>
+                <a:gd name="connsiteY7" fmla="*/ 740383 h 4853896"/>
+                <a:gd name="connsiteX8" fmla="*/ 2531073 w 4828010"/>
+                <a:gd name="connsiteY8" fmla="*/ 0 h 4853896"/>
+                <a:gd name="connsiteX0" fmla="*/ 2531073 w 4828010"/>
+                <a:gd name="connsiteY0" fmla="*/ 0 h 4852652"/>
+                <a:gd name="connsiteX1" fmla="*/ 3937963 w 4828010"/>
+                <a:gd name="connsiteY1" fmla="*/ 437433 h 4852652"/>
+                <a:gd name="connsiteX2" fmla="*/ 4806231 w 4828010"/>
+                <a:gd name="connsiteY2" fmla="*/ 1773180 h 4852652"/>
+                <a:gd name="connsiteX3" fmla="*/ 4448644 w 4828010"/>
+                <a:gd name="connsiteY3" fmla="*/ 3933235 h 4852652"/>
+                <a:gd name="connsiteX4" fmla="*/ 3192542 w 4828010"/>
+                <a:gd name="connsiteY4" fmla="*/ 4716168 h 4852652"/>
+                <a:gd name="connsiteX5" fmla="*/ 1160732 w 4828010"/>
+                <a:gd name="connsiteY5" fmla="*/ 4467947 h 4852652"/>
+                <a:gd name="connsiteX6" fmla="*/ 12348 w 4828010"/>
+                <a:gd name="connsiteY6" fmla="*/ 3026750 h 4852652"/>
+                <a:gd name="connsiteX7" fmla="*/ 553508 w 4828010"/>
+                <a:gd name="connsiteY7" fmla="*/ 740383 h 4852652"/>
+                <a:gd name="connsiteX8" fmla="*/ 2531073 w 4828010"/>
+                <a:gd name="connsiteY8" fmla="*/ 0 h 4852652"/>
+                <a:gd name="connsiteX0" fmla="*/ 2531073 w 4828010"/>
+                <a:gd name="connsiteY0" fmla="*/ 0 h 4852652"/>
+                <a:gd name="connsiteX1" fmla="*/ 3937963 w 4828010"/>
+                <a:gd name="connsiteY1" fmla="*/ 437433 h 4852652"/>
+                <a:gd name="connsiteX2" fmla="*/ 4806231 w 4828010"/>
+                <a:gd name="connsiteY2" fmla="*/ 1773180 h 4852652"/>
+                <a:gd name="connsiteX3" fmla="*/ 4448644 w 4828010"/>
+                <a:gd name="connsiteY3" fmla="*/ 3933235 h 4852652"/>
+                <a:gd name="connsiteX4" fmla="*/ 3192542 w 4828010"/>
+                <a:gd name="connsiteY4" fmla="*/ 4716168 h 4852652"/>
+                <a:gd name="connsiteX5" fmla="*/ 1160732 w 4828010"/>
+                <a:gd name="connsiteY5" fmla="*/ 4467947 h 4852652"/>
+                <a:gd name="connsiteX6" fmla="*/ 12348 w 4828010"/>
+                <a:gd name="connsiteY6" fmla="*/ 3026750 h 4852652"/>
+                <a:gd name="connsiteX7" fmla="*/ 553508 w 4828010"/>
+                <a:gd name="connsiteY7" fmla="*/ 740383 h 4852652"/>
+                <a:gd name="connsiteX8" fmla="*/ 2531073 w 4828010"/>
+                <a:gd name="connsiteY8" fmla="*/ 0 h 4852652"/>
+                <a:gd name="connsiteX0" fmla="*/ 2460239 w 4757176"/>
+                <a:gd name="connsiteY0" fmla="*/ 0 h 4850182"/>
+                <a:gd name="connsiteX1" fmla="*/ 3867129 w 4757176"/>
+                <a:gd name="connsiteY1" fmla="*/ 437433 h 4850182"/>
+                <a:gd name="connsiteX2" fmla="*/ 4735397 w 4757176"/>
+                <a:gd name="connsiteY2" fmla="*/ 1773180 h 4850182"/>
+                <a:gd name="connsiteX3" fmla="*/ 4377810 w 4757176"/>
+                <a:gd name="connsiteY3" fmla="*/ 3933235 h 4850182"/>
+                <a:gd name="connsiteX4" fmla="*/ 3121708 w 4757176"/>
+                <a:gd name="connsiteY4" fmla="*/ 4716168 h 4850182"/>
+                <a:gd name="connsiteX5" fmla="*/ 1089898 w 4757176"/>
+                <a:gd name="connsiteY5" fmla="*/ 4467947 h 4850182"/>
+                <a:gd name="connsiteX6" fmla="*/ 15942 w 4757176"/>
+                <a:gd name="connsiteY6" fmla="*/ 3101178 h 4850182"/>
+                <a:gd name="connsiteX7" fmla="*/ 482674 w 4757176"/>
+                <a:gd name="connsiteY7" fmla="*/ 740383 h 4850182"/>
+                <a:gd name="connsiteX8" fmla="*/ 2460239 w 4757176"/>
+                <a:gd name="connsiteY8" fmla="*/ 0 h 4850182"/>
+                <a:gd name="connsiteX0" fmla="*/ 2460239 w 4757176"/>
+                <a:gd name="connsiteY0" fmla="*/ 0 h 4850182"/>
+                <a:gd name="connsiteX1" fmla="*/ 3867129 w 4757176"/>
+                <a:gd name="connsiteY1" fmla="*/ 437433 h 4850182"/>
+                <a:gd name="connsiteX2" fmla="*/ 4735397 w 4757176"/>
+                <a:gd name="connsiteY2" fmla="*/ 1773180 h 4850182"/>
+                <a:gd name="connsiteX3" fmla="*/ 4377810 w 4757176"/>
+                <a:gd name="connsiteY3" fmla="*/ 3933235 h 4850182"/>
+                <a:gd name="connsiteX4" fmla="*/ 3121708 w 4757176"/>
+                <a:gd name="connsiteY4" fmla="*/ 4716168 h 4850182"/>
+                <a:gd name="connsiteX5" fmla="*/ 1089898 w 4757176"/>
+                <a:gd name="connsiteY5" fmla="*/ 4467947 h 4850182"/>
+                <a:gd name="connsiteX6" fmla="*/ 15942 w 4757176"/>
+                <a:gd name="connsiteY6" fmla="*/ 3101178 h 4850182"/>
+                <a:gd name="connsiteX7" fmla="*/ 482674 w 4757176"/>
+                <a:gd name="connsiteY7" fmla="*/ 740383 h 4850182"/>
+                <a:gd name="connsiteX8" fmla="*/ 2460239 w 4757176"/>
+                <a:gd name="connsiteY8" fmla="*/ 0 h 4850182"/>
+                <a:gd name="connsiteX0" fmla="*/ 2484014 w 4780951"/>
+                <a:gd name="connsiteY0" fmla="*/ 0 h 4850182"/>
+                <a:gd name="connsiteX1" fmla="*/ 3890904 w 4780951"/>
+                <a:gd name="connsiteY1" fmla="*/ 437433 h 4850182"/>
+                <a:gd name="connsiteX2" fmla="*/ 4759172 w 4780951"/>
+                <a:gd name="connsiteY2" fmla="*/ 1773180 h 4850182"/>
+                <a:gd name="connsiteX3" fmla="*/ 4401585 w 4780951"/>
+                <a:gd name="connsiteY3" fmla="*/ 3933235 h 4850182"/>
+                <a:gd name="connsiteX4" fmla="*/ 3145483 w 4780951"/>
+                <a:gd name="connsiteY4" fmla="*/ 4716168 h 4850182"/>
+                <a:gd name="connsiteX5" fmla="*/ 1113673 w 4780951"/>
+                <a:gd name="connsiteY5" fmla="*/ 4467947 h 4850182"/>
+                <a:gd name="connsiteX6" fmla="*/ 39717 w 4780951"/>
+                <a:gd name="connsiteY6" fmla="*/ 3101178 h 4850182"/>
+                <a:gd name="connsiteX7" fmla="*/ 506449 w 4780951"/>
+                <a:gd name="connsiteY7" fmla="*/ 740383 h 4850182"/>
+                <a:gd name="connsiteX8" fmla="*/ 2484014 w 4780951"/>
+                <a:gd name="connsiteY8" fmla="*/ 0 h 4850182"/>
+                <a:gd name="connsiteX0" fmla="*/ 2484014 w 4780127"/>
+                <a:gd name="connsiteY0" fmla="*/ 0 h 4850182"/>
+                <a:gd name="connsiteX1" fmla="*/ 3890904 w 4780127"/>
+                <a:gd name="connsiteY1" fmla="*/ 437433 h 4850182"/>
+                <a:gd name="connsiteX2" fmla="*/ 4759172 w 4780127"/>
+                <a:gd name="connsiteY2" fmla="*/ 1773180 h 4850182"/>
+                <a:gd name="connsiteX3" fmla="*/ 4390953 w 4780127"/>
+                <a:gd name="connsiteY3" fmla="*/ 3805644 h 4850182"/>
+                <a:gd name="connsiteX4" fmla="*/ 3145483 w 4780127"/>
+                <a:gd name="connsiteY4" fmla="*/ 4716168 h 4850182"/>
+                <a:gd name="connsiteX5" fmla="*/ 1113673 w 4780127"/>
+                <a:gd name="connsiteY5" fmla="*/ 4467947 h 4850182"/>
+                <a:gd name="connsiteX6" fmla="*/ 39717 w 4780127"/>
+                <a:gd name="connsiteY6" fmla="*/ 3101178 h 4850182"/>
+                <a:gd name="connsiteX7" fmla="*/ 506449 w 4780127"/>
+                <a:gd name="connsiteY7" fmla="*/ 740383 h 4850182"/>
+                <a:gd name="connsiteX8" fmla="*/ 2484014 w 4780127"/>
+                <a:gd name="connsiteY8" fmla="*/ 0 h 4850182"/>
+                <a:gd name="connsiteX0" fmla="*/ 2484014 w 4778010"/>
+                <a:gd name="connsiteY0" fmla="*/ 0 h 4846926"/>
+                <a:gd name="connsiteX1" fmla="*/ 3890904 w 4778010"/>
+                <a:gd name="connsiteY1" fmla="*/ 437433 h 4846926"/>
+                <a:gd name="connsiteX2" fmla="*/ 4759172 w 4778010"/>
+                <a:gd name="connsiteY2" fmla="*/ 1773180 h 4846926"/>
+                <a:gd name="connsiteX3" fmla="*/ 4390953 w 4778010"/>
+                <a:gd name="connsiteY3" fmla="*/ 3805644 h 4846926"/>
+                <a:gd name="connsiteX4" fmla="*/ 3343914 w 4778010"/>
+                <a:gd name="connsiteY4" fmla="*/ 4712128 h 4846926"/>
+                <a:gd name="connsiteX5" fmla="*/ 1113673 w 4778010"/>
+                <a:gd name="connsiteY5" fmla="*/ 4467947 h 4846926"/>
+                <a:gd name="connsiteX6" fmla="*/ 39717 w 4778010"/>
+                <a:gd name="connsiteY6" fmla="*/ 3101178 h 4846926"/>
+                <a:gd name="connsiteX7" fmla="*/ 506449 w 4778010"/>
+                <a:gd name="connsiteY7" fmla="*/ 740383 h 4846926"/>
+                <a:gd name="connsiteX8" fmla="*/ 2484014 w 4778010"/>
+                <a:gd name="connsiteY8" fmla="*/ 0 h 4846926"/>
+                <a:gd name="connsiteX0" fmla="*/ 2484014 w 4782503"/>
+                <a:gd name="connsiteY0" fmla="*/ 0 h 4846926"/>
+                <a:gd name="connsiteX1" fmla="*/ 3890904 w 4782503"/>
+                <a:gd name="connsiteY1" fmla="*/ 437433 h 4846926"/>
+                <a:gd name="connsiteX2" fmla="*/ 4759172 w 4782503"/>
+                <a:gd name="connsiteY2" fmla="*/ 1773180 h 4846926"/>
+                <a:gd name="connsiteX3" fmla="*/ 4450482 w 4782503"/>
+                <a:gd name="connsiteY3" fmla="*/ 3688481 h 4846926"/>
+                <a:gd name="connsiteX4" fmla="*/ 3343914 w 4782503"/>
+                <a:gd name="connsiteY4" fmla="*/ 4712128 h 4846926"/>
+                <a:gd name="connsiteX5" fmla="*/ 1113673 w 4782503"/>
+                <a:gd name="connsiteY5" fmla="*/ 4467947 h 4846926"/>
+                <a:gd name="connsiteX6" fmla="*/ 39717 w 4782503"/>
+                <a:gd name="connsiteY6" fmla="*/ 3101178 h 4846926"/>
+                <a:gd name="connsiteX7" fmla="*/ 506449 w 4782503"/>
+                <a:gd name="connsiteY7" fmla="*/ 740383 h 4846926"/>
+                <a:gd name="connsiteX8" fmla="*/ 2484014 w 4782503"/>
+                <a:gd name="connsiteY8" fmla="*/ 0 h 4846926"/>
+                <a:gd name="connsiteX0" fmla="*/ 2484014 w 4784889"/>
+                <a:gd name="connsiteY0" fmla="*/ 0 h 4846926"/>
+                <a:gd name="connsiteX1" fmla="*/ 3890904 w 4784889"/>
+                <a:gd name="connsiteY1" fmla="*/ 437433 h 4846926"/>
+                <a:gd name="connsiteX2" fmla="*/ 4759172 w 4784889"/>
+                <a:gd name="connsiteY2" fmla="*/ 1773180 h 4846926"/>
+                <a:gd name="connsiteX3" fmla="*/ 4474294 w 4784889"/>
+                <a:gd name="connsiteY3" fmla="*/ 3676361 h 4846926"/>
+                <a:gd name="connsiteX4" fmla="*/ 3343914 w 4784889"/>
+                <a:gd name="connsiteY4" fmla="*/ 4712128 h 4846926"/>
+                <a:gd name="connsiteX5" fmla="*/ 1113673 w 4784889"/>
+                <a:gd name="connsiteY5" fmla="*/ 4467947 h 4846926"/>
+                <a:gd name="connsiteX6" fmla="*/ 39717 w 4784889"/>
+                <a:gd name="connsiteY6" fmla="*/ 3101178 h 4846926"/>
+                <a:gd name="connsiteX7" fmla="*/ 506449 w 4784889"/>
+                <a:gd name="connsiteY7" fmla="*/ 740383 h 4846926"/>
+                <a:gd name="connsiteX8" fmla="*/ 2484014 w 4784889"/>
+                <a:gd name="connsiteY8" fmla="*/ 0 h 4846926"/>
+                <a:gd name="connsiteX0" fmla="*/ 2484014 w 4784889"/>
+                <a:gd name="connsiteY0" fmla="*/ 0 h 4860980"/>
+                <a:gd name="connsiteX1" fmla="*/ 3890904 w 4784889"/>
+                <a:gd name="connsiteY1" fmla="*/ 437433 h 4860980"/>
+                <a:gd name="connsiteX2" fmla="*/ 4759172 w 4784889"/>
+                <a:gd name="connsiteY2" fmla="*/ 1773180 h 4860980"/>
+                <a:gd name="connsiteX3" fmla="*/ 4474294 w 4784889"/>
+                <a:gd name="connsiteY3" fmla="*/ 3676361 h 4860980"/>
+                <a:gd name="connsiteX4" fmla="*/ 3343914 w 4784889"/>
+                <a:gd name="connsiteY4" fmla="*/ 4712128 h 4860980"/>
+                <a:gd name="connsiteX5" fmla="*/ 1097799 w 4784889"/>
+                <a:gd name="connsiteY5" fmla="*/ 4524510 h 4860980"/>
+                <a:gd name="connsiteX6" fmla="*/ 39717 w 4784889"/>
+                <a:gd name="connsiteY6" fmla="*/ 3101178 h 4860980"/>
+                <a:gd name="connsiteX7" fmla="*/ 506449 w 4784889"/>
+                <a:gd name="connsiteY7" fmla="*/ 740383 h 4860980"/>
+                <a:gd name="connsiteX8" fmla="*/ 2484014 w 4784889"/>
+                <a:gd name="connsiteY8" fmla="*/ 0 h 4860980"/>
+                <a:gd name="connsiteX0" fmla="*/ 2484014 w 4783308"/>
+                <a:gd name="connsiteY0" fmla="*/ 0 h 4860981"/>
+                <a:gd name="connsiteX1" fmla="*/ 3890904 w 4783308"/>
+                <a:gd name="connsiteY1" fmla="*/ 437433 h 4860981"/>
+                <a:gd name="connsiteX2" fmla="*/ 4759172 w 4783308"/>
+                <a:gd name="connsiteY2" fmla="*/ 1773180 h 4860981"/>
+                <a:gd name="connsiteX3" fmla="*/ 4474294 w 4783308"/>
+                <a:gd name="connsiteY3" fmla="*/ 3676361 h 4860981"/>
+                <a:gd name="connsiteX4" fmla="*/ 3443129 w 4783308"/>
+                <a:gd name="connsiteY4" fmla="*/ 4712129 h 4860981"/>
+                <a:gd name="connsiteX5" fmla="*/ 1097799 w 4783308"/>
+                <a:gd name="connsiteY5" fmla="*/ 4524510 h 4860981"/>
+                <a:gd name="connsiteX6" fmla="*/ 39717 w 4783308"/>
+                <a:gd name="connsiteY6" fmla="*/ 3101178 h 4860981"/>
+                <a:gd name="connsiteX7" fmla="*/ 506449 w 4783308"/>
+                <a:gd name="connsiteY7" fmla="*/ 740383 h 4860981"/>
+                <a:gd name="connsiteX8" fmla="*/ 2484014 w 4783308"/>
+                <a:gd name="connsiteY8" fmla="*/ 0 h 4860981"/>
+                <a:gd name="connsiteX0" fmla="*/ 2484014 w 4783308"/>
+                <a:gd name="connsiteY0" fmla="*/ 0 h 4821502"/>
+                <a:gd name="connsiteX1" fmla="*/ 3890904 w 4783308"/>
+                <a:gd name="connsiteY1" fmla="*/ 437433 h 4821502"/>
+                <a:gd name="connsiteX2" fmla="*/ 4759172 w 4783308"/>
+                <a:gd name="connsiteY2" fmla="*/ 1773180 h 4821502"/>
+                <a:gd name="connsiteX3" fmla="*/ 4474294 w 4783308"/>
+                <a:gd name="connsiteY3" fmla="*/ 3676361 h 4821502"/>
+                <a:gd name="connsiteX4" fmla="*/ 3443129 w 4783308"/>
+                <a:gd name="connsiteY4" fmla="*/ 4712129 h 4821502"/>
+                <a:gd name="connsiteX5" fmla="*/ 1097799 w 4783308"/>
+                <a:gd name="connsiteY5" fmla="*/ 4524510 h 4821502"/>
+                <a:gd name="connsiteX6" fmla="*/ 39717 w 4783308"/>
+                <a:gd name="connsiteY6" fmla="*/ 3101178 h 4821502"/>
+                <a:gd name="connsiteX7" fmla="*/ 506449 w 4783308"/>
+                <a:gd name="connsiteY7" fmla="*/ 740383 h 4821502"/>
+                <a:gd name="connsiteX8" fmla="*/ 2484014 w 4783308"/>
+                <a:gd name="connsiteY8" fmla="*/ 0 h 4821502"/>
+                <a:gd name="connsiteX0" fmla="*/ 2484014 w 4783308"/>
+                <a:gd name="connsiteY0" fmla="*/ 0 h 4821502"/>
+                <a:gd name="connsiteX1" fmla="*/ 3890904 w 4783308"/>
+                <a:gd name="connsiteY1" fmla="*/ 437433 h 4821502"/>
+                <a:gd name="connsiteX2" fmla="*/ 4759172 w 4783308"/>
+                <a:gd name="connsiteY2" fmla="*/ 1773180 h 4821502"/>
+                <a:gd name="connsiteX3" fmla="*/ 4474294 w 4783308"/>
+                <a:gd name="connsiteY3" fmla="*/ 3676361 h 4821502"/>
+                <a:gd name="connsiteX4" fmla="*/ 3443129 w 4783308"/>
+                <a:gd name="connsiteY4" fmla="*/ 4712129 h 4821502"/>
+                <a:gd name="connsiteX5" fmla="*/ 1097799 w 4783308"/>
+                <a:gd name="connsiteY5" fmla="*/ 4524510 h 4821502"/>
+                <a:gd name="connsiteX6" fmla="*/ 39717 w 4783308"/>
+                <a:gd name="connsiteY6" fmla="*/ 3101178 h 4821502"/>
+                <a:gd name="connsiteX7" fmla="*/ 506449 w 4783308"/>
+                <a:gd name="connsiteY7" fmla="*/ 740383 h 4821502"/>
+                <a:gd name="connsiteX8" fmla="*/ 2484014 w 4783308"/>
+                <a:gd name="connsiteY8" fmla="*/ 0 h 4821502"/>
+                <a:gd name="connsiteX0" fmla="*/ 2532073 w 4784141"/>
+                <a:gd name="connsiteY0" fmla="*/ 0 h 4773425"/>
+                <a:gd name="connsiteX1" fmla="*/ 3891737 w 4784141"/>
+                <a:gd name="connsiteY1" fmla="*/ 389356 h 4773425"/>
+                <a:gd name="connsiteX2" fmla="*/ 4760005 w 4784141"/>
+                <a:gd name="connsiteY2" fmla="*/ 1725103 h 4773425"/>
+                <a:gd name="connsiteX3" fmla="*/ 4475127 w 4784141"/>
+                <a:gd name="connsiteY3" fmla="*/ 3628284 h 4773425"/>
+                <a:gd name="connsiteX4" fmla="*/ 3443962 w 4784141"/>
+                <a:gd name="connsiteY4" fmla="*/ 4664052 h 4773425"/>
+                <a:gd name="connsiteX5" fmla="*/ 1098632 w 4784141"/>
+                <a:gd name="connsiteY5" fmla="*/ 4476433 h 4773425"/>
+                <a:gd name="connsiteX6" fmla="*/ 40550 w 4784141"/>
+                <a:gd name="connsiteY6" fmla="*/ 3053101 h 4773425"/>
+                <a:gd name="connsiteX7" fmla="*/ 507282 w 4784141"/>
+                <a:gd name="connsiteY7" fmla="*/ 692306 h 4773425"/>
+                <a:gd name="connsiteX8" fmla="*/ 2532073 w 4784141"/>
+                <a:gd name="connsiteY8" fmla="*/ 0 h 4773425"/>
+                <a:gd name="connsiteX0" fmla="*/ 2532073 w 4784141"/>
+                <a:gd name="connsiteY0" fmla="*/ 491 h 4773916"/>
+                <a:gd name="connsiteX1" fmla="*/ 3891737 w 4784141"/>
+                <a:gd name="connsiteY1" fmla="*/ 389847 h 4773916"/>
+                <a:gd name="connsiteX2" fmla="*/ 4760005 w 4784141"/>
+                <a:gd name="connsiteY2" fmla="*/ 1725594 h 4773916"/>
+                <a:gd name="connsiteX3" fmla="*/ 4475127 w 4784141"/>
+                <a:gd name="connsiteY3" fmla="*/ 3628775 h 4773916"/>
+                <a:gd name="connsiteX4" fmla="*/ 3443962 w 4784141"/>
+                <a:gd name="connsiteY4" fmla="*/ 4664543 h 4773916"/>
+                <a:gd name="connsiteX5" fmla="*/ 1098632 w 4784141"/>
+                <a:gd name="connsiteY5" fmla="*/ 4476924 h 4773916"/>
+                <a:gd name="connsiteX6" fmla="*/ 40550 w 4784141"/>
+                <a:gd name="connsiteY6" fmla="*/ 3053592 h 4773916"/>
+                <a:gd name="connsiteX7" fmla="*/ 507282 w 4784141"/>
+                <a:gd name="connsiteY7" fmla="*/ 692797 h 4773916"/>
+                <a:gd name="connsiteX8" fmla="*/ 2532073 w 4784141"/>
+                <a:gd name="connsiteY8" fmla="*/ 491 h 4773916"/>
+                <a:gd name="connsiteX0" fmla="*/ 2532073 w 4784141"/>
+                <a:gd name="connsiteY0" fmla="*/ 491 h 4773916"/>
+                <a:gd name="connsiteX1" fmla="*/ 3891737 w 4784141"/>
+                <a:gd name="connsiteY1" fmla="*/ 389847 h 4773916"/>
+                <a:gd name="connsiteX2" fmla="*/ 4760005 w 4784141"/>
+                <a:gd name="connsiteY2" fmla="*/ 1725594 h 4773916"/>
+                <a:gd name="connsiteX3" fmla="*/ 4475127 w 4784141"/>
+                <a:gd name="connsiteY3" fmla="*/ 3628775 h 4773916"/>
+                <a:gd name="connsiteX4" fmla="*/ 3443962 w 4784141"/>
+                <a:gd name="connsiteY4" fmla="*/ 4664543 h 4773916"/>
+                <a:gd name="connsiteX5" fmla="*/ 1098632 w 4784141"/>
+                <a:gd name="connsiteY5" fmla="*/ 4476924 h 4773916"/>
+                <a:gd name="connsiteX6" fmla="*/ 40550 w 4784141"/>
+                <a:gd name="connsiteY6" fmla="*/ 3053592 h 4773916"/>
+                <a:gd name="connsiteX7" fmla="*/ 507282 w 4784141"/>
+                <a:gd name="connsiteY7" fmla="*/ 692797 h 4773916"/>
+                <a:gd name="connsiteX8" fmla="*/ 2532073 w 4784141"/>
+                <a:gd name="connsiteY8" fmla="*/ 491 h 4773916"/>
+                <a:gd name="connsiteX0" fmla="*/ 2558783 w 4784614"/>
+                <a:gd name="connsiteY0" fmla="*/ 525 h 4757924"/>
+                <a:gd name="connsiteX1" fmla="*/ 3892210 w 4784614"/>
+                <a:gd name="connsiteY1" fmla="*/ 373855 h 4757924"/>
+                <a:gd name="connsiteX2" fmla="*/ 4760478 w 4784614"/>
+                <a:gd name="connsiteY2" fmla="*/ 1709602 h 4757924"/>
+                <a:gd name="connsiteX3" fmla="*/ 4475600 w 4784614"/>
+                <a:gd name="connsiteY3" fmla="*/ 3612783 h 4757924"/>
+                <a:gd name="connsiteX4" fmla="*/ 3444435 w 4784614"/>
+                <a:gd name="connsiteY4" fmla="*/ 4648551 h 4757924"/>
+                <a:gd name="connsiteX5" fmla="*/ 1099105 w 4784614"/>
+                <a:gd name="connsiteY5" fmla="*/ 4460932 h 4757924"/>
+                <a:gd name="connsiteX6" fmla="*/ 41023 w 4784614"/>
+                <a:gd name="connsiteY6" fmla="*/ 3037600 h 4757924"/>
+                <a:gd name="connsiteX7" fmla="*/ 507755 w 4784614"/>
+                <a:gd name="connsiteY7" fmla="*/ 676805 h 4757924"/>
+                <a:gd name="connsiteX8" fmla="*/ 2558783 w 4784614"/>
+                <a:gd name="connsiteY8" fmla="*/ 525 h 4757924"/>
+                <a:gd name="connsiteX0" fmla="*/ 2558783 w 4784614"/>
+                <a:gd name="connsiteY0" fmla="*/ 408 h 4757807"/>
+                <a:gd name="connsiteX1" fmla="*/ 3907953 w 4784614"/>
+                <a:gd name="connsiteY1" fmla="*/ 443183 h 4757807"/>
+                <a:gd name="connsiteX2" fmla="*/ 4760478 w 4784614"/>
+                <a:gd name="connsiteY2" fmla="*/ 1709485 h 4757807"/>
+                <a:gd name="connsiteX3" fmla="*/ 4475600 w 4784614"/>
+                <a:gd name="connsiteY3" fmla="*/ 3612666 h 4757807"/>
+                <a:gd name="connsiteX4" fmla="*/ 3444435 w 4784614"/>
+                <a:gd name="connsiteY4" fmla="*/ 4648434 h 4757807"/>
+                <a:gd name="connsiteX5" fmla="*/ 1099105 w 4784614"/>
+                <a:gd name="connsiteY5" fmla="*/ 4460815 h 4757807"/>
+                <a:gd name="connsiteX6" fmla="*/ 41023 w 4784614"/>
+                <a:gd name="connsiteY6" fmla="*/ 3037483 h 4757807"/>
+                <a:gd name="connsiteX7" fmla="*/ 507755 w 4784614"/>
+                <a:gd name="connsiteY7" fmla="*/ 676688 h 4757807"/>
+                <a:gd name="connsiteX8" fmla="*/ 2558783 w 4784614"/>
+                <a:gd name="connsiteY8" fmla="*/ 408 h 4757807"/>
+                <a:gd name="connsiteX0" fmla="*/ 2675744 w 4786788"/>
+                <a:gd name="connsiteY0" fmla="*/ 250 h 4954478"/>
+                <a:gd name="connsiteX1" fmla="*/ 3910127 w 4786788"/>
+                <a:gd name="connsiteY1" fmla="*/ 639854 h 4954478"/>
+                <a:gd name="connsiteX2" fmla="*/ 4762652 w 4786788"/>
+                <a:gd name="connsiteY2" fmla="*/ 1906156 h 4954478"/>
+                <a:gd name="connsiteX3" fmla="*/ 4477774 w 4786788"/>
+                <a:gd name="connsiteY3" fmla="*/ 3809337 h 4954478"/>
+                <a:gd name="connsiteX4" fmla="*/ 3446609 w 4786788"/>
+                <a:gd name="connsiteY4" fmla="*/ 4845105 h 4954478"/>
+                <a:gd name="connsiteX5" fmla="*/ 1101279 w 4786788"/>
+                <a:gd name="connsiteY5" fmla="*/ 4657486 h 4954478"/>
+                <a:gd name="connsiteX6" fmla="*/ 43197 w 4786788"/>
+                <a:gd name="connsiteY6" fmla="*/ 3234154 h 4954478"/>
+                <a:gd name="connsiteX7" fmla="*/ 509929 w 4786788"/>
+                <a:gd name="connsiteY7" fmla="*/ 873359 h 4954478"/>
+                <a:gd name="connsiteX8" fmla="*/ 2675744 w 4786788"/>
+                <a:gd name="connsiteY8" fmla="*/ 250 h 4954478"/>
+                <a:gd name="connsiteX0" fmla="*/ 2675744 w 4786788"/>
+                <a:gd name="connsiteY0" fmla="*/ 250 h 4954478"/>
+                <a:gd name="connsiteX1" fmla="*/ 3910127 w 4786788"/>
+                <a:gd name="connsiteY1" fmla="*/ 639854 h 4954478"/>
+                <a:gd name="connsiteX2" fmla="*/ 4762652 w 4786788"/>
+                <a:gd name="connsiteY2" fmla="*/ 1906156 h 4954478"/>
+                <a:gd name="connsiteX3" fmla="*/ 4477774 w 4786788"/>
+                <a:gd name="connsiteY3" fmla="*/ 3809337 h 4954478"/>
+                <a:gd name="connsiteX4" fmla="*/ 3446609 w 4786788"/>
+                <a:gd name="connsiteY4" fmla="*/ 4845105 h 4954478"/>
+                <a:gd name="connsiteX5" fmla="*/ 1101279 w 4786788"/>
+                <a:gd name="connsiteY5" fmla="*/ 4657486 h 4954478"/>
+                <a:gd name="connsiteX6" fmla="*/ 43197 w 4786788"/>
+                <a:gd name="connsiteY6" fmla="*/ 3234154 h 4954478"/>
+                <a:gd name="connsiteX7" fmla="*/ 509929 w 4786788"/>
+                <a:gd name="connsiteY7" fmla="*/ 873359 h 4954478"/>
+                <a:gd name="connsiteX8" fmla="*/ 2675744 w 4786788"/>
+                <a:gd name="connsiteY8" fmla="*/ 250 h 4954478"/>
+                <a:gd name="connsiteX0" fmla="*/ 2675744 w 4786788"/>
+                <a:gd name="connsiteY0" fmla="*/ 290 h 4954518"/>
+                <a:gd name="connsiteX1" fmla="*/ 3910127 w 4786788"/>
+                <a:gd name="connsiteY1" fmla="*/ 639894 h 4954518"/>
+                <a:gd name="connsiteX2" fmla="*/ 4762652 w 4786788"/>
+                <a:gd name="connsiteY2" fmla="*/ 1906196 h 4954518"/>
+                <a:gd name="connsiteX3" fmla="*/ 4477774 w 4786788"/>
+                <a:gd name="connsiteY3" fmla="*/ 3809377 h 4954518"/>
+                <a:gd name="connsiteX4" fmla="*/ 3446609 w 4786788"/>
+                <a:gd name="connsiteY4" fmla="*/ 4845145 h 4954518"/>
+                <a:gd name="connsiteX5" fmla="*/ 1101279 w 4786788"/>
+                <a:gd name="connsiteY5" fmla="*/ 4657526 h 4954518"/>
+                <a:gd name="connsiteX6" fmla="*/ 43197 w 4786788"/>
+                <a:gd name="connsiteY6" fmla="*/ 3234194 h 4954518"/>
+                <a:gd name="connsiteX7" fmla="*/ 509929 w 4786788"/>
+                <a:gd name="connsiteY7" fmla="*/ 873399 h 4954518"/>
+                <a:gd name="connsiteX8" fmla="*/ 2675744 w 4786788"/>
+                <a:gd name="connsiteY8" fmla="*/ 290 h 4954518"/>
+                <a:gd name="connsiteX0" fmla="*/ 2675744 w 4786788"/>
+                <a:gd name="connsiteY0" fmla="*/ 326 h 4954554"/>
+                <a:gd name="connsiteX1" fmla="*/ 3990884 w 4786788"/>
+                <a:gd name="connsiteY1" fmla="*/ 591130 h 4954554"/>
+                <a:gd name="connsiteX2" fmla="*/ 4762652 w 4786788"/>
+                <a:gd name="connsiteY2" fmla="*/ 1906232 h 4954554"/>
+                <a:gd name="connsiteX3" fmla="*/ 4477774 w 4786788"/>
+                <a:gd name="connsiteY3" fmla="*/ 3809413 h 4954554"/>
+                <a:gd name="connsiteX4" fmla="*/ 3446609 w 4786788"/>
+                <a:gd name="connsiteY4" fmla="*/ 4845181 h 4954554"/>
+                <a:gd name="connsiteX5" fmla="*/ 1101279 w 4786788"/>
+                <a:gd name="connsiteY5" fmla="*/ 4657562 h 4954554"/>
+                <a:gd name="connsiteX6" fmla="*/ 43197 w 4786788"/>
+                <a:gd name="connsiteY6" fmla="*/ 3234230 h 4954554"/>
+                <a:gd name="connsiteX7" fmla="*/ 509929 w 4786788"/>
+                <a:gd name="connsiteY7" fmla="*/ 873435 h 4954554"/>
+                <a:gd name="connsiteX8" fmla="*/ 2675744 w 4786788"/>
+                <a:gd name="connsiteY8" fmla="*/ 326 h 4954554"/>
+                <a:gd name="connsiteX0" fmla="*/ 2662196 w 4773240"/>
+                <a:gd name="connsiteY0" fmla="*/ 326 h 4954554"/>
+                <a:gd name="connsiteX1" fmla="*/ 3977336 w 4773240"/>
+                <a:gd name="connsiteY1" fmla="*/ 591130 h 4954554"/>
+                <a:gd name="connsiteX2" fmla="*/ 4749104 w 4773240"/>
+                <a:gd name="connsiteY2" fmla="*/ 1906232 h 4954554"/>
+                <a:gd name="connsiteX3" fmla="*/ 4464226 w 4773240"/>
+                <a:gd name="connsiteY3" fmla="*/ 3809413 h 4954554"/>
+                <a:gd name="connsiteX4" fmla="*/ 3433061 w 4773240"/>
+                <a:gd name="connsiteY4" fmla="*/ 4845181 h 4954554"/>
+                <a:gd name="connsiteX5" fmla="*/ 1087731 w 4773240"/>
+                <a:gd name="connsiteY5" fmla="*/ 4657562 h 4954554"/>
+                <a:gd name="connsiteX6" fmla="*/ 29649 w 4773240"/>
+                <a:gd name="connsiteY6" fmla="*/ 3234230 h 4954554"/>
+                <a:gd name="connsiteX7" fmla="*/ 640977 w 4773240"/>
+                <a:gd name="connsiteY7" fmla="*/ 730117 h 4954554"/>
+                <a:gd name="connsiteX8" fmla="*/ 2662196 w 4773240"/>
+                <a:gd name="connsiteY8" fmla="*/ 326 h 4954554"/>
+                <a:gd name="connsiteX0" fmla="*/ 2664762 w 4775806"/>
+                <a:gd name="connsiteY0" fmla="*/ 326 h 4954554"/>
+                <a:gd name="connsiteX1" fmla="*/ 3979902 w 4775806"/>
+                <a:gd name="connsiteY1" fmla="*/ 591130 h 4954554"/>
+                <a:gd name="connsiteX2" fmla="*/ 4751670 w 4775806"/>
+                <a:gd name="connsiteY2" fmla="*/ 1906232 h 4954554"/>
+                <a:gd name="connsiteX3" fmla="*/ 4466792 w 4775806"/>
+                <a:gd name="connsiteY3" fmla="*/ 3809413 h 4954554"/>
+                <a:gd name="connsiteX4" fmla="*/ 3435627 w 4775806"/>
+                <a:gd name="connsiteY4" fmla="*/ 4845181 h 4954554"/>
+                <a:gd name="connsiteX5" fmla="*/ 1090297 w 4775806"/>
+                <a:gd name="connsiteY5" fmla="*/ 4657562 h 4954554"/>
+                <a:gd name="connsiteX6" fmla="*/ 32215 w 4775806"/>
+                <a:gd name="connsiteY6" fmla="*/ 3234230 h 4954554"/>
+                <a:gd name="connsiteX7" fmla="*/ 607899 w 4775806"/>
+                <a:gd name="connsiteY7" fmla="*/ 806182 h 4954554"/>
+                <a:gd name="connsiteX8" fmla="*/ 2664762 w 4775806"/>
+                <a:gd name="connsiteY8" fmla="*/ 326 h 4954554"/>
+                <a:gd name="connsiteX0" fmla="*/ 2673549 w 4784593"/>
+                <a:gd name="connsiteY0" fmla="*/ 326 h 4954554"/>
+                <a:gd name="connsiteX1" fmla="*/ 3988689 w 4784593"/>
+                <a:gd name="connsiteY1" fmla="*/ 591130 h 4954554"/>
+                <a:gd name="connsiteX2" fmla="*/ 4760457 w 4784593"/>
+                <a:gd name="connsiteY2" fmla="*/ 1906232 h 4954554"/>
+                <a:gd name="connsiteX3" fmla="*/ 4475579 w 4784593"/>
+                <a:gd name="connsiteY3" fmla="*/ 3809413 h 4954554"/>
+                <a:gd name="connsiteX4" fmla="*/ 3444414 w 4784593"/>
+                <a:gd name="connsiteY4" fmla="*/ 4845181 h 4954554"/>
+                <a:gd name="connsiteX5" fmla="*/ 1099084 w 4784593"/>
+                <a:gd name="connsiteY5" fmla="*/ 4657562 h 4954554"/>
+                <a:gd name="connsiteX6" fmla="*/ 41002 w 4784593"/>
+                <a:gd name="connsiteY6" fmla="*/ 3234230 h 4954554"/>
+                <a:gd name="connsiteX7" fmla="*/ 616686 w 4784593"/>
+                <a:gd name="connsiteY7" fmla="*/ 806182 h 4954554"/>
+                <a:gd name="connsiteX8" fmla="*/ 2673549 w 4784593"/>
+                <a:gd name="connsiteY8" fmla="*/ 326 h 4954554"/>
+                <a:gd name="connsiteX0" fmla="*/ 2649000 w 4760044"/>
+                <a:gd name="connsiteY0" fmla="*/ 326 h 4964273"/>
+                <a:gd name="connsiteX1" fmla="*/ 3964140 w 4760044"/>
+                <a:gd name="connsiteY1" fmla="*/ 591130 h 4964273"/>
+                <a:gd name="connsiteX2" fmla="*/ 4735908 w 4760044"/>
+                <a:gd name="connsiteY2" fmla="*/ 1906232 h 4964273"/>
+                <a:gd name="connsiteX3" fmla="*/ 4451030 w 4760044"/>
+                <a:gd name="connsiteY3" fmla="*/ 3809413 h 4964273"/>
+                <a:gd name="connsiteX4" fmla="*/ 3419865 w 4760044"/>
+                <a:gd name="connsiteY4" fmla="*/ 4845181 h 4964273"/>
+                <a:gd name="connsiteX5" fmla="*/ 1074535 w 4760044"/>
+                <a:gd name="connsiteY5" fmla="*/ 4657562 h 4964273"/>
+                <a:gd name="connsiteX6" fmla="*/ 33359 w 4760044"/>
+                <a:gd name="connsiteY6" fmla="*/ 2995991 h 4964273"/>
+                <a:gd name="connsiteX7" fmla="*/ 592137 w 4760044"/>
+                <a:gd name="connsiteY7" fmla="*/ 806182 h 4964273"/>
+                <a:gd name="connsiteX8" fmla="*/ 2649000 w 4760044"/>
+                <a:gd name="connsiteY8" fmla="*/ 326 h 4964273"/>
+                <a:gd name="connsiteX0" fmla="*/ 2649000 w 4760044"/>
+                <a:gd name="connsiteY0" fmla="*/ 300 h 4964247"/>
+                <a:gd name="connsiteX1" fmla="*/ 3813909 w 4760044"/>
+                <a:gd name="connsiteY1" fmla="*/ 619239 h 4964247"/>
+                <a:gd name="connsiteX2" fmla="*/ 4735908 w 4760044"/>
+                <a:gd name="connsiteY2" fmla="*/ 1906206 h 4964247"/>
+                <a:gd name="connsiteX3" fmla="*/ 4451030 w 4760044"/>
+                <a:gd name="connsiteY3" fmla="*/ 3809387 h 4964247"/>
+                <a:gd name="connsiteX4" fmla="*/ 3419865 w 4760044"/>
+                <a:gd name="connsiteY4" fmla="*/ 4845155 h 4964247"/>
+                <a:gd name="connsiteX5" fmla="*/ 1074535 w 4760044"/>
+                <a:gd name="connsiteY5" fmla="*/ 4657536 h 4964247"/>
+                <a:gd name="connsiteX6" fmla="*/ 33359 w 4760044"/>
+                <a:gd name="connsiteY6" fmla="*/ 2995965 h 4964247"/>
+                <a:gd name="connsiteX7" fmla="*/ 592137 w 4760044"/>
+                <a:gd name="connsiteY7" fmla="*/ 806156 h 4964247"/>
+                <a:gd name="connsiteX8" fmla="*/ 2649000 w 4760044"/>
+                <a:gd name="connsiteY8" fmla="*/ 300 h 4964247"/>
+                <a:gd name="connsiteX0" fmla="*/ 2649000 w 4849477"/>
+                <a:gd name="connsiteY0" fmla="*/ -2 h 4963945"/>
+                <a:gd name="connsiteX1" fmla="*/ 4735908 w 4849477"/>
+                <a:gd name="connsiteY1" fmla="*/ 1905904 h 4963945"/>
+                <a:gd name="connsiteX2" fmla="*/ 4451030 w 4849477"/>
+                <a:gd name="connsiteY2" fmla="*/ 3809085 h 4963945"/>
+                <a:gd name="connsiteX3" fmla="*/ 3419865 w 4849477"/>
+                <a:gd name="connsiteY3" fmla="*/ 4844853 h 4963945"/>
+                <a:gd name="connsiteX4" fmla="*/ 1074535 w 4849477"/>
+                <a:gd name="connsiteY4" fmla="*/ 4657234 h 4963945"/>
+                <a:gd name="connsiteX5" fmla="*/ 33359 w 4849477"/>
+                <a:gd name="connsiteY5" fmla="*/ 2995663 h 4963945"/>
+                <a:gd name="connsiteX6" fmla="*/ 592137 w 4849477"/>
+                <a:gd name="connsiteY6" fmla="*/ 805854 h 4963945"/>
+                <a:gd name="connsiteX7" fmla="*/ 2649000 w 4849477"/>
+                <a:gd name="connsiteY7" fmla="*/ -2 h 4963945"/>
+                <a:gd name="connsiteX0" fmla="*/ 2649000 w 4859466"/>
+                <a:gd name="connsiteY0" fmla="*/ -2 h 5536260"/>
+                <a:gd name="connsiteX1" fmla="*/ 4735908 w 4859466"/>
+                <a:gd name="connsiteY1" fmla="*/ 1905904 h 5536260"/>
+                <a:gd name="connsiteX2" fmla="*/ 4451030 w 4859466"/>
+                <a:gd name="connsiteY2" fmla="*/ 3809085 h 5536260"/>
+                <a:gd name="connsiteX3" fmla="*/ 3067466 w 4859466"/>
+                <a:gd name="connsiteY3" fmla="*/ 5491001 h 5536260"/>
+                <a:gd name="connsiteX4" fmla="*/ 1074535 w 4859466"/>
+                <a:gd name="connsiteY4" fmla="*/ 4657234 h 5536260"/>
+                <a:gd name="connsiteX5" fmla="*/ 33359 w 4859466"/>
+                <a:gd name="connsiteY5" fmla="*/ 2995663 h 5536260"/>
+                <a:gd name="connsiteX6" fmla="*/ 592137 w 4859466"/>
+                <a:gd name="connsiteY6" fmla="*/ 805854 h 5536260"/>
+                <a:gd name="connsiteX7" fmla="*/ 2649000 w 4859466"/>
+                <a:gd name="connsiteY7" fmla="*/ -2 h 5536260"/>
+                <a:gd name="connsiteX0" fmla="*/ 2780481 w 4861205"/>
+                <a:gd name="connsiteY0" fmla="*/ -2 h 5864449"/>
+                <a:gd name="connsiteX1" fmla="*/ 4737647 w 4861205"/>
+                <a:gd name="connsiteY1" fmla="*/ 2234093 h 5864449"/>
+                <a:gd name="connsiteX2" fmla="*/ 4452769 w 4861205"/>
+                <a:gd name="connsiteY2" fmla="*/ 4137274 h 5864449"/>
+                <a:gd name="connsiteX3" fmla="*/ 3069205 w 4861205"/>
+                <a:gd name="connsiteY3" fmla="*/ 5819190 h 5864449"/>
+                <a:gd name="connsiteX4" fmla="*/ 1076274 w 4861205"/>
+                <a:gd name="connsiteY4" fmla="*/ 4985423 h 5864449"/>
+                <a:gd name="connsiteX5" fmla="*/ 35098 w 4861205"/>
+                <a:gd name="connsiteY5" fmla="*/ 3323852 h 5864449"/>
+                <a:gd name="connsiteX6" fmla="*/ 593876 w 4861205"/>
+                <a:gd name="connsiteY6" fmla="*/ 1134043 h 5864449"/>
+                <a:gd name="connsiteX7" fmla="*/ 2780481 w 4861205"/>
+                <a:gd name="connsiteY7" fmla="*/ -2 h 5864449"/>
+              </a:gdLst>
+              <a:ahLst/>
+              <a:cxnLst>
+                <a:cxn ang="0">
+                  <a:pos x="connsiteX0" y="connsiteY0"/>
+                </a:cxn>
+                <a:cxn ang="0">
+                  <a:pos x="connsiteX1" y="connsiteY1"/>
+                </a:cxn>
+                <a:cxn ang="0">
+                  <a:pos x="connsiteX2" y="connsiteY2"/>
+                </a:cxn>
+                <a:cxn ang="0">
+                  <a:pos x="connsiteX3" y="connsiteY3"/>
+                </a:cxn>
+                <a:cxn ang="0">
+                  <a:pos x="connsiteX4" y="connsiteY4"/>
+                </a:cxn>
+                <a:cxn ang="0">
+                  <a:pos x="connsiteX5" y="connsiteY5"/>
+                </a:cxn>
+                <a:cxn ang="0">
+                  <a:pos x="connsiteX6" y="connsiteY6"/>
+                </a:cxn>
+                <a:cxn ang="0">
+                  <a:pos x="connsiteX7" y="connsiteY7"/>
+                </a:cxn>
+              </a:cxnLst>
+              <a:rect l="l" t="t" r="r" b="b"/>
+              <a:pathLst>
+                <a:path w="4861205" h="5864449">
+                  <a:moveTo>
+                    <a:pt x="2780481" y="-2"/>
+                  </a:moveTo>
+                  <a:cubicBezTo>
+                    <a:pt x="3471109" y="183340"/>
+                    <a:pt x="4437309" y="1599245"/>
+                    <a:pt x="4737647" y="2234093"/>
+                  </a:cubicBezTo>
+                  <a:cubicBezTo>
+                    <a:pt x="5037985" y="2868941"/>
+                    <a:pt x="4730843" y="3539758"/>
+                    <a:pt x="4452769" y="4137274"/>
+                  </a:cubicBezTo>
+                  <a:cubicBezTo>
+                    <a:pt x="4174695" y="4734790"/>
+                    <a:pt x="3382031" y="5704221"/>
+                    <a:pt x="3069205" y="5819190"/>
+                  </a:cubicBezTo>
+                  <a:cubicBezTo>
+                    <a:pt x="2358359" y="6040255"/>
+                    <a:pt x="1581959" y="5401313"/>
+                    <a:pt x="1076274" y="4985423"/>
+                  </a:cubicBezTo>
+                  <a:cubicBezTo>
+                    <a:pt x="570590" y="4569533"/>
+                    <a:pt x="146935" y="3953087"/>
+                    <a:pt x="35098" y="3323852"/>
+                  </a:cubicBezTo>
+                  <a:cubicBezTo>
+                    <a:pt x="-92687" y="2646770"/>
+                    <a:pt x="136312" y="1688019"/>
+                    <a:pt x="593876" y="1134043"/>
+                  </a:cubicBezTo>
+                  <a:cubicBezTo>
+                    <a:pt x="1051440" y="580067"/>
+                    <a:pt x="2127808" y="30746"/>
+                    <a:pt x="2780481" y="-2"/>
+                  </a:cubicBezTo>
+                  <a:close/>
+                </a:path>
+              </a:pathLst>
+            </a:custGeom>
+            <a:solidFill>
+              <a:schemeClr val="accent4">
+                <a:lumMod val="40000"/>
+                <a:lumOff val="60000"/>
+              </a:schemeClr>
+            </a:solidFill>
+            <a:ln>
+              <a:noFill/>
+            </a:ln>
+          </p:spPr>
+          <p:style>
+            <a:lnRef idx="2">
+              <a:schemeClr val="accent1">
+                <a:shade val="15000"/>
+              </a:schemeClr>
+            </a:lnRef>
+            <a:fillRef idx="1">
+              <a:schemeClr val="accent1"/>
+            </a:fillRef>
+            <a:effectRef idx="0">
+              <a:schemeClr val="accent1"/>
+            </a:effectRef>
+            <a:fontRef idx="minor">
+              <a:schemeClr val="lt1"/>
+            </a:fontRef>
+          </p:style>
+          <p:txBody>
+            <a:bodyPr wrap="square" rtlCol="0" anchor="ctr">
+              <a:noAutofit/>
+            </a:bodyPr>
+            <a:lstStyle/>
+            <a:p>
+              <a:pPr algn="ctr"/>
+              <a:endParaRPr lang="en-US"/>
+            </a:p>
+          </p:txBody>
+        </p:sp>
+        <p:sp>
+          <p:nvSpPr>
+            <p:cNvPr id="29" name="Freeform: Shape 10">
+              <a:extLst>
+                <a:ext uri="{FF2B5EF4-FFF2-40B4-BE49-F238E27FC236}">
+                  <a16:creationId xmlns:a16="http://schemas.microsoft.com/office/drawing/2014/main" id="{38505720-2558-A390-8612-99A55D48F42A}"/>
+                </a:ext>
+                <a:ext uri="{C183D7F6-B498-43B3-948B-1728B52AA6E4}">
+                  <adec:decorative xmlns:adec="http://schemas.microsoft.com/office/drawing/2017/decorative" val="1"/>
+                </a:ext>
+              </a:extLst>
+            </p:cNvPr>
+            <p:cNvSpPr/>
+            <p:nvPr>
+              <p:extLst>
+                <p:ext uri="{386F3935-93C4-4BCD-93E2-E3B085C9AB24}">
+                  <p16:designElem xmlns:p16="http://schemas.microsoft.com/office/powerpoint/2015/main" val="1"/>
+                </p:ext>
+              </p:extLst>
+            </p:nvPr>
+          </p:nvSpPr>
+          <p:spPr>
+            <a:xfrm rot="7320892">
+              <a:off x="11193220" y="1266534"/>
+              <a:ext cx="1341234" cy="443910"/>
+            </a:xfrm>
+            <a:custGeom>
+              <a:avLst/>
+              <a:gdLst>
+                <a:gd name="connsiteX0" fmla="*/ 0 w 1341234"/>
+                <a:gd name="connsiteY0" fmla="*/ 254220 h 443910"/>
+                <a:gd name="connsiteX1" fmla="*/ 406601 w 1341234"/>
+                <a:gd name="connsiteY1" fmla="*/ 0 h 443910"/>
+                <a:gd name="connsiteX2" fmla="*/ 457611 w 1341234"/>
+                <a:gd name="connsiteY2" fmla="*/ 13676 h 443910"/>
+                <a:gd name="connsiteX3" fmla="*/ 1341234 w 1341234"/>
+                <a:gd name="connsiteY3" fmla="*/ 259580 h 443910"/>
+                <a:gd name="connsiteX4" fmla="*/ 1301190 w 1341234"/>
+                <a:gd name="connsiteY4" fmla="*/ 443736 h 443910"/>
+                <a:gd name="connsiteX5" fmla="*/ 359344 w 1341234"/>
+                <a:gd name="connsiteY5" fmla="*/ 311216 h 443910"/>
+                <a:gd name="connsiteX6" fmla="*/ 47147 w 1341234"/>
+                <a:gd name="connsiteY6" fmla="*/ 262014 h 443910"/>
+              </a:gdLst>
+              <a:ahLst/>
+              <a:cxnLst>
+                <a:cxn ang="0">
+                  <a:pos x="connsiteX0" y="connsiteY0"/>
+                </a:cxn>
+                <a:cxn ang="0">
+                  <a:pos x="connsiteX1" y="connsiteY1"/>
+                </a:cxn>
+                <a:cxn ang="0">
+                  <a:pos x="connsiteX2" y="connsiteY2"/>
+                </a:cxn>
+                <a:cxn ang="0">
+                  <a:pos x="connsiteX3" y="connsiteY3"/>
+                </a:cxn>
+                <a:cxn ang="0">
+                  <a:pos x="connsiteX4" y="connsiteY4"/>
+                </a:cxn>
+                <a:cxn ang="0">
+                  <a:pos x="connsiteX5" y="connsiteY5"/>
+                </a:cxn>
+                <a:cxn ang="0">
+                  <a:pos x="connsiteX6" y="connsiteY6"/>
+                </a:cxn>
+              </a:cxnLst>
+              <a:rect l="l" t="t" r="r" b="b"/>
+              <a:pathLst>
+                <a:path w="1341234" h="443910">
+                  <a:moveTo>
+                    <a:pt x="0" y="254220"/>
+                  </a:moveTo>
+                  <a:lnTo>
+                    <a:pt x="406601" y="0"/>
+                  </a:lnTo>
+                  <a:lnTo>
+                    <a:pt x="457611" y="13676"/>
+                  </a:lnTo>
+                  <a:cubicBezTo>
+                    <a:pt x="858001" y="120586"/>
+                    <a:pt x="1311317" y="239969"/>
+                    <a:pt x="1341234" y="259580"/>
+                  </a:cubicBezTo>
+                  <a:cubicBezTo>
+                    <a:pt x="1337155" y="299693"/>
+                    <a:pt x="1315377" y="449736"/>
+                    <a:pt x="1301190" y="443736"/>
+                  </a:cubicBezTo>
+                  <a:cubicBezTo>
+                    <a:pt x="1267732" y="445553"/>
+                    <a:pt x="557777" y="378967"/>
+                    <a:pt x="359344" y="311216"/>
+                  </a:cubicBezTo>
+                  <a:cubicBezTo>
+                    <a:pt x="245881" y="291075"/>
+                    <a:pt x="140295" y="276238"/>
+                    <a:pt x="47147" y="262014"/>
+                  </a:cubicBezTo>
+                  <a:close/>
+                </a:path>
+              </a:pathLst>
+            </a:custGeom>
+            <a:solidFill>
+              <a:schemeClr val="accent4">
+                <a:lumMod val="40000"/>
+                <a:lumOff val="60000"/>
+              </a:schemeClr>
+            </a:solidFill>
+            <a:ln>
+              <a:noFill/>
+            </a:ln>
+          </p:spPr>
+          <p:style>
+            <a:lnRef idx="2">
+              <a:schemeClr val="accent1">
+                <a:shade val="15000"/>
+              </a:schemeClr>
+            </a:lnRef>
+            <a:fillRef idx="1">
+              <a:schemeClr val="accent1"/>
+            </a:fillRef>
+            <a:effectRef idx="0">
+              <a:schemeClr val="accent1"/>
+            </a:effectRef>
+            <a:fontRef idx="minor">
+              <a:schemeClr val="lt1"/>
+            </a:fontRef>
+          </p:style>
+          <p:txBody>
+            <a:bodyPr wrap="square" rtlCol="0" anchor="ctr">
+              <a:noAutofit/>
+            </a:bodyPr>
+            <a:lstStyle/>
+            <a:p>
+              <a:pPr algn="ctr"/>
+              <a:endParaRPr lang="en-US"/>
+            </a:p>
+          </p:txBody>
+        </p:sp>
+        <p:sp>
+          <p:nvSpPr>
+            <p:cNvPr id="30" name="Freeform: Shape 11">
+              <a:extLst>
+                <a:ext uri="{FF2B5EF4-FFF2-40B4-BE49-F238E27FC236}">
+                  <a16:creationId xmlns:a16="http://schemas.microsoft.com/office/drawing/2014/main" id="{F720743B-9C97-37DF-D56A-D2A9E750BD12}"/>
+                </a:ext>
+                <a:ext uri="{C183D7F6-B498-43B3-948B-1728B52AA6E4}">
+                  <adec:decorative xmlns:adec="http://schemas.microsoft.com/office/drawing/2017/decorative" val="1"/>
+                </a:ext>
+              </a:extLst>
+            </p:cNvPr>
+            <p:cNvSpPr/>
+            <p:nvPr>
+              <p:extLst>
+                <p:ext uri="{386F3935-93C4-4BCD-93E2-E3B085C9AB24}">
+                  <p16:designElem xmlns:p16="http://schemas.microsoft.com/office/powerpoint/2015/main" val="1"/>
+                </p:ext>
+              </p:extLst>
+            </p:nvPr>
+          </p:nvSpPr>
+          <p:spPr>
+            <a:xfrm rot="7320892">
+              <a:off x="11193220" y="1266534"/>
+              <a:ext cx="1341234" cy="443910"/>
+            </a:xfrm>
+            <a:custGeom>
+              <a:avLst/>
+              <a:gdLst>
+                <a:gd name="connsiteX0" fmla="*/ 0 w 1341234"/>
+                <a:gd name="connsiteY0" fmla="*/ 254220 h 443910"/>
+                <a:gd name="connsiteX1" fmla="*/ 406601 w 1341234"/>
+                <a:gd name="connsiteY1" fmla="*/ 0 h 443910"/>
+                <a:gd name="connsiteX2" fmla="*/ 457611 w 1341234"/>
+                <a:gd name="connsiteY2" fmla="*/ 13676 h 443910"/>
+                <a:gd name="connsiteX3" fmla="*/ 1341234 w 1341234"/>
+                <a:gd name="connsiteY3" fmla="*/ 259580 h 443910"/>
+                <a:gd name="connsiteX4" fmla="*/ 1301190 w 1341234"/>
+                <a:gd name="connsiteY4" fmla="*/ 443736 h 443910"/>
+                <a:gd name="connsiteX5" fmla="*/ 359344 w 1341234"/>
+                <a:gd name="connsiteY5" fmla="*/ 311216 h 443910"/>
+                <a:gd name="connsiteX6" fmla="*/ 47147 w 1341234"/>
+                <a:gd name="connsiteY6" fmla="*/ 262014 h 443910"/>
+              </a:gdLst>
+              <a:ahLst/>
+              <a:cxnLst>
+                <a:cxn ang="0">
+                  <a:pos x="connsiteX0" y="connsiteY0"/>
+                </a:cxn>
+                <a:cxn ang="0">
+                  <a:pos x="connsiteX1" y="connsiteY1"/>
+                </a:cxn>
+                <a:cxn ang="0">
+                  <a:pos x="connsiteX2" y="connsiteY2"/>
+                </a:cxn>
+                <a:cxn ang="0">
+                  <a:pos x="connsiteX3" y="connsiteY3"/>
+                </a:cxn>
+                <a:cxn ang="0">
+                  <a:pos x="connsiteX4" y="connsiteY4"/>
+                </a:cxn>
+                <a:cxn ang="0">
+                  <a:pos x="connsiteX5" y="connsiteY5"/>
+                </a:cxn>
+                <a:cxn ang="0">
+                  <a:pos x="connsiteX6" y="connsiteY6"/>
+                </a:cxn>
+              </a:cxnLst>
+              <a:rect l="l" t="t" r="r" b="b"/>
+              <a:pathLst>
+                <a:path w="1341234" h="443910">
+                  <a:moveTo>
+                    <a:pt x="0" y="254220"/>
+                  </a:moveTo>
+                  <a:lnTo>
+                    <a:pt x="406601" y="0"/>
+                  </a:lnTo>
+                  <a:lnTo>
+                    <a:pt x="457611" y="13676"/>
+                  </a:lnTo>
+                  <a:cubicBezTo>
+                    <a:pt x="858001" y="120586"/>
+                    <a:pt x="1311317" y="239969"/>
+                    <a:pt x="1341234" y="259580"/>
+                  </a:cubicBezTo>
+                  <a:cubicBezTo>
+                    <a:pt x="1337155" y="299693"/>
+                    <a:pt x="1315377" y="449736"/>
+                    <a:pt x="1301190" y="443736"/>
+                  </a:cubicBezTo>
+                  <a:cubicBezTo>
+                    <a:pt x="1267732" y="445553"/>
+                    <a:pt x="557777" y="378967"/>
+                    <a:pt x="359344" y="311216"/>
+                  </a:cubicBezTo>
+                  <a:cubicBezTo>
+                    <a:pt x="245881" y="291075"/>
+                    <a:pt x="140295" y="276238"/>
+                    <a:pt x="47147" y="262014"/>
+                  </a:cubicBezTo>
+                  <a:close/>
+                </a:path>
+              </a:pathLst>
+            </a:custGeom>
+            <a:solidFill>
+              <a:schemeClr val="accent3">
+                <a:lumMod val="20000"/>
+                <a:lumOff val="80000"/>
+                <a:alpha val="60000"/>
+              </a:schemeClr>
+            </a:solidFill>
+            <a:ln>
+              <a:noFill/>
+            </a:ln>
+          </p:spPr>
+          <p:style>
+            <a:lnRef idx="2">
+              <a:schemeClr val="accent1">
+                <a:shade val="15000"/>
+              </a:schemeClr>
+            </a:lnRef>
+            <a:fillRef idx="1">
+              <a:schemeClr val="accent1"/>
+            </a:fillRef>
+            <a:effectRef idx="0">
+              <a:schemeClr val="accent1"/>
+            </a:effectRef>
+            <a:fontRef idx="minor">
+              <a:schemeClr val="lt1"/>
+            </a:fontRef>
+          </p:style>
+          <p:txBody>
+            <a:bodyPr wrap="square" rtlCol="0" anchor="ctr">
+              <a:noAutofit/>
+            </a:bodyPr>
+            <a:lstStyle/>
+            <a:p>
+              <a:pPr algn="ctr"/>
+              <a:endParaRPr lang="en-US"/>
+            </a:p>
+          </p:txBody>
+        </p:sp>
+        <p:sp>
+          <p:nvSpPr>
+            <p:cNvPr id="31" name="Freeform: Shape 12">
+              <a:extLst>
+                <a:ext uri="{FF2B5EF4-FFF2-40B4-BE49-F238E27FC236}">
+                  <a16:creationId xmlns:a16="http://schemas.microsoft.com/office/drawing/2014/main" id="{39C3539A-A126-556F-3B61-690C785C75D3}"/>
+                </a:ext>
+                <a:ext uri="{C183D7F6-B498-43B3-948B-1728B52AA6E4}">
+                  <adec:decorative xmlns:adec="http://schemas.microsoft.com/office/drawing/2017/decorative" val="1"/>
+                </a:ext>
+              </a:extLst>
+            </p:cNvPr>
+            <p:cNvSpPr/>
+            <p:nvPr>
+              <p:extLst>
+                <p:ext uri="{386F3935-93C4-4BCD-93E2-E3B085C9AB24}">
+                  <p16:designElem xmlns:p16="http://schemas.microsoft.com/office/powerpoint/2015/main" val="1"/>
+                </p:ext>
+              </p:extLst>
+            </p:nvPr>
+          </p:nvSpPr>
+          <p:spPr>
+            <a:xfrm rot="9842612" flipH="1" flipV="1">
+              <a:off x="10264608" y="74723"/>
+              <a:ext cx="1083994" cy="1037613"/>
+            </a:xfrm>
+            <a:custGeom>
+              <a:avLst/>
+              <a:gdLst>
+                <a:gd name="connsiteX0" fmla="*/ 886520 w 1083994"/>
+                <a:gd name="connsiteY0" fmla="*/ 0 h 1037613"/>
+                <a:gd name="connsiteX1" fmla="*/ 990233 w 1083994"/>
+                <a:gd name="connsiteY1" fmla="*/ 29654 h 1037613"/>
+                <a:gd name="connsiteX2" fmla="*/ 993535 w 1083994"/>
+                <a:gd name="connsiteY2" fmla="*/ 43082 h 1037613"/>
+                <a:gd name="connsiteX3" fmla="*/ 1051675 w 1083994"/>
+                <a:gd name="connsiteY3" fmla="*/ 356973 h 1037613"/>
+                <a:gd name="connsiteX4" fmla="*/ 1083975 w 1083994"/>
+                <a:gd name="connsiteY4" fmla="*/ 602023 h 1037613"/>
+                <a:gd name="connsiteX5" fmla="*/ 966613 w 1083994"/>
+                <a:gd name="connsiteY5" fmla="*/ 901753 h 1037613"/>
+                <a:gd name="connsiteX6" fmla="*/ 713135 w 1083994"/>
+                <a:gd name="connsiteY6" fmla="*/ 1026319 h 1037613"/>
+                <a:gd name="connsiteX7" fmla="*/ 318855 w 1083994"/>
+                <a:gd name="connsiteY7" fmla="*/ 989106 h 1037613"/>
+                <a:gd name="connsiteX8" fmla="*/ 128776 w 1083994"/>
+                <a:gd name="connsiteY8" fmla="*/ 649273 h 1037613"/>
+                <a:gd name="connsiteX9" fmla="*/ 0 w 1083994"/>
+                <a:gd name="connsiteY9" fmla="*/ 49738 h 1037613"/>
+                <a:gd name="connsiteX10" fmla="*/ 620956 w 1083994"/>
+                <a:gd name="connsiteY10" fmla="*/ 642355 h 1037613"/>
+                <a:gd name="connsiteX11" fmla="*/ 886064 w 1083994"/>
+                <a:gd name="connsiteY11" fmla="*/ 1039 h 1037613"/>
+              </a:gdLst>
+              <a:ahLst/>
+              <a:cxnLst>
+                <a:cxn ang="0">
+                  <a:pos x="connsiteX0" y="connsiteY0"/>
+                </a:cxn>
+                <a:cxn ang="0">
+                  <a:pos x="connsiteX1" y="connsiteY1"/>
+                </a:cxn>
+                <a:cxn ang="0">
+                  <a:pos x="connsiteX2" y="connsiteY2"/>
+                </a:cxn>
+                <a:cxn ang="0">
+                  <a:pos x="connsiteX3" y="connsiteY3"/>
+                </a:cxn>
+                <a:cxn ang="0">
+                  <a:pos x="connsiteX4" y="connsiteY4"/>
+                </a:cxn>
+                <a:cxn ang="0">
+                  <a:pos x="connsiteX5" y="connsiteY5"/>
+                </a:cxn>
+                <a:cxn ang="0">
+                  <a:pos x="connsiteX6" y="connsiteY6"/>
+                </a:cxn>
+                <a:cxn ang="0">
+                  <a:pos x="connsiteX7" y="connsiteY7"/>
+                </a:cxn>
+                <a:cxn ang="0">
+                  <a:pos x="connsiteX8" y="connsiteY8"/>
+                </a:cxn>
+                <a:cxn ang="0">
+                  <a:pos x="connsiteX9" y="connsiteY9"/>
+                </a:cxn>
+                <a:cxn ang="0">
+                  <a:pos x="connsiteX10" y="connsiteY10"/>
+                </a:cxn>
+                <a:cxn ang="0">
+                  <a:pos x="connsiteX11" y="connsiteY11"/>
+                </a:cxn>
+              </a:cxnLst>
+              <a:rect l="l" t="t" r="r" b="b"/>
+              <a:pathLst>
+                <a:path w="1083994" h="1037613">
+                  <a:moveTo>
+                    <a:pt x="886520" y="0"/>
+                  </a:moveTo>
+                  <a:lnTo>
+                    <a:pt x="990233" y="29654"/>
+                  </a:lnTo>
+                  <a:lnTo>
+                    <a:pt x="993535" y="43082"/>
+                  </a:lnTo>
+                  <a:cubicBezTo>
+                    <a:pt x="1016489" y="140998"/>
+                    <a:pt x="1041157" y="264776"/>
+                    <a:pt x="1051675" y="356973"/>
+                  </a:cubicBezTo>
+                  <a:lnTo>
+                    <a:pt x="1083975" y="602023"/>
+                  </a:lnTo>
+                  <a:cubicBezTo>
+                    <a:pt x="1084789" y="765231"/>
+                    <a:pt x="1059669" y="806637"/>
+                    <a:pt x="966613" y="901753"/>
+                  </a:cubicBezTo>
+                  <a:cubicBezTo>
+                    <a:pt x="910153" y="966250"/>
+                    <a:pt x="821095" y="1011760"/>
+                    <a:pt x="713135" y="1026319"/>
+                  </a:cubicBezTo>
+                  <a:cubicBezTo>
+                    <a:pt x="605175" y="1040878"/>
+                    <a:pt x="416248" y="1051946"/>
+                    <a:pt x="318855" y="989106"/>
+                  </a:cubicBezTo>
+                  <a:cubicBezTo>
+                    <a:pt x="221462" y="926265"/>
+                    <a:pt x="147001" y="727446"/>
+                    <a:pt x="128776" y="649273"/>
+                  </a:cubicBezTo>
+                  <a:cubicBezTo>
+                    <a:pt x="93895" y="519198"/>
+                    <a:pt x="28063" y="235695"/>
+                    <a:pt x="0" y="49738"/>
+                  </a:cubicBezTo>
+                  <a:cubicBezTo>
+                    <a:pt x="152500" y="20987"/>
+                    <a:pt x="429040" y="429202"/>
+                    <a:pt x="620956" y="642355"/>
+                  </a:cubicBezTo>
+                  <a:cubicBezTo>
+                    <a:pt x="695371" y="468649"/>
+                    <a:pt x="814439" y="166732"/>
+                    <a:pt x="886064" y="1039"/>
+                  </a:cubicBezTo>
+                  <a:close/>
+                </a:path>
+              </a:pathLst>
+            </a:custGeom>
+            <a:solidFill>
+              <a:schemeClr val="accent3">
+                <a:lumMod val="40000"/>
+                <a:lumOff val="60000"/>
+              </a:schemeClr>
+            </a:solidFill>
+            <a:ln>
+              <a:noFill/>
+            </a:ln>
+          </p:spPr>
+          <p:style>
+            <a:lnRef idx="2">
+              <a:schemeClr val="accent1">
+                <a:shade val="15000"/>
+              </a:schemeClr>
+            </a:lnRef>
+            <a:fillRef idx="1">
+              <a:schemeClr val="accent1"/>
+            </a:fillRef>
+            <a:effectRef idx="0">
+              <a:schemeClr val="accent1"/>
+            </a:effectRef>
+            <a:fontRef idx="minor">
+              <a:schemeClr val="lt1"/>
+            </a:fontRef>
+          </p:style>
+          <p:txBody>
+            <a:bodyPr wrap="square" rtlCol="0" anchor="ctr">
+              <a:noAutofit/>
+            </a:bodyPr>
+            <a:lstStyle/>
+            <a:p>
+              <a:pPr algn="ctr"/>
+              <a:endParaRPr lang="en-US" dirty="0"/>
+            </a:p>
+          </p:txBody>
+        </p:sp>
+        <p:sp>
+          <p:nvSpPr>
+            <p:cNvPr id="14" name="Freeform: Shape 13">
+              <a:extLst>
+                <a:ext uri="{FF2B5EF4-FFF2-40B4-BE49-F238E27FC236}">
+                  <a16:creationId xmlns:a16="http://schemas.microsoft.com/office/drawing/2014/main" id="{E5089FB1-F28D-0DD0-436F-D094F3C82331}"/>
+                </a:ext>
+                <a:ext uri="{C183D7F6-B498-43B3-948B-1728B52AA6E4}">
+                  <adec:decorative xmlns:adec="http://schemas.microsoft.com/office/drawing/2017/decorative" val="1"/>
+                </a:ext>
+              </a:extLst>
+            </p:cNvPr>
+            <p:cNvSpPr/>
+            <p:nvPr>
+              <p:extLst>
+                <p:ext uri="{386F3935-93C4-4BCD-93E2-E3B085C9AB24}">
+                  <p16:designElem xmlns:p16="http://schemas.microsoft.com/office/powerpoint/2015/main" val="1"/>
+                </p:ext>
+              </p:extLst>
+            </p:nvPr>
+          </p:nvSpPr>
+          <p:spPr>
+            <a:xfrm rot="9842612" flipH="1" flipV="1">
+              <a:off x="10264609" y="74723"/>
+              <a:ext cx="1083994" cy="1037611"/>
+            </a:xfrm>
+            <a:custGeom>
+              <a:avLst/>
+              <a:gdLst>
+                <a:gd name="connsiteX0" fmla="*/ 886519 w 1083994"/>
+                <a:gd name="connsiteY0" fmla="*/ 0 h 1037611"/>
+                <a:gd name="connsiteX1" fmla="*/ 990233 w 1083994"/>
+                <a:gd name="connsiteY1" fmla="*/ 29654 h 1037611"/>
+                <a:gd name="connsiteX2" fmla="*/ 993535 w 1083994"/>
+                <a:gd name="connsiteY2" fmla="*/ 43080 h 1037611"/>
+                <a:gd name="connsiteX3" fmla="*/ 1051675 w 1083994"/>
+                <a:gd name="connsiteY3" fmla="*/ 356971 h 1037611"/>
+                <a:gd name="connsiteX4" fmla="*/ 1083975 w 1083994"/>
+                <a:gd name="connsiteY4" fmla="*/ 602021 h 1037611"/>
+                <a:gd name="connsiteX5" fmla="*/ 966613 w 1083994"/>
+                <a:gd name="connsiteY5" fmla="*/ 901751 h 1037611"/>
+                <a:gd name="connsiteX6" fmla="*/ 713135 w 1083994"/>
+                <a:gd name="connsiteY6" fmla="*/ 1026317 h 1037611"/>
+                <a:gd name="connsiteX7" fmla="*/ 318855 w 1083994"/>
+                <a:gd name="connsiteY7" fmla="*/ 989104 h 1037611"/>
+                <a:gd name="connsiteX8" fmla="*/ 128776 w 1083994"/>
+                <a:gd name="connsiteY8" fmla="*/ 649271 h 1037611"/>
+                <a:gd name="connsiteX9" fmla="*/ 0 w 1083994"/>
+                <a:gd name="connsiteY9" fmla="*/ 49736 h 1037611"/>
+                <a:gd name="connsiteX10" fmla="*/ 620956 w 1083994"/>
+                <a:gd name="connsiteY10" fmla="*/ 642353 h 1037611"/>
+                <a:gd name="connsiteX11" fmla="*/ 886064 w 1083994"/>
+                <a:gd name="connsiteY11" fmla="*/ 1037 h 1037611"/>
+              </a:gdLst>
+              <a:ahLst/>
+              <a:cxnLst>
+                <a:cxn ang="0">
+                  <a:pos x="connsiteX0" y="connsiteY0"/>
+                </a:cxn>
+                <a:cxn ang="0">
+                  <a:pos x="connsiteX1" y="connsiteY1"/>
+                </a:cxn>
+                <a:cxn ang="0">
+                  <a:pos x="connsiteX2" y="connsiteY2"/>
+                </a:cxn>
+                <a:cxn ang="0">
+                  <a:pos x="connsiteX3" y="connsiteY3"/>
+                </a:cxn>
+                <a:cxn ang="0">
+                  <a:pos x="connsiteX4" y="connsiteY4"/>
+                </a:cxn>
+                <a:cxn ang="0">
+                  <a:pos x="connsiteX5" y="connsiteY5"/>
+                </a:cxn>
+                <a:cxn ang="0">
+                  <a:pos x="connsiteX6" y="connsiteY6"/>
+                </a:cxn>
+                <a:cxn ang="0">
+                  <a:pos x="connsiteX7" y="connsiteY7"/>
+                </a:cxn>
+                <a:cxn ang="0">
+                  <a:pos x="connsiteX8" y="connsiteY8"/>
+                </a:cxn>
+                <a:cxn ang="0">
+                  <a:pos x="connsiteX9" y="connsiteY9"/>
+                </a:cxn>
+                <a:cxn ang="0">
+                  <a:pos x="connsiteX10" y="connsiteY10"/>
+                </a:cxn>
+                <a:cxn ang="0">
+                  <a:pos x="connsiteX11" y="connsiteY11"/>
+                </a:cxn>
+              </a:cxnLst>
+              <a:rect l="l" t="t" r="r" b="b"/>
+              <a:pathLst>
+                <a:path w="1083994" h="1037611">
+                  <a:moveTo>
+                    <a:pt x="886519" y="0"/>
+                  </a:moveTo>
+                  <a:lnTo>
+                    <a:pt x="990233" y="29654"/>
+                  </a:lnTo>
+                  <a:lnTo>
+                    <a:pt x="993535" y="43080"/>
+                  </a:lnTo>
+                  <a:cubicBezTo>
+                    <a:pt x="1016489" y="140996"/>
+                    <a:pt x="1041157" y="264774"/>
+                    <a:pt x="1051675" y="356971"/>
+                  </a:cubicBezTo>
+                  <a:lnTo>
+                    <a:pt x="1083975" y="602021"/>
+                  </a:lnTo>
+                  <a:cubicBezTo>
+                    <a:pt x="1084789" y="765229"/>
+                    <a:pt x="1059669" y="806635"/>
+                    <a:pt x="966613" y="901751"/>
+                  </a:cubicBezTo>
+                  <a:cubicBezTo>
+                    <a:pt x="910153" y="966248"/>
+                    <a:pt x="821095" y="1011758"/>
+                    <a:pt x="713135" y="1026317"/>
+                  </a:cubicBezTo>
+                  <a:cubicBezTo>
+                    <a:pt x="605175" y="1040876"/>
+                    <a:pt x="416248" y="1051944"/>
+                    <a:pt x="318855" y="989104"/>
+                  </a:cubicBezTo>
+                  <a:cubicBezTo>
+                    <a:pt x="221462" y="926263"/>
+                    <a:pt x="147001" y="727444"/>
+                    <a:pt x="128776" y="649271"/>
+                  </a:cubicBezTo>
+                  <a:cubicBezTo>
+                    <a:pt x="93895" y="519196"/>
+                    <a:pt x="28063" y="235693"/>
+                    <a:pt x="0" y="49736"/>
+                  </a:cubicBezTo>
+                  <a:cubicBezTo>
+                    <a:pt x="152500" y="20985"/>
+                    <a:pt x="429040" y="429200"/>
+                    <a:pt x="620956" y="642353"/>
+                  </a:cubicBezTo>
+                  <a:cubicBezTo>
+                    <a:pt x="695371" y="468647"/>
+                    <a:pt x="814439" y="166730"/>
+                    <a:pt x="886064" y="1037"/>
+                  </a:cubicBezTo>
+                  <a:close/>
+                </a:path>
+              </a:pathLst>
+            </a:custGeom>
+            <a:solidFill>
+              <a:schemeClr val="accent4">
+                <a:lumMod val="40000"/>
+                <a:lumOff val="60000"/>
+                <a:alpha val="35000"/>
+              </a:schemeClr>
+            </a:solidFill>
+            <a:ln>
+              <a:noFill/>
+            </a:ln>
+          </p:spPr>
+          <p:style>
+            <a:lnRef idx="2">
+              <a:schemeClr val="accent1">
+                <a:shade val="15000"/>
+              </a:schemeClr>
+            </a:lnRef>
+            <a:fillRef idx="1">
+              <a:schemeClr val="accent1"/>
+            </a:fillRef>
+            <a:effectRef idx="0">
+              <a:schemeClr val="accent1"/>
+            </a:effectRef>
+            <a:fontRef idx="minor">
+              <a:schemeClr val="lt1"/>
+            </a:fontRef>
+          </p:style>
+          <p:txBody>
+            <a:bodyPr wrap="square" rtlCol="0" anchor="ctr">
+              <a:noAutofit/>
+            </a:bodyPr>
+            <a:lstStyle/>
+            <a:p>
+              <a:pPr algn="ctr"/>
+              <a:endParaRPr lang="en-US" dirty="0"/>
+            </a:p>
+          </p:txBody>
+        </p:sp>
+      </p:grpSp>
       <p:sp>
         <p:nvSpPr>
-          <p:cNvPr id="4" name="Segnaposto contenuto 3">
+          <p:cNvPr id="3" name="Segnaposto contenuto 2">
             <a:extLst>
               <a:ext uri="{FF2B5EF4-FFF2-40B4-BE49-F238E27FC236}">
-                <a16:creationId xmlns:a16="http://schemas.microsoft.com/office/drawing/2014/main" id="{ECBBD2BB-E7B8-A94F-0701-60F3C9F9945C}"/>
+                <a16:creationId xmlns:a16="http://schemas.microsoft.com/office/drawing/2014/main" id="{EAEEC4F9-6E7E-50E7-2AC7-8EC14ACE8B66}"/>
               </a:ext>
             </a:extLst>
           </p:cNvPr>
@@ -7300,173 +9058,146 @@
             <a:spLocks noGrp="1"/>
           </p:cNvSpPr>
           <p:nvPr>
-            <p:ph sz="half" idx="2"/>
+            <p:ph idx="1"/>
           </p:nvPr>
         </p:nvSpPr>
         <p:spPr>
           <a:xfrm>
-            <a:off x="6172202" y="1635070"/>
-            <a:ext cx="5626222" cy="4597053"/>
+            <a:off x="6096000" y="1017660"/>
+            <a:ext cx="4953000" cy="3573493"/>
           </a:xfrm>
         </p:spPr>
         <p:txBody>
           <a:bodyPr>
-            <a:normAutofit fontScale="92500" lnSpcReduction="10000"/>
+            <a:normAutofit/>
           </a:bodyPr>
           <a:lstStyle/>
           <a:p>
-            <a:pPr marL="0" indent="0" algn="ctr">
+            <a:pPr marL="0" indent="0" algn="just">
               <a:buNone/>
             </a:pPr>
             <a:r>
-              <a:rPr lang="en-US" b="0" i="1" dirty="0">
+              <a:rPr lang="en-US" sz="1600" b="0" i="1" dirty="0">
+                <a:solidFill>
+                  <a:schemeClr val="tx2"/>
+                </a:solidFill>
                 <a:effectLst/>
                 <a:latin typeface="Arial" panose="020B0604020202020204" pitchFamily="34" charset="0"/>
               </a:rPr>
-              <a:t>A thin-</a:t>
-            </a:r>
-            <a:r>
-              <a:rPr lang="en-US" b="0" i="1" dirty="0" err="1">
-                <a:effectLst/>
-                <a:latin typeface="Arial" panose="020B0604020202020204" pitchFamily="34" charset="0"/>
-              </a:rPr>
-              <a:t>centred</a:t>
-            </a:r>
-            <a:r>
-              <a:rPr lang="en-US" b="0" i="1" dirty="0">
-                <a:effectLst/>
-                <a:latin typeface="Arial" panose="020B0604020202020204" pitchFamily="34" charset="0"/>
-              </a:rPr>
-              <a:t> ideology that considers society to be ultimately</a:t>
-            </a:r>
-            <a:br>
-              <a:rPr lang="en-US" i="1" dirty="0"/>
-            </a:br>
-            <a:r>
-              <a:rPr lang="en-US" b="0" i="1" dirty="0">
-                <a:effectLst/>
-                <a:latin typeface="Arial" panose="020B0604020202020204" pitchFamily="34" charset="0"/>
-              </a:rPr>
-              <a:t>separated into two homogenous and antagonistic camps, ”the pure</a:t>
-            </a:r>
-            <a:br>
-              <a:rPr lang="en-US" i="1" dirty="0"/>
-            </a:br>
-            <a:r>
-              <a:rPr lang="en-US" b="0" i="1" dirty="0">
-                <a:effectLst/>
-                <a:latin typeface="Arial" panose="020B0604020202020204" pitchFamily="34" charset="0"/>
-              </a:rPr>
-              <a:t>people” versus ”the corrupt elite”, and which argues that politics</a:t>
-            </a:r>
-            <a:br>
-              <a:rPr lang="en-US" i="1" dirty="0"/>
-            </a:br>
-            <a:r>
-              <a:rPr lang="en-US" b="0" i="1" dirty="0">
-                <a:effectLst/>
-                <a:latin typeface="Arial" panose="020B0604020202020204" pitchFamily="34" charset="0"/>
-              </a:rPr>
-              <a:t>should be an expression of the </a:t>
-            </a:r>
-            <a:r>
-              <a:rPr lang="en-US" b="0" i="1" dirty="0" err="1">
-                <a:effectLst/>
-                <a:latin typeface="Arial" panose="020B0604020202020204" pitchFamily="34" charset="0"/>
-              </a:rPr>
-              <a:t>volonté</a:t>
-            </a:r>
-            <a:r>
-              <a:rPr lang="en-US" b="0" i="1" dirty="0">
-                <a:effectLst/>
-                <a:latin typeface="Arial" panose="020B0604020202020204" pitchFamily="34" charset="0"/>
-              </a:rPr>
-              <a:t> </a:t>
-            </a:r>
-            <a:r>
-              <a:rPr lang="en-US" b="0" i="1" dirty="0" err="1">
-                <a:effectLst/>
-                <a:latin typeface="Arial" panose="020B0604020202020204" pitchFamily="34" charset="0"/>
-              </a:rPr>
-              <a:t>générale</a:t>
-            </a:r>
-            <a:r>
-              <a:rPr lang="en-US" b="0" i="1" dirty="0">
-                <a:effectLst/>
-                <a:latin typeface="Arial" panose="020B0604020202020204" pitchFamily="34" charset="0"/>
-              </a:rPr>
-              <a:t> (general will) of</a:t>
-            </a:r>
-            <a:br>
-              <a:rPr lang="en-US" i="1" dirty="0"/>
-            </a:br>
-            <a:r>
-              <a:rPr lang="en-US" b="0" i="1" dirty="0">
-                <a:effectLst/>
-                <a:latin typeface="Arial" panose="020B0604020202020204" pitchFamily="34" charset="0"/>
-              </a:rPr>
-              <a:t>the people.</a:t>
+              <a:t>Populism here becomes a catch-all label to refer to all those political phenomena that are considered to be dangerous, irrational and demagogic; populism as a politics that appeals to the basest sentiments of the populace, makes demagogic promises and panders to imaginary fears.</a:t>
             </a:r>
           </a:p>
           <a:p>
             <a:pPr marL="0" indent="0">
               <a:buNone/>
             </a:pPr>
-            <a:r>
-              <a:rPr lang="en-US" b="0" i="1" dirty="0">
-                <a:effectLst/>
+            <a:endParaRPr lang="it-IT" sz="1600" dirty="0">
+              <a:solidFill>
+                <a:schemeClr val="tx2"/>
+              </a:solidFill>
+            </a:endParaRPr>
+          </a:p>
+          <a:p>
+            <a:pPr marL="0" indent="0">
+              <a:buNone/>
+            </a:pPr>
+            <a:endParaRPr lang="it-IT" sz="1600" dirty="0">
+              <a:solidFill>
+                <a:schemeClr val="tx2"/>
+              </a:solidFill>
+            </a:endParaRPr>
+          </a:p>
+          <a:p>
+            <a:pPr marL="0" indent="0">
+              <a:buNone/>
+            </a:pPr>
+            <a:endParaRPr lang="it-IT" sz="1600" dirty="0">
+              <a:solidFill>
+                <a:schemeClr val="tx2"/>
+              </a:solidFill>
+            </a:endParaRPr>
+          </a:p>
+          <a:p>
+            <a:pPr marL="0" indent="0">
+              <a:buNone/>
+            </a:pPr>
+            <a:r>
+              <a:rPr lang="it-IT" sz="1600" i="1" dirty="0">
+                <a:solidFill>
+                  <a:schemeClr val="tx2"/>
+                </a:solidFill>
                 <a:latin typeface="Arial" panose="020B0604020202020204" pitchFamily="34" charset="0"/>
+                <a:cs typeface="Arial" panose="020B0604020202020204" pitchFamily="34" charset="0"/>
+              </a:rPr>
+              <a:t>Paolo Gerbaudo. Social media and </a:t>
+            </a:r>
+            <a:r>
+              <a:rPr lang="it-IT" sz="1600" i="1" dirty="0" err="1">
+                <a:solidFill>
+                  <a:schemeClr val="tx2"/>
+                </a:solidFill>
+                <a:latin typeface="Arial" panose="020B0604020202020204" pitchFamily="34" charset="0"/>
+                <a:cs typeface="Arial" panose="020B0604020202020204" pitchFamily="34" charset="0"/>
+              </a:rPr>
+              <a:t>populism</a:t>
+            </a:r>
+            <a:r>
+              <a:rPr lang="it-IT" sz="1600" i="1" dirty="0">
+                <a:solidFill>
+                  <a:schemeClr val="tx2"/>
+                </a:solidFill>
+                <a:latin typeface="Arial" panose="020B0604020202020204" pitchFamily="34" charset="0"/>
+                <a:cs typeface="Arial" panose="020B0604020202020204" pitchFamily="34" charset="0"/>
+              </a:rPr>
+              <a:t>: An </a:t>
+            </a:r>
+            <a:r>
+              <a:rPr lang="it-IT" sz="1600" i="1" dirty="0" err="1">
+                <a:solidFill>
+                  <a:schemeClr val="tx2"/>
+                </a:solidFill>
+                <a:latin typeface="Arial" panose="020B0604020202020204" pitchFamily="34" charset="0"/>
+                <a:cs typeface="Arial" panose="020B0604020202020204" pitchFamily="34" charset="0"/>
+              </a:rPr>
+              <a:t>elective</a:t>
+            </a:r>
+            <a:r>
+              <a:rPr lang="it-IT" sz="1600" i="1" dirty="0">
+                <a:solidFill>
+                  <a:schemeClr val="tx2"/>
+                </a:solidFill>
+                <a:latin typeface="Arial" panose="020B0604020202020204" pitchFamily="34" charset="0"/>
+                <a:cs typeface="Arial" panose="020B0604020202020204" pitchFamily="34" charset="0"/>
               </a:rPr>
               <a:t> </a:t>
             </a:r>
-          </a:p>
-          <a:p>
-            <a:pPr marL="0" indent="0" algn="ctr">
-              <a:buNone/>
-            </a:pPr>
-            <a:r>
-              <a:rPr lang="en-US" sz="3500" b="0" i="1" dirty="0">
-                <a:effectLst/>
-                <a:latin typeface="Aldhabi" panose="01000000000000000000" pitchFamily="2" charset="-78"/>
-                <a:cs typeface="Aldhabi" panose="01000000000000000000" pitchFamily="2" charset="-78"/>
+            <a:r>
+              <a:rPr lang="it-IT" sz="1600" i="1" dirty="0" err="1">
+                <a:solidFill>
+                  <a:schemeClr val="tx2"/>
+                </a:solidFill>
+                <a:latin typeface="Arial" panose="020B0604020202020204" pitchFamily="34" charset="0"/>
+                <a:cs typeface="Arial" panose="020B0604020202020204" pitchFamily="34" charset="0"/>
               </a:rPr>
-              <a:t>Mudde and </a:t>
-            </a:r>
-            <a:r>
-              <a:rPr lang="en-US" sz="3500" b="0" i="1" dirty="0" err="1">
-                <a:effectLst/>
-                <a:latin typeface="Aldhabi" panose="01000000000000000000" pitchFamily="2" charset="-78"/>
-                <a:cs typeface="Aldhabi" panose="01000000000000000000" pitchFamily="2" charset="-78"/>
+              <a:t>affinity</a:t>
+            </a:r>
+            <a:r>
+              <a:rPr lang="it-IT" sz="1600" i="1" dirty="0">
+                <a:solidFill>
+                  <a:schemeClr val="tx2"/>
+                </a:solidFill>
+                <a:latin typeface="Arial" panose="020B0604020202020204" pitchFamily="34" charset="0"/>
+                <a:cs typeface="Arial" panose="020B0604020202020204" pitchFamily="34" charset="0"/>
               </a:rPr>
-              <a:t>Rovira</a:t>
-            </a:r>
-            <a:r>
-              <a:rPr lang="en-US" sz="3500" b="0" i="1" dirty="0">
-                <a:effectLst/>
-                <a:latin typeface="Aldhabi" panose="01000000000000000000" pitchFamily="2" charset="-78"/>
-                <a:cs typeface="Aldhabi" panose="01000000000000000000" pitchFamily="2" charset="-78"/>
-              </a:rPr>
-              <a:t> </a:t>
-            </a:r>
-            <a:r>
-              <a:rPr lang="en-US" sz="3500" b="0" i="1" dirty="0" err="1">
-                <a:effectLst/>
-                <a:latin typeface="Aldhabi" panose="01000000000000000000" pitchFamily="2" charset="-78"/>
-                <a:cs typeface="Aldhabi" panose="01000000000000000000" pitchFamily="2" charset="-78"/>
-              </a:rPr>
-              <a:t>Kaltwasser</a:t>
-            </a:r>
-            <a:endParaRPr lang="it-IT" sz="3500" i="1" dirty="0">
-              <a:latin typeface="Aldhabi" panose="01000000000000000000" pitchFamily="2" charset="-78"/>
-              <a:cs typeface="Aldhabi" panose="01000000000000000000" pitchFamily="2" charset="-78"/>
-            </a:endParaRPr>
+              <a:t>. Media Culture Society, pages 745–753, 2018.</a:t>
+            </a:r>
           </a:p>
         </p:txBody>
       </p:sp>
     </p:spTree>
     <p:extLst>
       <p:ext uri="{BB962C8B-B14F-4D97-AF65-F5344CB8AC3E}">
-        <p14:creationId xmlns:p14="http://schemas.microsoft.com/office/powerpoint/2010/main" val="3775509769"/>
+        <p14:creationId xmlns:p14="http://schemas.microsoft.com/office/powerpoint/2010/main" val="137883395"/>
       </p:ext>
     </p:extLst>
   </p:cSld>
@@ -7476,7 +9207,7 @@
 </p:sld>
 </file>
 
-<file path=ppt/slides/slide4.xml><?xml version="1.0" encoding="utf-8"?>
+<file path=ppt/slides/slide5.xml><?xml version="1.0" encoding="utf-8"?>
 <p:sld xmlns:a="http://schemas.openxmlformats.org/drawingml/2006/main" xmlns:r="http://schemas.openxmlformats.org/officeDocument/2006/relationships" xmlns:p="http://schemas.openxmlformats.org/presentationml/2006/main">
   <p:cSld>
     <p:spTree>
@@ -7498,7 +9229,7 @@
           <p:cNvPr id="2" name="Titolo 1">
             <a:extLst>
               <a:ext uri="{FF2B5EF4-FFF2-40B4-BE49-F238E27FC236}">
-                <a16:creationId xmlns:a16="http://schemas.microsoft.com/office/drawing/2014/main" id="{C0B6F312-2114-2FB6-E417-767F62CFF662}"/>
+                <a16:creationId xmlns:a16="http://schemas.microsoft.com/office/drawing/2014/main" id="{CB16015B-F053-719A-10CC-147714C4815A}"/>
               </a:ext>
             </a:extLst>
           </p:cNvPr>
@@ -7509,79 +9240,25 @@
             <p:ph type="title"/>
           </p:nvPr>
         </p:nvSpPr>
-        <p:spPr>
-          <a:xfrm>
-            <a:off x="601092" y="4218034"/>
-            <a:ext cx="10989816" cy="2005213"/>
-          </a:xfrm>
-        </p:spPr>
+        <p:spPr/>
         <p:txBody>
-          <a:bodyPr>
-            <a:normAutofit/>
-          </a:bodyPr>
+          <a:bodyPr/>
           <a:lstStyle/>
           <a:p>
-            <a:r>
-              <a:rPr lang="it-IT" sz="3200" dirty="0">
-                <a:latin typeface="Arial" panose="020B0604020202020204" pitchFamily="34" charset="0"/>
-                <a:cs typeface="Arial" panose="020B0604020202020204" pitchFamily="34" charset="0"/>
-              </a:rPr>
-              <a:t>Come espresso dalla definizione di </a:t>
-            </a:r>
-            <a:r>
-              <a:rPr lang="it-IT" sz="3200" b="1" dirty="0">
-                <a:latin typeface="Arial" panose="020B0604020202020204" pitchFamily="34" charset="0"/>
-                <a:cs typeface="Arial" panose="020B0604020202020204" pitchFamily="34" charset="0"/>
-              </a:rPr>
-              <a:t>Gerbaudo</a:t>
-            </a:r>
-            <a:r>
-              <a:rPr lang="it-IT" sz="3200" dirty="0">
-                <a:latin typeface="Arial" panose="020B0604020202020204" pitchFamily="34" charset="0"/>
-                <a:cs typeface="Arial" panose="020B0604020202020204" pitchFamily="34" charset="0"/>
-              </a:rPr>
-              <a:t>, il </a:t>
-            </a:r>
-            <a:r>
-              <a:rPr lang="it-IT" sz="3200" dirty="0">
-                <a:solidFill>
-                  <a:srgbClr val="FF0000"/>
-                </a:solidFill>
-                <a:latin typeface="Arial" panose="020B0604020202020204" pitchFamily="34" charset="0"/>
-                <a:cs typeface="Arial" panose="020B0604020202020204" pitchFamily="34" charset="0"/>
-              </a:rPr>
-              <a:t>populismo</a:t>
-            </a:r>
-            <a:r>
-              <a:rPr lang="it-IT" sz="3200" dirty="0">
-                <a:latin typeface="Arial" panose="020B0604020202020204" pitchFamily="34" charset="0"/>
-                <a:cs typeface="Arial" panose="020B0604020202020204" pitchFamily="34" charset="0"/>
-              </a:rPr>
-              <a:t> si afferma come il </a:t>
-            </a:r>
-            <a:r>
-              <a:rPr lang="it-IT" sz="3200" i="1" dirty="0">
-                <a:latin typeface="Arial" panose="020B0604020202020204" pitchFamily="34" charset="0"/>
-                <a:cs typeface="Arial" panose="020B0604020202020204" pitchFamily="34" charset="0"/>
-              </a:rPr>
-              <a:t>”partito piglia tutto”</a:t>
-            </a:r>
-            <a:r>
-              <a:rPr lang="it-IT" sz="3200" dirty="0">
-                <a:latin typeface="Arial" panose="020B0604020202020204" pitchFamily="34" charset="0"/>
-                <a:cs typeface="Arial" panose="020B0604020202020204" pitchFamily="34" charset="0"/>
-              </a:rPr>
-              <a:t>: aggrega interessi indipendentemente dal loro grado di realizzabilità.</a:t>
+            <a:pPr algn="ctr"/>
+            <a:r>
+              <a:rPr lang="it-IT" dirty="0"/>
+              <a:t>Connessioni social populismo</a:t>
             </a:r>
           </a:p>
         </p:txBody>
       </p:sp>
       <p:sp>
         <p:nvSpPr>
-          <p:cNvPr id="3" name="Segnaposto contenuto 2">
+          <p:cNvPr id="4" name="Segnaposto testo 3">
             <a:extLst>
               <a:ext uri="{FF2B5EF4-FFF2-40B4-BE49-F238E27FC236}">
-                <a16:creationId xmlns:a16="http://schemas.microsoft.com/office/drawing/2014/main" id="{EAEEC4F9-6E7E-50E7-2AC7-8EC14ACE8B66}"/>
+                <a16:creationId xmlns:a16="http://schemas.microsoft.com/office/drawing/2014/main" id="{CA3FE667-4426-1D45-688D-2C3A101656DA}"/>
               </a:ext>
             </a:extLst>
           </p:cNvPr>
@@ -7589,120 +9266,119 @@
             <a:spLocks noGrp="1"/>
           </p:cNvSpPr>
           <p:nvPr>
-            <p:ph idx="1"/>
+            <p:ph type="body" idx="1"/>
           </p:nvPr>
         </p:nvSpPr>
-        <p:spPr>
-          <a:xfrm>
-            <a:off x="838200" y="209890"/>
-            <a:ext cx="10515600" cy="3944860"/>
-          </a:xfrm>
-        </p:spPr>
+        <p:spPr/>
+        <p:txBody>
+          <a:bodyPr/>
+          <a:lstStyle/>
+          <a:p>
+            <a:r>
+              <a:rPr lang="it-IT" dirty="0"/>
+              <a:t>opinion-building</a:t>
+            </a:r>
+          </a:p>
+        </p:txBody>
+      </p:sp>
+      <p:sp>
+        <p:nvSpPr>
+          <p:cNvPr id="5" name="Segnaposto contenuto 4">
+            <a:extLst>
+              <a:ext uri="{FF2B5EF4-FFF2-40B4-BE49-F238E27FC236}">
+                <a16:creationId xmlns:a16="http://schemas.microsoft.com/office/drawing/2014/main" id="{B41A773E-839B-17E8-796C-CA74192BB04C}"/>
+              </a:ext>
+            </a:extLst>
+          </p:cNvPr>
+          <p:cNvSpPr>
+            <a:spLocks noGrp="1"/>
+          </p:cNvSpPr>
+          <p:nvPr>
+            <p:ph sz="half" idx="2"/>
+          </p:nvPr>
+        </p:nvSpPr>
+        <p:spPr/>
         <p:txBody>
           <a:bodyPr>
-            <a:normAutofit fontScale="92500" lnSpcReduction="10000"/>
+            <a:normAutofit fontScale="77500" lnSpcReduction="20000"/>
           </a:bodyPr>
           <a:lstStyle/>
           <a:p>
-            <a:pPr marL="0" indent="0">
-              <a:buNone/>
-            </a:pPr>
-            <a:r>
-              <a:rPr lang="en-US" b="0" i="1" dirty="0">
-                <a:effectLst/>
-                <a:latin typeface="Arial" panose="020B0604020202020204" pitchFamily="34" charset="0"/>
-              </a:rPr>
-              <a:t>Populism here becomes a catch-all label to refer to all those</a:t>
-            </a:r>
-            <a:br>
-              <a:rPr lang="en-US" i="1" dirty="0"/>
-            </a:br>
-            <a:r>
-              <a:rPr lang="en-US" b="0" i="1" dirty="0">
-                <a:effectLst/>
-                <a:latin typeface="Arial" panose="020B0604020202020204" pitchFamily="34" charset="0"/>
-              </a:rPr>
-              <a:t>political phenomena that are considered to be dangerous, irrational and demagogic; populism as a politics that appeals to the basest sentiments of the populace, makes demagogic promises and panders to imaginary fears.</a:t>
-            </a:r>
-          </a:p>
-          <a:p>
-            <a:pPr marL="0" indent="0">
-              <a:buNone/>
-            </a:pPr>
+            <a:r>
+              <a:rPr lang="en-US" dirty="0"/>
+              <a:t>First, the design of social media as alternative media where ordinary people can express themselves has provided a suitable venue for populist movements to counter the perceived pro-establishment bias of mainstream news media, so that alternative media channels capable of intercepting popular anger have risen in importance.</a:t>
+            </a:r>
             <a:endParaRPr lang="it-IT" dirty="0"/>
           </a:p>
-          <a:p>
-            <a:pPr marL="0" indent="0">
-              <a:buNone/>
-            </a:pPr>
+        </p:txBody>
+      </p:sp>
+      <p:sp>
+        <p:nvSpPr>
+          <p:cNvPr id="6" name="Segnaposto testo 5">
+            <a:extLst>
+              <a:ext uri="{FF2B5EF4-FFF2-40B4-BE49-F238E27FC236}">
+                <a16:creationId xmlns:a16="http://schemas.microsoft.com/office/drawing/2014/main" id="{72F8AEE4-A6EB-20E1-455E-F88E617D1B64}"/>
+              </a:ext>
+            </a:extLst>
+          </p:cNvPr>
+          <p:cNvSpPr>
+            <a:spLocks noGrp="1"/>
+          </p:cNvSpPr>
+          <p:nvPr>
+            <p:ph type="body" sz="quarter" idx="3"/>
+          </p:nvPr>
+        </p:nvSpPr>
+        <p:spPr/>
+        <p:txBody>
+          <a:bodyPr/>
+          <a:lstStyle/>
+          <a:p>
+            <a:r>
+              <a:rPr lang="it-IT" dirty="0" err="1"/>
+              <a:t>movement</a:t>
+            </a:r>
+            <a:r>
+              <a:rPr lang="it-IT" dirty="0"/>
+              <a:t>-building</a:t>
+            </a:r>
+          </a:p>
+        </p:txBody>
+      </p:sp>
+      <p:sp>
+        <p:nvSpPr>
+          <p:cNvPr id="7" name="Segnaposto contenuto 6">
+            <a:extLst>
+              <a:ext uri="{FF2B5EF4-FFF2-40B4-BE49-F238E27FC236}">
+                <a16:creationId xmlns:a16="http://schemas.microsoft.com/office/drawing/2014/main" id="{0146921F-51E8-67DF-BD19-A39C3C220BAC}"/>
+              </a:ext>
+            </a:extLst>
+          </p:cNvPr>
+          <p:cNvSpPr>
+            <a:spLocks noGrp="1"/>
+          </p:cNvSpPr>
+          <p:nvPr>
+            <p:ph sz="quarter" idx="4"/>
+          </p:nvPr>
+        </p:nvSpPr>
+        <p:spPr/>
+        <p:txBody>
+          <a:bodyPr>
+            <a:normAutofit fontScale="77500" lnSpcReduction="20000"/>
+          </a:bodyPr>
+          <a:lstStyle/>
+          <a:p>
+            <a:r>
+              <a:rPr lang="en-US" dirty="0"/>
+              <a:t>Second, the aggregative functionalities of social media, embedded in their algorithmic architecture and their “filter bubble” tendencies, has allowed disgruntled individuals embracing ideas regarded as improper by liberal common sense to find each other and form online crowds, which have played a crucial role in providing militant support for anti-establishment candidates, as seen for example in the #Gamergate community support of Donald Trump's presidential campaign.</a:t>
+            </a:r>
             <a:endParaRPr lang="it-IT" dirty="0"/>
-          </a:p>
-          <a:p>
-            <a:pPr marL="0" indent="0">
-              <a:buNone/>
-            </a:pPr>
-            <a:endParaRPr lang="it-IT" dirty="0"/>
-          </a:p>
-          <a:p>
-            <a:pPr marL="0" indent="0">
-              <a:buNone/>
-            </a:pPr>
-            <a:r>
-              <a:rPr lang="it-IT" dirty="0">
-                <a:latin typeface="Arial" panose="020B0604020202020204" pitchFamily="34" charset="0"/>
-                <a:cs typeface="Arial" panose="020B0604020202020204" pitchFamily="34" charset="0"/>
-              </a:rPr>
-              <a:t>Paolo Gerbaudo. Social media and </a:t>
-            </a:r>
-            <a:r>
-              <a:rPr lang="it-IT" dirty="0" err="1">
-                <a:latin typeface="Arial" panose="020B0604020202020204" pitchFamily="34" charset="0"/>
-                <a:cs typeface="Arial" panose="020B0604020202020204" pitchFamily="34" charset="0"/>
-              </a:rPr>
-              <a:t>populism</a:t>
-            </a:r>
-            <a:r>
-              <a:rPr lang="it-IT" dirty="0">
-                <a:latin typeface="Arial" panose="020B0604020202020204" pitchFamily="34" charset="0"/>
-                <a:cs typeface="Arial" panose="020B0604020202020204" pitchFamily="34" charset="0"/>
-              </a:rPr>
-              <a:t>: An </a:t>
-            </a:r>
-            <a:r>
-              <a:rPr lang="it-IT" dirty="0" err="1">
-                <a:latin typeface="Arial" panose="020B0604020202020204" pitchFamily="34" charset="0"/>
-                <a:cs typeface="Arial" panose="020B0604020202020204" pitchFamily="34" charset="0"/>
-              </a:rPr>
-              <a:t>elective</a:t>
-            </a:r>
-            <a:r>
-              <a:rPr lang="it-IT" dirty="0">
-                <a:latin typeface="Arial" panose="020B0604020202020204" pitchFamily="34" charset="0"/>
-                <a:cs typeface="Arial" panose="020B0604020202020204" pitchFamily="34" charset="0"/>
-              </a:rPr>
-              <a:t> </a:t>
-            </a:r>
-            <a:r>
-              <a:rPr lang="it-IT" dirty="0" err="1">
-                <a:latin typeface="Arial" panose="020B0604020202020204" pitchFamily="34" charset="0"/>
-                <a:cs typeface="Arial" panose="020B0604020202020204" pitchFamily="34" charset="0"/>
-              </a:rPr>
-              <a:t>affinity</a:t>
-            </a:r>
-            <a:r>
-              <a:rPr lang="it-IT" dirty="0">
-                <a:latin typeface="Arial" panose="020B0604020202020204" pitchFamily="34" charset="0"/>
-                <a:cs typeface="Arial" panose="020B0604020202020204" pitchFamily="34" charset="0"/>
-              </a:rPr>
-              <a:t>. Media Culture Society, pages 745–753, 2018.</a:t>
-            </a:r>
           </a:p>
         </p:txBody>
       </p:sp>
     </p:spTree>
     <p:extLst>
       <p:ext uri="{BB962C8B-B14F-4D97-AF65-F5344CB8AC3E}">
-        <p14:creationId xmlns:p14="http://schemas.microsoft.com/office/powerpoint/2010/main" val="137883395"/>
+        <p14:creationId xmlns:p14="http://schemas.microsoft.com/office/powerpoint/2010/main" val="2735972631"/>
       </p:ext>
     </p:extLst>
   </p:cSld>
@@ -7712,7 +9388,222 @@
 </p:sld>
 </file>
 
-<file path=ppt/slides/slide5.xml><?xml version="1.0" encoding="utf-8"?>
+<file path=ppt/slides/slide6.xml><?xml version="1.0" encoding="utf-8"?>
+<p:sld xmlns:a="http://schemas.openxmlformats.org/drawingml/2006/main" xmlns:r="http://schemas.openxmlformats.org/officeDocument/2006/relationships" xmlns:p="http://schemas.openxmlformats.org/presentationml/2006/main">
+  <p:cSld>
+    <p:spTree>
+      <p:nvGrpSpPr>
+        <p:cNvPr id="1" name=""/>
+        <p:cNvGrpSpPr/>
+        <p:nvPr/>
+      </p:nvGrpSpPr>
+      <p:grpSpPr>
+        <a:xfrm>
+          <a:off x="0" y="0"/>
+          <a:ext cx="0" cy="0"/>
+          <a:chOff x="0" y="0"/>
+          <a:chExt cx="0" cy="0"/>
+        </a:xfrm>
+      </p:grpSpPr>
+      <p:sp>
+        <p:nvSpPr>
+          <p:cNvPr id="2" name="Titolo 1">
+            <a:extLst>
+              <a:ext uri="{FF2B5EF4-FFF2-40B4-BE49-F238E27FC236}">
+                <a16:creationId xmlns:a16="http://schemas.microsoft.com/office/drawing/2014/main" id="{9CA00C5F-2AF9-DC01-FF84-A2DD3676E9D5}"/>
+              </a:ext>
+            </a:extLst>
+          </p:cNvPr>
+          <p:cNvSpPr>
+            <a:spLocks noGrp="1"/>
+          </p:cNvSpPr>
+          <p:nvPr>
+            <p:ph type="title"/>
+          </p:nvPr>
+        </p:nvSpPr>
+        <p:spPr/>
+        <p:txBody>
+          <a:bodyPr>
+            <a:normAutofit/>
+          </a:bodyPr>
+          <a:lstStyle/>
+          <a:p>
+            <a:r>
+              <a:rPr lang="en-US" dirty="0"/>
+              <a:t>What makes social media such a propitious space for the rise of populist movements?</a:t>
+            </a:r>
+            <a:endParaRPr lang="it-IT" dirty="0"/>
+          </a:p>
+        </p:txBody>
+      </p:sp>
+      <p:sp>
+        <p:nvSpPr>
+          <p:cNvPr id="4" name="Segnaposto contenuto 3">
+            <a:extLst>
+              <a:ext uri="{FF2B5EF4-FFF2-40B4-BE49-F238E27FC236}">
+                <a16:creationId xmlns:a16="http://schemas.microsoft.com/office/drawing/2014/main" id="{95DE9C62-AD78-7A39-4DF6-3800137C5788}"/>
+              </a:ext>
+            </a:extLst>
+          </p:cNvPr>
+          <p:cNvSpPr>
+            <a:spLocks noGrp="1"/>
+          </p:cNvSpPr>
+          <p:nvPr>
+            <p:ph sz="half" idx="1"/>
+          </p:nvPr>
+        </p:nvSpPr>
+        <p:spPr/>
+        <p:txBody>
+          <a:bodyPr/>
+          <a:lstStyle/>
+          <a:p>
+            <a:r>
+              <a:rPr lang="en-US" dirty="0"/>
+              <a:t>Social media as the People’s voice</a:t>
+            </a:r>
+            <a:endParaRPr lang="it-IT" dirty="0"/>
+          </a:p>
+        </p:txBody>
+      </p:sp>
+      <p:sp>
+        <p:nvSpPr>
+          <p:cNvPr id="5" name="Segnaposto contenuto 4">
+            <a:extLst>
+              <a:ext uri="{FF2B5EF4-FFF2-40B4-BE49-F238E27FC236}">
+                <a16:creationId xmlns:a16="http://schemas.microsoft.com/office/drawing/2014/main" id="{7B923DCD-D1A9-BA74-C9D5-E41BD0DB76F7}"/>
+              </a:ext>
+            </a:extLst>
+          </p:cNvPr>
+          <p:cNvSpPr>
+            <a:spLocks noGrp="1"/>
+          </p:cNvSpPr>
+          <p:nvPr>
+            <p:ph sz="half" idx="2"/>
+          </p:nvPr>
+        </p:nvSpPr>
+        <p:spPr/>
+        <p:txBody>
+          <a:bodyPr/>
+          <a:lstStyle/>
+          <a:p>
+            <a:r>
+              <a:rPr lang="en-US" dirty="0"/>
+              <a:t>Social media as the People’s rally</a:t>
+            </a:r>
+            <a:endParaRPr lang="it-IT" dirty="0"/>
+          </a:p>
+        </p:txBody>
+      </p:sp>
+    </p:spTree>
+    <p:extLst>
+      <p:ext uri="{BB962C8B-B14F-4D97-AF65-F5344CB8AC3E}">
+        <p14:creationId xmlns:p14="http://schemas.microsoft.com/office/powerpoint/2010/main" val="2528475036"/>
+      </p:ext>
+    </p:extLst>
+  </p:cSld>
+  <p:clrMapOvr>
+    <a:masterClrMapping/>
+  </p:clrMapOvr>
+</p:sld>
+</file>
+
+<file path=ppt/slides/slide7.xml><?xml version="1.0" encoding="utf-8"?>
+<p:sld xmlns:a="http://schemas.openxmlformats.org/drawingml/2006/main" xmlns:r="http://schemas.openxmlformats.org/officeDocument/2006/relationships" xmlns:p="http://schemas.openxmlformats.org/presentationml/2006/main">
+  <p:cSld>
+    <p:spTree>
+      <p:nvGrpSpPr>
+        <p:cNvPr id="1" name=""/>
+        <p:cNvGrpSpPr/>
+        <p:nvPr/>
+      </p:nvGrpSpPr>
+      <p:grpSpPr>
+        <a:xfrm>
+          <a:off x="0" y="0"/>
+          <a:ext cx="0" cy="0"/>
+          <a:chOff x="0" y="0"/>
+          <a:chExt cx="0" cy="0"/>
+        </a:xfrm>
+      </p:grpSpPr>
+      <p:sp>
+        <p:nvSpPr>
+          <p:cNvPr id="2" name="Titolo 1">
+            <a:extLst>
+              <a:ext uri="{FF2B5EF4-FFF2-40B4-BE49-F238E27FC236}">
+                <a16:creationId xmlns:a16="http://schemas.microsoft.com/office/drawing/2014/main" id="{4DBEE531-8920-6FFF-BE6D-46B60DC92AAA}"/>
+              </a:ext>
+            </a:extLst>
+          </p:cNvPr>
+          <p:cNvSpPr>
+            <a:spLocks noGrp="1"/>
+          </p:cNvSpPr>
+          <p:nvPr>
+            <p:ph type="ctrTitle"/>
+          </p:nvPr>
+        </p:nvSpPr>
+        <p:spPr>
+          <a:xfrm>
+            <a:off x="1524000" y="92228"/>
+            <a:ext cx="9144000" cy="2997201"/>
+          </a:xfrm>
+        </p:spPr>
+        <p:txBody>
+          <a:bodyPr>
+            <a:normAutofit fontScale="90000"/>
+          </a:bodyPr>
+          <a:lstStyle/>
+          <a:p>
+            <a:r>
+              <a:rPr lang="en-US" dirty="0"/>
+              <a:t>what is the new form of populism that emerges out of the encounter between social media and populism?</a:t>
+            </a:r>
+            <a:endParaRPr lang="it-IT" dirty="0"/>
+          </a:p>
+        </p:txBody>
+      </p:sp>
+      <p:sp>
+        <p:nvSpPr>
+          <p:cNvPr id="3" name="Sottotitolo 2">
+            <a:extLst>
+              <a:ext uri="{FF2B5EF4-FFF2-40B4-BE49-F238E27FC236}">
+                <a16:creationId xmlns:a16="http://schemas.microsoft.com/office/drawing/2014/main" id="{5CCD0A7B-6946-5EDB-4246-6E5D590978EB}"/>
+              </a:ext>
+            </a:extLst>
+          </p:cNvPr>
+          <p:cNvSpPr>
+            <a:spLocks noGrp="1"/>
+          </p:cNvSpPr>
+          <p:nvPr>
+            <p:ph type="subTitle" idx="1"/>
+          </p:nvPr>
+        </p:nvSpPr>
+        <p:spPr>
+          <a:xfrm>
+            <a:off x="1524000" y="3282442"/>
+            <a:ext cx="9144000" cy="1655762"/>
+          </a:xfrm>
+        </p:spPr>
+        <p:txBody>
+          <a:bodyPr/>
+          <a:lstStyle/>
+          <a:p>
+            <a:endParaRPr lang="it-IT" dirty="0"/>
+          </a:p>
+        </p:txBody>
+      </p:sp>
+    </p:spTree>
+    <p:extLst>
+      <p:ext uri="{BB962C8B-B14F-4D97-AF65-F5344CB8AC3E}">
+        <p14:creationId xmlns:p14="http://schemas.microsoft.com/office/powerpoint/2010/main" val="1440964324"/>
+      </p:ext>
+    </p:extLst>
+  </p:cSld>
+  <p:clrMapOvr>
+    <a:masterClrMapping/>
+  </p:clrMapOvr>
+</p:sld>
+</file>
+
+<file path=ppt/slides/slide8.xml><?xml version="1.0" encoding="utf-8"?>
 <p:sld xmlns:a="http://schemas.openxmlformats.org/drawingml/2006/main" xmlns:r="http://schemas.openxmlformats.org/officeDocument/2006/relationships" xmlns:p="http://schemas.openxmlformats.org/presentationml/2006/main">
   <p:cSld>
     <p:bg>
@@ -8162,7 +10053,7 @@
 </p:sld>
 </file>
 
-<file path=ppt/slides/slide6.xml><?xml version="1.0" encoding="utf-8"?>
+<file path=ppt/slides/slide9.xml><?xml version="1.0" encoding="utf-8"?>
 <p:sld xmlns:a="http://schemas.openxmlformats.org/drawingml/2006/main" xmlns:r="http://schemas.openxmlformats.org/officeDocument/2006/relationships" xmlns:p="http://schemas.openxmlformats.org/presentationml/2006/main">
   <p:cSld>
     <p:bg>

--- a/PresentazionePOLDIG.pptx
+++ b/PresentazionePOLDIG.pptx
@@ -118,6 +118,185 @@
     </p:ext>
   </p:extLst>
 </p:presentation>
+</file>
+
+<file path=ppt/revisionInfo.xml><?xml version="1.0" encoding="utf-8"?>
+<p1510:revInfo xmlns:a="http://schemas.openxmlformats.org/drawingml/2006/main" xmlns:r="http://schemas.openxmlformats.org/officeDocument/2006/relationships" xmlns:p1510="http://schemas.microsoft.com/office/powerpoint/2015/10/main">
+  <p1510:revLst>
+    <p1510:client id="{AB60C46E-9AAE-4F24-8F10-17852C5BCC50}" v="166" dt="2023-10-27T12:19:16.400"/>
+    <p1510:client id="{CB819A33-78C2-4E78-B2FB-28D83273E1A3}" v="253" dt="2023-10-28T12:20:22.574"/>
+  </p1510:revLst>
+</p1510:revInfo>
+</file>
+
+<file path=ppt/changesInfos/changesInfo1.xml><?xml version="1.0" encoding="utf-8"?>
+<pc:chgInfo xmlns:a="http://schemas.openxmlformats.org/drawingml/2006/main" xmlns:r="http://schemas.openxmlformats.org/officeDocument/2006/relationships" xmlns:ac="http://schemas.microsoft.com/office/drawing/2013/main/command" xmlns:pc="http://schemas.microsoft.com/office/powerpoint/2013/main/command">
+  <pc:docChgLst>
+    <pc:chgData name="Alessandro Riccardo Casanova - alessandro.casanova2@studio.unibo.it" userId="S::alessandro.casanova2@studio.unibo.it::ad111939-e699-46c0-a9b4-f79d9da37fdd" providerId="AD" clId="Web-{AB60C46E-9AAE-4F24-8F10-17852C5BCC50}"/>
+    <pc:docChg chg="addSld modSld sldOrd">
+      <pc:chgData name="Alessandro Riccardo Casanova - alessandro.casanova2@studio.unibo.it" userId="S::alessandro.casanova2@studio.unibo.it::ad111939-e699-46c0-a9b4-f79d9da37fdd" providerId="AD" clId="Web-{AB60C46E-9AAE-4F24-8F10-17852C5BCC50}" dt="2023-10-27T12:19:16.400" v="173" actId="20577"/>
+      <pc:docMkLst>
+        <pc:docMk/>
+      </pc:docMkLst>
+      <pc:sldChg chg="modSp">
+        <pc:chgData name="Alessandro Riccardo Casanova - alessandro.casanova2@studio.unibo.it" userId="S::alessandro.casanova2@studio.unibo.it::ad111939-e699-46c0-a9b4-f79d9da37fdd" providerId="AD" clId="Web-{AB60C46E-9AAE-4F24-8F10-17852C5BCC50}" dt="2023-10-27T12:08:01.791" v="63"/>
+        <pc:sldMkLst>
+          <pc:docMk/>
+          <pc:sldMk cId="137883395" sldId="258"/>
+        </pc:sldMkLst>
+        <pc:picChg chg="mod">
+          <ac:chgData name="Alessandro Riccardo Casanova - alessandro.casanova2@studio.unibo.it" userId="S::alessandro.casanova2@studio.unibo.it::ad111939-e699-46c0-a9b4-f79d9da37fdd" providerId="AD" clId="Web-{AB60C46E-9AAE-4F24-8F10-17852C5BCC50}" dt="2023-10-27T12:08:01.791" v="63"/>
+          <ac:picMkLst>
+            <pc:docMk/>
+            <pc:sldMk cId="137883395" sldId="258"/>
+            <ac:picMk id="4" creationId="{CCC10F7E-D8FC-34AE-477F-EAC1B512A08E}"/>
+          </ac:picMkLst>
+        </pc:picChg>
+      </pc:sldChg>
+      <pc:sldChg chg="modSp">
+        <pc:chgData name="Alessandro Riccardo Casanova - alessandro.casanova2@studio.unibo.it" userId="S::alessandro.casanova2@studio.unibo.it::ad111939-e699-46c0-a9b4-f79d9da37fdd" providerId="AD" clId="Web-{AB60C46E-9AAE-4F24-8F10-17852C5BCC50}" dt="2023-10-27T12:19:16.400" v="173" actId="20577"/>
+        <pc:sldMkLst>
+          <pc:docMk/>
+          <pc:sldMk cId="2735972631" sldId="264"/>
+        </pc:sldMkLst>
+        <pc:spChg chg="mod">
+          <ac:chgData name="Alessandro Riccardo Casanova - alessandro.casanova2@studio.unibo.it" userId="S::alessandro.casanova2@studio.unibo.it::ad111939-e699-46c0-a9b4-f79d9da37fdd" providerId="AD" clId="Web-{AB60C46E-9AAE-4F24-8F10-17852C5BCC50}" dt="2023-10-27T12:19:16.400" v="173" actId="20577"/>
+          <ac:spMkLst>
+            <pc:docMk/>
+            <pc:sldMk cId="2735972631" sldId="264"/>
+            <ac:spMk id="5" creationId="{B41A773E-839B-17E8-796C-CA74192BB04C}"/>
+          </ac:spMkLst>
+        </pc:spChg>
+        <pc:spChg chg="mod">
+          <ac:chgData name="Alessandro Riccardo Casanova - alessandro.casanova2@studio.unibo.it" userId="S::alessandro.casanova2@studio.unibo.it::ad111939-e699-46c0-a9b4-f79d9da37fdd" providerId="AD" clId="Web-{AB60C46E-9AAE-4F24-8F10-17852C5BCC50}" dt="2023-10-27T12:19:13.494" v="172" actId="20577"/>
+          <ac:spMkLst>
+            <pc:docMk/>
+            <pc:sldMk cId="2735972631" sldId="264"/>
+            <ac:spMk id="7" creationId="{0146921F-51E8-67DF-BD19-A39C3C220BAC}"/>
+          </ac:spMkLst>
+        </pc:spChg>
+      </pc:sldChg>
+      <pc:sldChg chg="modSp new ord">
+        <pc:chgData name="Alessandro Riccardo Casanova - alessandro.casanova2@studio.unibo.it" userId="S::alessandro.casanova2@studio.unibo.it::ad111939-e699-46c0-a9b4-f79d9da37fdd" providerId="AD" clId="Web-{AB60C46E-9AAE-4F24-8F10-17852C5BCC50}" dt="2023-10-27T12:06:32.662" v="62" actId="20577"/>
+        <pc:sldMkLst>
+          <pc:docMk/>
+          <pc:sldMk cId="1264851712" sldId="265"/>
+        </pc:sldMkLst>
+        <pc:spChg chg="mod">
+          <ac:chgData name="Alessandro Riccardo Casanova - alessandro.casanova2@studio.unibo.it" userId="S::alessandro.casanova2@studio.unibo.it::ad111939-e699-46c0-a9b4-f79d9da37fdd" providerId="AD" clId="Web-{AB60C46E-9AAE-4F24-8F10-17852C5BCC50}" dt="2023-10-27T11:47:40.578" v="8" actId="20577"/>
+          <ac:spMkLst>
+            <pc:docMk/>
+            <pc:sldMk cId="1264851712" sldId="265"/>
+            <ac:spMk id="3" creationId="{83C8F8E1-D385-5773-3D2D-692EA8C8BE6C}"/>
+          </ac:spMkLst>
+        </pc:spChg>
+        <pc:spChg chg="mod">
+          <ac:chgData name="Alessandro Riccardo Casanova - alessandro.casanova2@studio.unibo.it" userId="S::alessandro.casanova2@studio.unibo.it::ad111939-e699-46c0-a9b4-f79d9da37fdd" providerId="AD" clId="Web-{AB60C46E-9AAE-4F24-8F10-17852C5BCC50}" dt="2023-10-27T12:06:10.442" v="49" actId="20577"/>
+          <ac:spMkLst>
+            <pc:docMk/>
+            <pc:sldMk cId="1264851712" sldId="265"/>
+            <ac:spMk id="4" creationId="{D1DF37E2-E9EC-81DF-2B5E-3E1CB8A37B3A}"/>
+          </ac:spMkLst>
+        </pc:spChg>
+        <pc:spChg chg="mod">
+          <ac:chgData name="Alessandro Riccardo Casanova - alessandro.casanova2@studio.unibo.it" userId="S::alessandro.casanova2@studio.unibo.it::ad111939-e699-46c0-a9b4-f79d9da37fdd" providerId="AD" clId="Web-{AB60C46E-9AAE-4F24-8F10-17852C5BCC50}" dt="2023-10-27T11:47:45.422" v="12" actId="20577"/>
+          <ac:spMkLst>
+            <pc:docMk/>
+            <pc:sldMk cId="1264851712" sldId="265"/>
+            <ac:spMk id="5" creationId="{C7E3B18D-E421-3DB1-9BE6-2B7638AD7EA2}"/>
+          </ac:spMkLst>
+        </pc:spChg>
+        <pc:spChg chg="mod">
+          <ac:chgData name="Alessandro Riccardo Casanova - alessandro.casanova2@studio.unibo.it" userId="S::alessandro.casanova2@studio.unibo.it::ad111939-e699-46c0-a9b4-f79d9da37fdd" providerId="AD" clId="Web-{AB60C46E-9AAE-4F24-8F10-17852C5BCC50}" dt="2023-10-27T12:06:32.662" v="62" actId="20577"/>
+          <ac:spMkLst>
+            <pc:docMk/>
+            <pc:sldMk cId="1264851712" sldId="265"/>
+            <ac:spMk id="6" creationId="{28EF7682-71AB-F862-BC5A-631AF628E8C1}"/>
+          </ac:spMkLst>
+        </pc:spChg>
+      </pc:sldChg>
+      <pc:sldChg chg="addSp modSp new">
+        <pc:chgData name="Alessandro Riccardo Casanova - alessandro.casanova2@studio.unibo.it" userId="S::alessandro.casanova2@studio.unibo.it::ad111939-e699-46c0-a9b4-f79d9da37fdd" providerId="AD" clId="Web-{AB60C46E-9AAE-4F24-8F10-17852C5BCC50}" dt="2023-10-27T12:18:39.258" v="166" actId="14100"/>
+        <pc:sldMkLst>
+          <pc:docMk/>
+          <pc:sldMk cId="1921684824" sldId="266"/>
+        </pc:sldMkLst>
+        <pc:spChg chg="mod">
+          <ac:chgData name="Alessandro Riccardo Casanova - alessandro.casanova2@studio.unibo.it" userId="S::alessandro.casanova2@studio.unibo.it::ad111939-e699-46c0-a9b4-f79d9da37fdd" providerId="AD" clId="Web-{AB60C46E-9AAE-4F24-8F10-17852C5BCC50}" dt="2023-10-27T12:09:49.593" v="80" actId="20577"/>
+          <ac:spMkLst>
+            <pc:docMk/>
+            <pc:sldMk cId="1921684824" sldId="266"/>
+            <ac:spMk id="2" creationId="{57AC7670-DED7-9463-9E1C-6F9BA0DB3052}"/>
+          </ac:spMkLst>
+        </pc:spChg>
+        <pc:spChg chg="mod">
+          <ac:chgData name="Alessandro Riccardo Casanova - alessandro.casanova2@studio.unibo.it" userId="S::alessandro.casanova2@studio.unibo.it::ad111939-e699-46c0-a9b4-f79d9da37fdd" providerId="AD" clId="Web-{AB60C46E-9AAE-4F24-8F10-17852C5BCC50}" dt="2023-10-27T12:11:31.425" v="120" actId="20577"/>
+          <ac:spMkLst>
+            <pc:docMk/>
+            <pc:sldMk cId="1921684824" sldId="266"/>
+            <ac:spMk id="3" creationId="{51E8F727-C292-012B-FB3D-E467D3703018}"/>
+          </ac:spMkLst>
+        </pc:spChg>
+        <pc:spChg chg="add mod">
+          <ac:chgData name="Alessandro Riccardo Casanova - alessandro.casanova2@studio.unibo.it" userId="S::alessandro.casanova2@studio.unibo.it::ad111939-e699-46c0-a9b4-f79d9da37fdd" providerId="AD" clId="Web-{AB60C46E-9AAE-4F24-8F10-17852C5BCC50}" dt="2023-10-27T12:18:39.258" v="166" actId="14100"/>
+          <ac:spMkLst>
+            <pc:docMk/>
+            <pc:sldMk cId="1921684824" sldId="266"/>
+            <ac:spMk id="4" creationId="{A9216A18-48FE-7FC5-3450-9CB47968237B}"/>
+          </ac:spMkLst>
+        </pc:spChg>
+      </pc:sldChg>
+    </pc:docChg>
+  </pc:docChgLst>
+  <pc:docChgLst>
+    <pc:chgData name="Alessandro Riccardo Casanova - alessandro.casanova2@studio.unibo.it" userId="S::alessandro.casanova2@studio.unibo.it::ad111939-e699-46c0-a9b4-f79d9da37fdd" providerId="AD" clId="Web-{CB819A33-78C2-4E78-B2FB-28D83273E1A3}"/>
+    <pc:docChg chg="addSld modSld">
+      <pc:chgData name="Alessandro Riccardo Casanova - alessandro.casanova2@studio.unibo.it" userId="S::alessandro.casanova2@studio.unibo.it::ad111939-e699-46c0-a9b4-f79d9da37fdd" providerId="AD" clId="Web-{CB819A33-78C2-4E78-B2FB-28D83273E1A3}" dt="2023-10-28T12:20:12.558" v="244" actId="20577"/>
+      <pc:docMkLst>
+        <pc:docMk/>
+      </pc:docMkLst>
+      <pc:sldChg chg="modSp new">
+        <pc:chgData name="Alessandro Riccardo Casanova - alessandro.casanova2@studio.unibo.it" userId="S::alessandro.casanova2@studio.unibo.it::ad111939-e699-46c0-a9b4-f79d9da37fdd" providerId="AD" clId="Web-{CB819A33-78C2-4E78-B2FB-28D83273E1A3}" dt="2023-10-28T12:20:12.558" v="244" actId="20577"/>
+        <pc:sldMkLst>
+          <pc:docMk/>
+          <pc:sldMk cId="2873304901" sldId="265"/>
+        </pc:sldMkLst>
+        <pc:spChg chg="mod">
+          <ac:chgData name="Alessandro Riccardo Casanova - alessandro.casanova2@studio.unibo.it" userId="S::alessandro.casanova2@studio.unibo.it::ad111939-e699-46c0-a9b4-f79d9da37fdd" providerId="AD" clId="Web-{CB819A33-78C2-4E78-B2FB-28D83273E1A3}" dt="2023-10-28T12:13:57.062" v="6" actId="20577"/>
+          <ac:spMkLst>
+            <pc:docMk/>
+            <pc:sldMk cId="2873304901" sldId="265"/>
+            <ac:spMk id="3" creationId="{ADD43C28-4B2A-AE60-8E0F-A2DEAD1F66E9}"/>
+          </ac:spMkLst>
+        </pc:spChg>
+        <pc:spChg chg="mod">
+          <ac:chgData name="Alessandro Riccardo Casanova - alessandro.casanova2@studio.unibo.it" userId="S::alessandro.casanova2@studio.unibo.it::ad111939-e699-46c0-a9b4-f79d9da37fdd" providerId="AD" clId="Web-{CB819A33-78C2-4E78-B2FB-28D83273E1A3}" dt="2023-10-28T12:18:14.242" v="113" actId="20577"/>
+          <ac:spMkLst>
+            <pc:docMk/>
+            <pc:sldMk cId="2873304901" sldId="265"/>
+            <ac:spMk id="4" creationId="{1EAB6822-507B-38C4-374A-686D55592C0D}"/>
+          </ac:spMkLst>
+        </pc:spChg>
+        <pc:spChg chg="mod">
+          <ac:chgData name="Alessandro Riccardo Casanova - alessandro.casanova2@studio.unibo.it" userId="S::alessandro.casanova2@studio.unibo.it::ad111939-e699-46c0-a9b4-f79d9da37fdd" providerId="AD" clId="Web-{CB819A33-78C2-4E78-B2FB-28D83273E1A3}" dt="2023-10-28T12:14:13.875" v="14" actId="20577"/>
+          <ac:spMkLst>
+            <pc:docMk/>
+            <pc:sldMk cId="2873304901" sldId="265"/>
+            <ac:spMk id="5" creationId="{1AA20E91-93DA-6D1F-7844-797689A47034}"/>
+          </ac:spMkLst>
+        </pc:spChg>
+        <pc:spChg chg="mod">
+          <ac:chgData name="Alessandro Riccardo Casanova - alessandro.casanova2@studio.unibo.it" userId="S::alessandro.casanova2@studio.unibo.it::ad111939-e699-46c0-a9b4-f79d9da37fdd" providerId="AD" clId="Web-{CB819A33-78C2-4E78-B2FB-28D83273E1A3}" dt="2023-10-28T12:20:12.558" v="244" actId="20577"/>
+          <ac:spMkLst>
+            <pc:docMk/>
+            <pc:sldMk cId="2873304901" sldId="265"/>
+            <ac:spMk id="6" creationId="{46C49C25-49A0-E0A3-21BA-1D48B7E5D5A6}"/>
+          </ac:spMkLst>
+        </pc:spChg>
+      </pc:sldChg>
+    </pc:docChg>
+  </pc:docChgLst>
+</pc:chgInfo>
 </file>
 
 <file path=ppt/diagrams/colors1.xml><?xml version="1.0" encoding="utf-8"?>
@@ -871,7 +1050,7 @@
 <dgm:dataModel xmlns:dgm="http://schemas.openxmlformats.org/drawingml/2006/diagram" xmlns:a="http://schemas.openxmlformats.org/drawingml/2006/main">
   <dgm:ptLst>
     <dgm:pt modelId="{5F935801-2C80-4443-A99E-6E55A199D030}" type="doc">
-      <dgm:prSet loTypeId="urn:microsoft.com/office/officeart/2008/layout/LinedList" loCatId="list" qsTypeId="urn:microsoft.com/office/officeart/2005/8/quickstyle/simple1" qsCatId="simple" csTypeId="urn:microsoft.com/office/officeart/2005/8/colors/accent1_2" csCatId="accent1"/>
+      <dgm:prSet loTypeId="urn:microsoft.com/office/officeart/2008/layout/LinedList" loCatId="list" qsTypeId="urn:microsoft.com/office/officeart/2005/8/quickstyle/simple1" qsCatId="simple" csTypeId="urn:microsoft.com/office/officeart/2005/8/colors/accent1_2" csCatId="accent1" phldr="1"/>
       <dgm:spPr/>
       <dgm:t>
         <a:bodyPr/>
@@ -1001,7 +1180,7 @@
         <a:p>
           <a:r>
             <a:rPr lang="it-IT" dirty="0"/>
-            <a:t>Crea l’immagine di un leader che guida, spesso utilizzando stereotipi sul suo carattere.</a:t>
+            <a:t>Crea l’immagine di un leader che guida, spesso utilizzando stereotipi positivi sul suo carattere.</a:t>
           </a:r>
           <a:endParaRPr lang="en-US" dirty="0"/>
         </a:p>
@@ -1642,7 +1821,7 @@
           </a:pPr>
           <a:r>
             <a:rPr lang="it-IT" sz="2400" kern="1200" dirty="0"/>
-            <a:t>Crea l’immagine di un leader che guida, spesso utilizzando stereotipi sul suo carattere.</a:t>
+            <a:t>Crea l’immagine di un leader che guida, spesso utilizzando stereotipi positivi sul suo carattere.</a:t>
           </a:r>
           <a:endParaRPr lang="en-US" sz="2400" kern="1200" dirty="0"/>
         </a:p>
@@ -3414,7 +3593,7 @@
           <a:p>
             <a:fld id="{373ED4F9-5675-4C73-A6F3-2C3832F92984}" type="datetimeFigureOut">
               <a:rPr lang="it-IT" smtClean="0"/>
-              <a:t>22/10/2023</a:t>
+              <a:t>28/10/2023</a:t>
             </a:fld>
             <a:endParaRPr lang="it-IT"/>
           </a:p>
@@ -3612,7 +3791,7 @@
           <a:p>
             <a:fld id="{373ED4F9-5675-4C73-A6F3-2C3832F92984}" type="datetimeFigureOut">
               <a:rPr lang="it-IT" smtClean="0"/>
-              <a:t>22/10/2023</a:t>
+              <a:t>28/10/2023</a:t>
             </a:fld>
             <a:endParaRPr lang="it-IT"/>
           </a:p>
@@ -3820,7 +3999,7 @@
           <a:p>
             <a:fld id="{373ED4F9-5675-4C73-A6F3-2C3832F92984}" type="datetimeFigureOut">
               <a:rPr lang="it-IT" smtClean="0"/>
-              <a:t>22/10/2023</a:t>
+              <a:t>28/10/2023</a:t>
             </a:fld>
             <a:endParaRPr lang="it-IT"/>
           </a:p>
@@ -4018,7 +4197,7 @@
           <a:p>
             <a:fld id="{373ED4F9-5675-4C73-A6F3-2C3832F92984}" type="datetimeFigureOut">
               <a:rPr lang="it-IT" smtClean="0"/>
-              <a:t>22/10/2023</a:t>
+              <a:t>28/10/2023</a:t>
             </a:fld>
             <a:endParaRPr lang="it-IT"/>
           </a:p>
@@ -4293,7 +4472,7 @@
           <a:p>
             <a:fld id="{373ED4F9-5675-4C73-A6F3-2C3832F92984}" type="datetimeFigureOut">
               <a:rPr lang="it-IT" smtClean="0"/>
-              <a:t>22/10/2023</a:t>
+              <a:t>28/10/2023</a:t>
             </a:fld>
             <a:endParaRPr lang="it-IT"/>
           </a:p>
@@ -4558,7 +4737,7 @@
           <a:p>
             <a:fld id="{373ED4F9-5675-4C73-A6F3-2C3832F92984}" type="datetimeFigureOut">
               <a:rPr lang="it-IT" smtClean="0"/>
-              <a:t>22/10/2023</a:t>
+              <a:t>28/10/2023</a:t>
             </a:fld>
             <a:endParaRPr lang="it-IT"/>
           </a:p>
@@ -4970,7 +5149,7 @@
           <a:p>
             <a:fld id="{373ED4F9-5675-4C73-A6F3-2C3832F92984}" type="datetimeFigureOut">
               <a:rPr lang="it-IT" smtClean="0"/>
-              <a:t>22/10/2023</a:t>
+              <a:t>28/10/2023</a:t>
             </a:fld>
             <a:endParaRPr lang="it-IT"/>
           </a:p>
@@ -5111,7 +5290,7 @@
           <a:p>
             <a:fld id="{373ED4F9-5675-4C73-A6F3-2C3832F92984}" type="datetimeFigureOut">
               <a:rPr lang="it-IT" smtClean="0"/>
-              <a:t>22/10/2023</a:t>
+              <a:t>28/10/2023</a:t>
             </a:fld>
             <a:endParaRPr lang="it-IT"/>
           </a:p>
@@ -5224,7 +5403,7 @@
           <a:p>
             <a:fld id="{373ED4F9-5675-4C73-A6F3-2C3832F92984}" type="datetimeFigureOut">
               <a:rPr lang="it-IT" smtClean="0"/>
-              <a:t>22/10/2023</a:t>
+              <a:t>28/10/2023</a:t>
             </a:fld>
             <a:endParaRPr lang="it-IT"/>
           </a:p>
@@ -5535,7 +5714,7 @@
           <a:p>
             <a:fld id="{373ED4F9-5675-4C73-A6F3-2C3832F92984}" type="datetimeFigureOut">
               <a:rPr lang="it-IT" smtClean="0"/>
-              <a:t>22/10/2023</a:t>
+              <a:t>28/10/2023</a:t>
             </a:fld>
             <a:endParaRPr lang="it-IT"/>
           </a:p>
@@ -5823,7 +6002,7 @@
           <a:p>
             <a:fld id="{373ED4F9-5675-4C73-A6F3-2C3832F92984}" type="datetimeFigureOut">
               <a:rPr lang="it-IT" smtClean="0"/>
-              <a:t>22/10/2023</a:t>
+              <a:t>28/10/2023</a:t>
             </a:fld>
             <a:endParaRPr lang="it-IT"/>
           </a:p>
@@ -6071,7 +6250,7 @@
           <a:p>
             <a:fld id="{373ED4F9-5675-4C73-A6F3-2C3832F92984}" type="datetimeFigureOut">
               <a:rPr lang="it-IT" smtClean="0"/>
-              <a:t>22/10/2023</a:t>
+              <a:t>28/10/2023</a:t>
             </a:fld>
             <a:endParaRPr lang="it-IT"/>
           </a:p>
@@ -7013,36 +7192,30 @@
         </p:nvSpPr>
         <p:spPr>
           <a:xfrm>
-            <a:off x="292962" y="1635070"/>
+            <a:off x="292961" y="1306596"/>
             <a:ext cx="5726838" cy="4020005"/>
           </a:xfrm>
         </p:spPr>
         <p:txBody>
           <a:bodyPr>
-            <a:normAutofit fontScale="92500" lnSpcReduction="10000"/>
+            <a:normAutofit fontScale="92500" lnSpcReduction="20000"/>
           </a:bodyPr>
           <a:lstStyle/>
           <a:p>
             <a:pPr marL="0" indent="0" algn="ctr">
+              <a:lnSpc>
+                <a:spcPct val="110000"/>
+              </a:lnSpc>
+              <a:spcBef>
+                <a:spcPts val="0"/>
+              </a:spcBef>
               <a:buNone/>
             </a:pPr>
             <a:r>
-              <a:rPr lang="en-US" b="0" i="1" dirty="0">
-                <a:effectLst/>
-                <a:latin typeface="Arial" panose="020B0604020202020204" pitchFamily="34" charset="0"/>
-              </a:rPr>
-              <a:t>Although frequently used by historians, social scientists, and political commentators, the term [populism] is exceptionally vague</a:t>
+              <a:rPr lang="it" i="1" dirty="0"/>
+              <a:t>Anche se spesso utilizzato da storici, scienziati sociali e commentatori politici, il termine [populismo] è incredibilmente vago, e si riferisce in diversi contesti ad una sconcertante varietà di fenomeni.</a:t>
             </a:r>
-            <a:br>
-              <a:rPr lang="en-US" i="1" dirty="0"/>
-            </a:br>
-            <a:r>
-              <a:rPr lang="en-US" b="0" i="1" dirty="0">
-                <a:effectLst/>
-                <a:latin typeface="Arial" panose="020B0604020202020204" pitchFamily="34" charset="0"/>
-              </a:rPr>
-              <a:t>and refers in different contexts to a bewildering variety of phenomena.</a:t>
-            </a:r>
+            <a:endParaRPr lang="en-US" i="1" dirty="0"/>
           </a:p>
           <a:p>
             <a:pPr marL="0" indent="0">
@@ -7080,6 +7253,9 @@
             </a:pPr>
             <a:r>
               <a:rPr lang="en-US" sz="3500" b="0" i="1" dirty="0">
+                <a:solidFill>
+                  <a:srgbClr val="FF0000"/>
+                </a:solidFill>
                 <a:effectLst/>
                 <a:latin typeface="Aldhabi" panose="01000000000000000000" pitchFamily="2" charset="-78"/>
                 <a:cs typeface="Aldhabi" panose="01000000000000000000" pitchFamily="2" charset="-78"/>
@@ -7088,6 +7264,9 @@
             </a:r>
             <a:r>
               <a:rPr lang="en-US" sz="3500" b="0" i="1" dirty="0" err="1">
+                <a:solidFill>
+                  <a:srgbClr val="FF0000"/>
+                </a:solidFill>
                 <a:effectLst/>
                 <a:latin typeface="Aldhabi" panose="01000000000000000000" pitchFamily="2" charset="-78"/>
                 <a:cs typeface="Aldhabi" panose="01000000000000000000" pitchFamily="2" charset="-78"/>
@@ -7095,6 +7274,9 @@
               <a:t>Canovan</a:t>
             </a:r>
             <a:endParaRPr lang="it-IT" sz="3500" i="1" dirty="0">
+              <a:solidFill>
+                <a:srgbClr val="FF0000"/>
+              </a:solidFill>
               <a:latin typeface="Aldhabi" panose="01000000000000000000" pitchFamily="2" charset="-78"/>
               <a:cs typeface="Aldhabi" panose="01000000000000000000" pitchFamily="2" charset="-78"/>
             </a:endParaRPr>
@@ -7119,117 +7301,47 @@
         </p:nvSpPr>
         <p:spPr>
           <a:xfrm>
-            <a:off x="6172202" y="1635070"/>
+            <a:off x="6172203" y="1306596"/>
             <a:ext cx="5626222" cy="4597053"/>
           </a:xfrm>
         </p:spPr>
         <p:txBody>
           <a:bodyPr>
-            <a:normAutofit fontScale="92500" lnSpcReduction="10000"/>
+            <a:normAutofit fontScale="92500" lnSpcReduction="20000"/>
           </a:bodyPr>
           <a:lstStyle/>
           <a:p>
-            <a:pPr marL="0" indent="0" algn="ctr">
+            <a:pPr marL="0" indent="0" algn="ctr" defTabSz="0">
+              <a:lnSpc>
+                <a:spcPct val="110000"/>
+              </a:lnSpc>
+              <a:spcBef>
+                <a:spcPts val="0"/>
+              </a:spcBef>
+              <a:buNone/>
+            </a:pPr>
+            <a:r>
+              <a:rPr lang="it" i="1" dirty="0">
+                <a:cs typeface="Calibri" panose="020F0502020204030204"/>
+              </a:rPr>
+              <a:t>Un’ideologia sottile che considera la società come separata in due campi omogenei e antagonisti: “le persone​
+pure” contro “l’élite corrotta”; sostenendo che la politica​ dovrebbe essere espressione della volontà generale della​ gente.​</a:t>
+            </a:r>
+            <a:endParaRPr lang="en-US" i="1" dirty="0"/>
+          </a:p>
+          <a:p>
+            <a:pPr marL="0" indent="0" algn="ctr" defTabSz="0">
+              <a:lnSpc>
+                <a:spcPct val="110000"/>
+              </a:lnSpc>
+              <a:spcBef>
+                <a:spcPts val="0"/>
+              </a:spcBef>
               <a:buNone/>
             </a:pPr>
             <a:r>
               <a:rPr lang="en-US" b="0" i="1" dirty="0">
                 <a:effectLst/>
-                <a:latin typeface="Arial" panose="020B0604020202020204" pitchFamily="34" charset="0"/>
-              </a:rPr>
-              <a:t>A thin-</a:t>
-            </a:r>
-            <a:r>
-              <a:rPr lang="en-US" b="0" i="1" dirty="0" err="1">
-                <a:effectLst/>
-                <a:latin typeface="Arial" panose="020B0604020202020204" pitchFamily="34" charset="0"/>
-              </a:rPr>
-              <a:t>centred</a:t>
-            </a:r>
-            <a:r>
-              <a:rPr lang="en-US" b="0" i="1" dirty="0">
-                <a:effectLst/>
-                <a:latin typeface="Arial" panose="020B0604020202020204" pitchFamily="34" charset="0"/>
-              </a:rPr>
-              <a:t> ideology that considers society to be ultimately</a:t>
-            </a:r>
-            <a:br>
-              <a:rPr lang="en-US" i="1" dirty="0"/>
-            </a:br>
-            <a:r>
-              <a:rPr lang="en-US" b="0" i="1" dirty="0">
-                <a:effectLst/>
-                <a:latin typeface="Arial" panose="020B0604020202020204" pitchFamily="34" charset="0"/>
-              </a:rPr>
-              <a:t>separated into two homogenous and antagonistic camps, ”the pure</a:t>
-            </a:r>
-            <a:br>
-              <a:rPr lang="en-US" i="1" dirty="0"/>
-            </a:br>
-            <a:r>
-              <a:rPr lang="en-US" b="0" i="1" dirty="0">
-                <a:effectLst/>
-                <a:latin typeface="Arial" panose="020B0604020202020204" pitchFamily="34" charset="0"/>
-              </a:rPr>
-              <a:t>people” versus ”the corrupt elite”, and which argues that politics</a:t>
-            </a:r>
-            <a:br>
-              <a:rPr lang="en-US" i="1" dirty="0"/>
-            </a:br>
-            <a:r>
-              <a:rPr lang="en-US" b="0" i="1" dirty="0">
-                <a:effectLst/>
-                <a:latin typeface="Arial" panose="020B0604020202020204" pitchFamily="34" charset="0"/>
-              </a:rPr>
-              <a:t>should be an expression of the </a:t>
-            </a:r>
-            <a:r>
-              <a:rPr lang="en-US" b="0" i="1" dirty="0" err="1">
-                <a:effectLst/>
-                <a:latin typeface="Arial" panose="020B0604020202020204" pitchFamily="34" charset="0"/>
-              </a:rPr>
-              <a:t>volonté</a:t>
-            </a:r>
-            <a:r>
-              <a:rPr lang="en-US" b="0" i="1" dirty="0">
-                <a:effectLst/>
-                <a:latin typeface="Arial" panose="020B0604020202020204" pitchFamily="34" charset="0"/>
-              </a:rPr>
-              <a:t> </a:t>
-            </a:r>
-            <a:r>
-              <a:rPr lang="en-US" b="0" i="1" dirty="0" err="1">
-                <a:effectLst/>
-                <a:latin typeface="Arial" panose="020B0604020202020204" pitchFamily="34" charset="0"/>
-              </a:rPr>
-              <a:t>générale</a:t>
-            </a:r>
-            <a:r>
-              <a:rPr lang="en-US" b="0" i="1" dirty="0">
-                <a:effectLst/>
-                <a:latin typeface="Arial" panose="020B0604020202020204" pitchFamily="34" charset="0"/>
-              </a:rPr>
-              <a:t> (general will) of</a:t>
-            </a:r>
-            <a:br>
-              <a:rPr lang="en-US" i="1" dirty="0"/>
-            </a:br>
-            <a:r>
-              <a:rPr lang="en-US" b="0" i="1" dirty="0">
-                <a:effectLst/>
-                <a:latin typeface="Arial" panose="020B0604020202020204" pitchFamily="34" charset="0"/>
-              </a:rPr>
-              <a:t>the people.</a:t>
-            </a:r>
-          </a:p>
-          <a:p>
-            <a:pPr marL="0" indent="0">
-              <a:buNone/>
-            </a:pPr>
-            <a:r>
-              <a:rPr lang="en-US" b="0" i="1" dirty="0">
-                <a:effectLst/>
-                <a:latin typeface="Arial" panose="020B0604020202020204" pitchFamily="34" charset="0"/>
               </a:rPr>
               <a:t> </a:t>
             </a:r>
@@ -7239,38 +7351,51 @@
               <a:buNone/>
             </a:pPr>
             <a:r>
+              <a:rPr lang="en-US" sz="3500" i="1" dirty="0">
+                <a:solidFill>
+                  <a:srgbClr val="FF0000"/>
+                </a:solidFill>
+                <a:latin typeface="Aldhabi" panose="01000000000000000000" pitchFamily="2" charset="-78"/>
+                <a:cs typeface="Aldhabi" panose="01000000000000000000" pitchFamily="2" charset="-78"/>
+              </a:rPr>
+              <a:t>C</a:t>
+            </a:r>
+            <a:r>
               <a:rPr lang="en-US" sz="3500" b="0" i="1" dirty="0">
+                <a:solidFill>
+                  <a:srgbClr val="FF0000"/>
+                </a:solidFill>
                 <a:effectLst/>
                 <a:latin typeface="Aldhabi" panose="01000000000000000000" pitchFamily="2" charset="-78"/>
                 <a:cs typeface="Aldhabi" panose="01000000000000000000" pitchFamily="2" charset="-78"/>
               </a:rPr>
-              <a:t>Mudde and </a:t>
+              <a:t>as Mudde and C</a:t>
             </a:r>
             <a:r>
-              <a:rPr lang="en-US" sz="3500" b="0" i="1" dirty="0" err="1">
+              <a:rPr lang="en-US" sz="3500" i="1" dirty="0">
+                <a:solidFill>
+                  <a:srgbClr val="FF0000"/>
+                </a:solidFill>
+                <a:latin typeface="Aldhabi" panose="01000000000000000000" pitchFamily="2" charset="-78"/>
+                <a:cs typeface="Aldhabi" panose="01000000000000000000" pitchFamily="2" charset="-78"/>
+              </a:rPr>
+              <a:t>ristòbal</a:t>
+            </a:r>
+            <a:r>
+              <a:rPr lang="en-US" sz="3500" b="0" i="1" dirty="0">
+                <a:solidFill>
+                  <a:srgbClr val="FF0000"/>
+                </a:solidFill>
                 <a:effectLst/>
                 <a:latin typeface="Aldhabi" panose="01000000000000000000" pitchFamily="2" charset="-78"/>
                 <a:cs typeface="Aldhabi" panose="01000000000000000000" pitchFamily="2" charset="-78"/>
               </a:rPr>
-              <a:t>Rovira</a:t>
-            </a:r>
-            <a:r>
-              <a:rPr lang="en-US" sz="3500" b="0" i="1" dirty="0">
-                <a:effectLst/>
-                <a:latin typeface="Aldhabi" panose="01000000000000000000" pitchFamily="2" charset="-78"/>
-                <a:cs typeface="Aldhabi" panose="01000000000000000000" pitchFamily="2" charset="-78"/>
-              </a:rPr>
-              <a:t> </a:t>
-            </a:r>
-            <a:r>
-              <a:rPr lang="en-US" sz="3500" b="0" i="1" dirty="0" err="1">
-                <a:effectLst/>
-                <a:latin typeface="Aldhabi" panose="01000000000000000000" pitchFamily="2" charset="-78"/>
-                <a:cs typeface="Aldhabi" panose="01000000000000000000" pitchFamily="2" charset="-78"/>
-              </a:rPr>
-              <a:t>Kaltwasser</a:t>
+              <a:t> R. Kaltwasser</a:t>
             </a:r>
             <a:endParaRPr lang="it-IT" sz="3500" i="1" dirty="0">
+              <a:solidFill>
+                <a:srgbClr val="FF0000"/>
+              </a:solidFill>
               <a:latin typeface="Aldhabi" panose="01000000000000000000" pitchFamily="2" charset="-78"/>
               <a:cs typeface="Aldhabi" panose="01000000000000000000" pitchFamily="2" charset="-78"/>
             </a:endParaRPr>
@@ -7371,7 +7496,7 @@
             <p:ph idx="1"/>
             <p:extLst>
               <p:ext uri="{D42A27DB-BD31-4B8C-83A1-F6EECF244321}">
-                <p14:modId xmlns:p14="http://schemas.microsoft.com/office/powerpoint/2010/main" val="3417369425"/>
+                <p14:modId xmlns:p14="http://schemas.microsoft.com/office/powerpoint/2010/main" val="3856879414"/>
               </p:ext>
             </p:extLst>
           </p:nvPr>
@@ -7445,7 +7570,7 @@
                   </a:outerShdw>
                 </a:effectLst>
               </a:rPr>
-              <a:t>Il populismo</a:t>
+              <a:t>Cenni storici</a:t>
             </a:r>
             <a:endParaRPr lang="it-IT" sz="5400" b="1" cap="none" spc="0" dirty="0">
               <a:ln/>
@@ -7531,87 +7656,6 @@
           <a:chExt cx="0" cy="0"/>
         </a:xfrm>
       </p:grpSpPr>
-      <p:sp>
-        <p:nvSpPr>
-          <p:cNvPr id="2" name="Titolo 1">
-            <a:extLst>
-              <a:ext uri="{FF2B5EF4-FFF2-40B4-BE49-F238E27FC236}">
-                <a16:creationId xmlns:a16="http://schemas.microsoft.com/office/drawing/2014/main" id="{C0B6F312-2114-2FB6-E417-767F62CFF662}"/>
-              </a:ext>
-            </a:extLst>
-          </p:cNvPr>
-          <p:cNvSpPr>
-            <a:spLocks noGrp="1"/>
-          </p:cNvSpPr>
-          <p:nvPr>
-            <p:ph type="title"/>
-          </p:nvPr>
-        </p:nvSpPr>
-        <p:spPr>
-          <a:xfrm>
-            <a:off x="6096000" y="4454539"/>
-            <a:ext cx="4952999" cy="1413326"/>
-          </a:xfrm>
-        </p:spPr>
-        <p:txBody>
-          <a:bodyPr anchor="b">
-            <a:normAutofit/>
-          </a:bodyPr>
-          <a:lstStyle/>
-          <a:p>
-            <a:r>
-              <a:rPr lang="it-IT" sz="1700" dirty="0">
-                <a:solidFill>
-                  <a:schemeClr val="tx2"/>
-                </a:solidFill>
-                <a:latin typeface="Arial" panose="020B0604020202020204" pitchFamily="34" charset="0"/>
-                <a:cs typeface="Arial" panose="020B0604020202020204" pitchFamily="34" charset="0"/>
-              </a:rPr>
-              <a:t>Come espresso dalla definizione di </a:t>
-            </a:r>
-            <a:r>
-              <a:rPr lang="it-IT" sz="1700" b="1" dirty="0">
-                <a:solidFill>
-                  <a:schemeClr val="tx2"/>
-                </a:solidFill>
-                <a:latin typeface="Arial" panose="020B0604020202020204" pitchFamily="34" charset="0"/>
-                <a:cs typeface="Arial" panose="020B0604020202020204" pitchFamily="34" charset="0"/>
-              </a:rPr>
-              <a:t>Gerbaudo</a:t>
-            </a:r>
-            <a:r>
-              <a:rPr lang="it-IT" sz="1700" dirty="0">
-                <a:solidFill>
-                  <a:schemeClr val="tx2"/>
-                </a:solidFill>
-                <a:latin typeface="Arial" panose="020B0604020202020204" pitchFamily="34" charset="0"/>
-                <a:cs typeface="Arial" panose="020B0604020202020204" pitchFamily="34" charset="0"/>
-              </a:rPr>
-              <a:t>, il populismo si afferma come il </a:t>
-            </a:r>
-            <a:r>
-              <a:rPr lang="it-IT" sz="1700" i="1" dirty="0">
-                <a:solidFill>
-                  <a:schemeClr val="tx2"/>
-                </a:solidFill>
-                <a:latin typeface="Arial" panose="020B0604020202020204" pitchFamily="34" charset="0"/>
-                <a:cs typeface="Arial" panose="020B0604020202020204" pitchFamily="34" charset="0"/>
-              </a:rPr>
-              <a:t>”partito piglia tutto”</a:t>
-            </a:r>
-            <a:r>
-              <a:rPr lang="it-IT" sz="1700" dirty="0">
-                <a:solidFill>
-                  <a:schemeClr val="tx2"/>
-                </a:solidFill>
-                <a:latin typeface="Arial" panose="020B0604020202020204" pitchFamily="34" charset="0"/>
-                <a:cs typeface="Arial" panose="020B0604020202020204" pitchFamily="34" charset="0"/>
-              </a:rPr>
-              <a:t>: aggrega interessi indipendentemente dal loro grado di realizzabilità.</a:t>
-            </a:r>
-          </a:p>
-        </p:txBody>
-      </p:sp>
       <p:pic>
         <p:nvPicPr>
           <p:cNvPr id="4" name="Immagine 3" descr="Immagine che contiene testo, Carattere, grafica, design&#10;&#10;Descrizione generata automaticamente">
@@ -7640,6 +7684,16 @@
           <a:prstGeom prst="rect">
             <a:avLst/>
           </a:prstGeom>
+          <a:ln>
+            <a:noFill/>
+          </a:ln>
+          <a:effectLst>
+            <a:outerShdw blurRad="292100" dist="139700" dir="2700000" algn="tl" rotWithShape="0">
+              <a:srgbClr val="333333">
+                <a:alpha val="65000"/>
+              </a:srgbClr>
+            </a:outerShdw>
+          </a:effectLst>
         </p:spPr>
       </p:pic>
       <p:grpSp>
@@ -9064,7 +9118,7 @@
         <p:spPr>
           <a:xfrm>
             <a:off x="6096000" y="1017660"/>
-            <a:ext cx="4953000" cy="3573493"/>
+            <a:ext cx="4953000" cy="4850205"/>
           </a:xfrm>
         </p:spPr>
         <p:txBody>
@@ -9073,18 +9127,26 @@
           </a:bodyPr>
           <a:lstStyle/>
           <a:p>
-            <a:pPr marL="0" indent="0" algn="just">
+            <a:pPr marL="0" indent="0">
+              <a:buNone/>
+            </a:pPr>
+            <a:endParaRPr lang="it-IT" sz="1600" i="1" dirty="0">
+              <a:solidFill>
+                <a:schemeClr val="tx2"/>
+              </a:solidFill>
+            </a:endParaRPr>
+          </a:p>
+          <a:p>
+            <a:pPr marL="0" indent="0" algn="ctr">
               <a:buNone/>
             </a:pPr>
             <a:r>
-              <a:rPr lang="en-US" sz="1600" b="0" i="1" dirty="0">
+              <a:rPr lang="it-IT" sz="1600" i="1" dirty="0">
                 <a:solidFill>
                   <a:schemeClr val="tx2"/>
                 </a:solidFill>
-                <a:effectLst/>
-                <a:latin typeface="Arial" panose="020B0604020202020204" pitchFamily="34" charset="0"/>
               </a:rPr>
-              <a:t>Populism here becomes a catch-all label to refer to all those political phenomena that are considered to be dangerous, irrational and demagogic; populism as a politics that appeals to the basest sentiments of the populace, makes demagogic promises and panders to imaginary fears.</a:t>
+              <a:t>«Il populismo diventa un partito piglia tutto che fa riferimento a tutti quei fenomeni politici che sono considerati dannosi, irrazionale ed estremi. Populismo come politiche che fanno leva sui sentimenti della popolazione, facendo promesse esagerate e assecondando paure immaginarie».</a:t>
             </a:r>
           </a:p>
           <a:p>
@@ -9101,92 +9163,76 @@
             <a:pPr marL="0" indent="0">
               <a:buNone/>
             </a:pPr>
-            <a:endParaRPr lang="it-IT" sz="1600" dirty="0">
+            <a:endParaRPr lang="it-IT" sz="1600" b="1" i="1" dirty="0">
               <a:solidFill>
                 <a:schemeClr val="tx2"/>
               </a:solidFill>
+              <a:cs typeface="Arial" panose="020B0604020202020204" pitchFamily="34" charset="0"/>
             </a:endParaRPr>
           </a:p>
           <a:p>
-            <a:pPr marL="0" indent="0">
-              <a:buNone/>
-            </a:pPr>
-            <a:endParaRPr lang="it-IT" sz="1600" dirty="0">
-              <a:solidFill>
-                <a:schemeClr val="tx2"/>
-              </a:solidFill>
-            </a:endParaRPr>
-          </a:p>
-          <a:p>
-            <a:pPr marL="0" indent="0">
+            <a:pPr marL="0" indent="0" algn="ctr">
               <a:buNone/>
             </a:pPr>
             <a:r>
-              <a:rPr lang="it-IT" sz="1600" i="1" dirty="0">
+              <a:rPr lang="it-IT" sz="1600" b="1" i="1" dirty="0">
                 <a:solidFill>
                   <a:schemeClr val="tx2"/>
                 </a:solidFill>
-                <a:latin typeface="Arial" panose="020B0604020202020204" pitchFamily="34" charset="0"/>
                 <a:cs typeface="Arial" panose="020B0604020202020204" pitchFamily="34" charset="0"/>
               </a:rPr>
               <a:t>Paolo Gerbaudo. Social media and </a:t>
             </a:r>
             <a:r>
-              <a:rPr lang="it-IT" sz="1600" i="1" dirty="0" err="1">
+              <a:rPr lang="it-IT" sz="1600" b="1" i="1" dirty="0" err="1">
                 <a:solidFill>
                   <a:schemeClr val="tx2"/>
                 </a:solidFill>
-                <a:latin typeface="Arial" panose="020B0604020202020204" pitchFamily="34" charset="0"/>
                 <a:cs typeface="Arial" panose="020B0604020202020204" pitchFamily="34" charset="0"/>
               </a:rPr>
               <a:t>populism</a:t>
             </a:r>
             <a:r>
-              <a:rPr lang="it-IT" sz="1600" i="1" dirty="0">
+              <a:rPr lang="it-IT" sz="1600" b="1" i="1" dirty="0">
                 <a:solidFill>
                   <a:schemeClr val="tx2"/>
                 </a:solidFill>
-                <a:latin typeface="Arial" panose="020B0604020202020204" pitchFamily="34" charset="0"/>
                 <a:cs typeface="Arial" panose="020B0604020202020204" pitchFamily="34" charset="0"/>
               </a:rPr>
               <a:t>: An </a:t>
             </a:r>
             <a:r>
-              <a:rPr lang="it-IT" sz="1600" i="1" dirty="0" err="1">
+              <a:rPr lang="it-IT" sz="1600" b="1" i="1" dirty="0" err="1">
                 <a:solidFill>
                   <a:schemeClr val="tx2"/>
                 </a:solidFill>
-                <a:latin typeface="Arial" panose="020B0604020202020204" pitchFamily="34" charset="0"/>
                 <a:cs typeface="Arial" panose="020B0604020202020204" pitchFamily="34" charset="0"/>
               </a:rPr>
               <a:t>elective</a:t>
             </a:r>
             <a:r>
-              <a:rPr lang="it-IT" sz="1600" i="1" dirty="0">
+              <a:rPr lang="it-IT" sz="1600" b="1" i="1" dirty="0">
                 <a:solidFill>
                   <a:schemeClr val="tx2"/>
                 </a:solidFill>
-                <a:latin typeface="Arial" panose="020B0604020202020204" pitchFamily="34" charset="0"/>
                 <a:cs typeface="Arial" panose="020B0604020202020204" pitchFamily="34" charset="0"/>
               </a:rPr>
               <a:t> </a:t>
             </a:r>
             <a:r>
-              <a:rPr lang="it-IT" sz="1600" i="1" dirty="0" err="1">
+              <a:rPr lang="it-IT" sz="1600" b="1" i="1" dirty="0" err="1">
                 <a:solidFill>
                   <a:schemeClr val="tx2"/>
                 </a:solidFill>
-                <a:latin typeface="Arial" panose="020B0604020202020204" pitchFamily="34" charset="0"/>
                 <a:cs typeface="Arial" panose="020B0604020202020204" pitchFamily="34" charset="0"/>
               </a:rPr>
               <a:t>affinity</a:t>
             </a:r>
             <a:r>
-              <a:rPr lang="it-IT" sz="1600" i="1" dirty="0">
+              <a:rPr lang="it-IT" sz="1600" b="1" i="1" dirty="0">
                 <a:solidFill>
                   <a:schemeClr val="tx2"/>
                 </a:solidFill>
-                <a:latin typeface="Arial" panose="020B0604020202020204" pitchFamily="34" charset="0"/>
                 <a:cs typeface="Arial" panose="020B0604020202020204" pitchFamily="34" charset="0"/>
               </a:rPr>
               <a:t>. Media Culture Society, pages 745–753, 2018.</a:t>
@@ -9247,7 +9293,7 @@
           <a:p>
             <a:pPr algn="ctr"/>
             <a:r>
-              <a:rPr lang="it-IT" dirty="0"/>
+              <a:rPr lang="it-IT" b="1" dirty="0"/>
               <a:t>Connessioni social populismo</a:t>
             </a:r>
           </a:p>
@@ -9274,9 +9320,10 @@
           <a:bodyPr/>
           <a:lstStyle/>
           <a:p>
+            <a:pPr algn="ctr"/>
             <a:r>
               <a:rPr lang="it-IT" dirty="0"/>
-              <a:t>opinion-building</a:t>
+              <a:t>Opinion-building</a:t>
             </a:r>
           </a:p>
         </p:txBody>
@@ -9297,18 +9344,52 @@
             <p:ph sz="half" idx="2"/>
           </p:nvPr>
         </p:nvSpPr>
-        <p:spPr/>
+        <p:spPr>
+          <a:xfrm>
+            <a:off x="862014" y="2808287"/>
+            <a:ext cx="5157787" cy="3684588"/>
+          </a:xfrm>
+        </p:spPr>
         <p:txBody>
-          <a:bodyPr>
-            <a:normAutofit fontScale="77500" lnSpcReduction="20000"/>
+          <a:bodyPr vert="horz" lIns="91440" tIns="45720" rIns="91440" bIns="45720" rtlCol="0" anchor="t">
+            <a:noAutofit/>
           </a:bodyPr>
           <a:lstStyle/>
           <a:p>
             <a:r>
-              <a:rPr lang="en-US" dirty="0"/>
-              <a:t>First, the design of social media as alternative media where ordinary people can express themselves has provided a suitable venue for populist movements to counter the perceived pro-establishment bias of mainstream news media, so that alternative media channels capable of intercepting popular anger have risen in importance.</a:t>
+              <a:rPr lang="it-IT" sz="2400" dirty="0">
+                <a:ea typeface="Calibri"/>
+                <a:cs typeface="Calibri"/>
+              </a:rPr>
+              <a:t>Social come canali mediatici</a:t>
             </a:r>
-            <a:endParaRPr lang="it-IT" dirty="0"/>
+          </a:p>
+          <a:p>
+            <a:r>
+              <a:rPr lang="it-IT" sz="2400" dirty="0">
+                <a:ea typeface="Calibri"/>
+                <a:cs typeface="Calibri"/>
+              </a:rPr>
+              <a:t>Le persone hanno una grande libertà di espressione</a:t>
+            </a:r>
+          </a:p>
+          <a:p>
+            <a:r>
+              <a:rPr lang="it-IT" sz="2400" dirty="0">
+                <a:ea typeface="Calibri"/>
+                <a:cs typeface="Calibri"/>
+              </a:rPr>
+              <a:t>Luogo perfetto per canali mediatici "alternativi"</a:t>
+            </a:r>
+          </a:p>
+          <a:p>
+            <a:r>
+              <a:rPr lang="it-IT" sz="2400" dirty="0">
+                <a:ea typeface="Calibri"/>
+                <a:cs typeface="Calibri"/>
+              </a:rPr>
+              <a:t>I social permettono di "intercettare" i sentimenti popolari</a:t>
+            </a:r>
           </a:p>
         </p:txBody>
       </p:sp>
@@ -9333,13 +9414,10 @@
           <a:bodyPr/>
           <a:lstStyle/>
           <a:p>
-            <a:r>
-              <a:rPr lang="it-IT" dirty="0" err="1"/>
-              <a:t>movement</a:t>
-            </a:r>
+            <a:pPr algn="ctr"/>
             <a:r>
               <a:rPr lang="it-IT" dirty="0"/>
-              <a:t>-building</a:t>
+              <a:t>Movement-building</a:t>
             </a:r>
           </a:p>
         </p:txBody>
@@ -9360,18 +9438,48 @@
             <p:ph sz="quarter" idx="4"/>
           </p:nvPr>
         </p:nvSpPr>
-        <p:spPr/>
+        <p:spPr>
+          <a:xfrm>
+            <a:off x="6172200" y="2808287"/>
+            <a:ext cx="5183188" cy="3684588"/>
+          </a:xfrm>
+        </p:spPr>
         <p:txBody>
-          <a:bodyPr>
-            <a:normAutofit fontScale="77500" lnSpcReduction="20000"/>
+          <a:bodyPr vert="horz" lIns="91440" tIns="45720" rIns="91440" bIns="45720" rtlCol="0" anchor="t">
+            <a:normAutofit/>
           </a:bodyPr>
           <a:lstStyle/>
           <a:p>
             <a:r>
-              <a:rPr lang="en-US" dirty="0"/>
-              <a:t>Second, the aggregative functionalities of social media, embedded in their algorithmic architecture and their “filter bubble” tendencies, has allowed disgruntled individuals embracing ideas regarded as improper by liberal common sense to find each other and form online crowds, which have played a crucial role in providing militant support for anti-establishment candidates, as seen for example in the #Gamergate community support of Donald Trump's presidential campaign.</a:t>
+              <a:rPr lang="it-IT" sz="2400" dirty="0">
+                <a:ea typeface="Calibri"/>
+                <a:cs typeface="Calibri"/>
+              </a:rPr>
+              <a:t>Algoritmo (Bubbles, Silos)</a:t>
             </a:r>
-            <a:endParaRPr lang="it-IT" dirty="0"/>
+          </a:p>
+          <a:p>
+            <a:r>
+              <a:rPr lang="it-IT" sz="2400" dirty="0">
+                <a:ea typeface="Calibri"/>
+                <a:cs typeface="Calibri"/>
+              </a:rPr>
+              <a:t>Individui scontenti con idee ritenute improprie possono ritrovarsi e comunicare</a:t>
+            </a:r>
+          </a:p>
+          <a:p>
+            <a:r>
+              <a:rPr lang="it-IT" sz="2400" dirty="0">
+                <a:ea typeface="Calibri"/>
+                <a:cs typeface="Calibri"/>
+              </a:rPr>
+              <a:t>Una volta formati questi gruppi sono fondamentali per il supporto offerto a candidati populisti</a:t>
+            </a:r>
+          </a:p>
+          <a:p>
+            <a:endParaRPr lang="en-US" dirty="0">
+              <a:cs typeface="Calibri" panose="020F0502020204030204"/>
+            </a:endParaRPr>
           </a:p>
         </p:txBody>
       </p:sp>
@@ -9927,41 +10035,6 @@
           </a:p>
         </p:txBody>
       </p:sp>
-      <p:pic>
-        <p:nvPicPr>
-          <p:cNvPr id="3" name="Immagine 2" descr="Immagine che contiene testo, schermata, numero, Diagramma&#10;&#10;Descrizione generata automaticamente">
-            <a:extLst>
-              <a:ext uri="{FF2B5EF4-FFF2-40B4-BE49-F238E27FC236}">
-                <a16:creationId xmlns:a16="http://schemas.microsoft.com/office/drawing/2014/main" id="{37E0233B-B71D-ABE9-553C-9DCCDE5EC002}"/>
-              </a:ext>
-            </a:extLst>
-          </p:cNvPr>
-          <p:cNvPicPr>
-            <a:picLocks noChangeAspect="1"/>
-          </p:cNvPicPr>
-          <p:nvPr/>
-        </p:nvPicPr>
-        <p:blipFill rotWithShape="1">
-          <a:blip r:embed="rId2">
-            <a:extLst>
-              <a:ext uri="{28A0092B-C50C-407E-A947-70E740481C1C}">
-                <a14:useLocalDpi xmlns:a14="http://schemas.microsoft.com/office/drawing/2010/main" val="0"/>
-              </a:ext>
-            </a:extLst>
-          </a:blip>
-          <a:srcRect t="9783" b="7171"/>
-          <a:stretch/>
-        </p:blipFill>
-        <p:spPr>
-          <a:xfrm>
-            <a:off x="554853" y="236813"/>
-            <a:ext cx="11267486" cy="4935985"/>
-          </a:xfrm>
-          <a:prstGeom prst="rect">
-            <a:avLst/>
-          </a:prstGeom>
-        </p:spPr>
-      </p:pic>
       <p:sp>
         <p:nvSpPr>
           <p:cNvPr id="7" name="CasellaDiTesto 6">
@@ -9976,7 +10049,7 @@
         </p:nvSpPr>
         <p:spPr>
           <a:xfrm>
-            <a:off x="574971" y="5182533"/>
+            <a:off x="841301" y="4800793"/>
             <a:ext cx="8558074" cy="4339650"/>
           </a:xfrm>
           <a:prstGeom prst="rect">
@@ -9996,7 +10069,7 @@
             </a:r>
             <a:r>
               <a:rPr lang="it-IT" sz="2400" dirty="0">
-                <a:hlinkClick r:id="rId3"/>
+                <a:hlinkClick r:id="rId2"/>
               </a:rPr>
               <a:t>https://reutersinstitute.politics.ox.ac.uk/digital-news-report/2023/interactive</a:t>
             </a:r>
@@ -10036,10 +10109,60 @@
             <a:endParaRPr lang="it-IT" dirty="0"/>
           </a:p>
           <a:p>
-            <a:endParaRPr lang="it-IT" dirty="0"/>
+            <a:r>
+              <a:rPr lang="it-IT" dirty="0"/>
+              <a:t>V</a:t>
+            </a:r>
           </a:p>
         </p:txBody>
       </p:sp>
+      <p:pic>
+        <p:nvPicPr>
+          <p:cNvPr id="1028" name="Picture 4" descr="A graph with different colored bars">
+            <a:extLst>
+              <a:ext uri="{FF2B5EF4-FFF2-40B4-BE49-F238E27FC236}">
+                <a16:creationId xmlns:a16="http://schemas.microsoft.com/office/drawing/2014/main" id="{9CBF0467-537A-D5F4-98F9-1F4E8AD062E1}"/>
+              </a:ext>
+            </a:extLst>
+          </p:cNvPr>
+          <p:cNvPicPr>
+            <a:picLocks noChangeAspect="1" noChangeArrowheads="1"/>
+          </p:cNvPicPr>
+          <p:nvPr/>
+        </p:nvPicPr>
+        <p:blipFill>
+          <a:blip r:embed="rId3">
+            <a:extLst>
+              <a:ext uri="{28A0092B-C50C-407E-A947-70E740481C1C}">
+                <a14:useLocalDpi xmlns:a14="http://schemas.microsoft.com/office/drawing/2010/main" val="0"/>
+              </a:ext>
+            </a:extLst>
+          </a:blip>
+          <a:srcRect/>
+          <a:stretch>
+            <a:fillRect/>
+          </a:stretch>
+        </p:blipFill>
+        <p:spPr bwMode="auto">
+          <a:xfrm>
+            <a:off x="2204675" y="709757"/>
+            <a:ext cx="8033657" cy="3897753"/>
+          </a:xfrm>
+          <a:prstGeom prst="rect">
+            <a:avLst/>
+          </a:prstGeom>
+          <a:noFill/>
+          <a:extLst>
+            <a:ext uri="{909E8E84-426E-40DD-AFC4-6F175D3DCCD1}">
+              <a14:hiddenFill xmlns:a14="http://schemas.microsoft.com/office/drawing/2010/main">
+                <a:solidFill>
+                  <a:srgbClr val="FFFFFF"/>
+                </a:solidFill>
+              </a14:hiddenFill>
+            </a:ext>
+          </a:extLst>
+        </p:spPr>
+      </p:pic>
     </p:spTree>
     <p:extLst>
       <p:ext uri="{BB962C8B-B14F-4D97-AF65-F5344CB8AC3E}">

--- a/PresentazionePOLDIG.pptx
+++ b/PresentazionePOLDIG.pptx
@@ -10,10 +10,9 @@
     <p:sldId id="259" r:id="rId4"/>
     <p:sldId id="258" r:id="rId5"/>
     <p:sldId id="264" r:id="rId6"/>
-    <p:sldId id="262" r:id="rId7"/>
-    <p:sldId id="263" r:id="rId8"/>
-    <p:sldId id="260" r:id="rId9"/>
-    <p:sldId id="261" r:id="rId10"/>
+    <p:sldId id="263" r:id="rId7"/>
+    <p:sldId id="260" r:id="rId8"/>
+    <p:sldId id="261" r:id="rId9"/>
   </p:sldIdLst>
   <p:sldSz cx="12192000" cy="6858000"/>
   <p:notesSz cx="6858000" cy="9144000"/>
@@ -3593,7 +3592,7 @@
           <a:p>
             <a:fld id="{373ED4F9-5675-4C73-A6F3-2C3832F92984}" type="datetimeFigureOut">
               <a:rPr lang="it-IT" smtClean="0"/>
-              <a:t>28/10/2023</a:t>
+              <a:t>01/11/2023</a:t>
             </a:fld>
             <a:endParaRPr lang="it-IT"/>
           </a:p>
@@ -3791,7 +3790,7 @@
           <a:p>
             <a:fld id="{373ED4F9-5675-4C73-A6F3-2C3832F92984}" type="datetimeFigureOut">
               <a:rPr lang="it-IT" smtClean="0"/>
-              <a:t>28/10/2023</a:t>
+              <a:t>01/11/2023</a:t>
             </a:fld>
             <a:endParaRPr lang="it-IT"/>
           </a:p>
@@ -3999,7 +3998,7 @@
           <a:p>
             <a:fld id="{373ED4F9-5675-4C73-A6F3-2C3832F92984}" type="datetimeFigureOut">
               <a:rPr lang="it-IT" smtClean="0"/>
-              <a:t>28/10/2023</a:t>
+              <a:t>01/11/2023</a:t>
             </a:fld>
             <a:endParaRPr lang="it-IT"/>
           </a:p>
@@ -4197,7 +4196,7 @@
           <a:p>
             <a:fld id="{373ED4F9-5675-4C73-A6F3-2C3832F92984}" type="datetimeFigureOut">
               <a:rPr lang="it-IT" smtClean="0"/>
-              <a:t>28/10/2023</a:t>
+              <a:t>01/11/2023</a:t>
             </a:fld>
             <a:endParaRPr lang="it-IT"/>
           </a:p>
@@ -4472,7 +4471,7 @@
           <a:p>
             <a:fld id="{373ED4F9-5675-4C73-A6F3-2C3832F92984}" type="datetimeFigureOut">
               <a:rPr lang="it-IT" smtClean="0"/>
-              <a:t>28/10/2023</a:t>
+              <a:t>01/11/2023</a:t>
             </a:fld>
             <a:endParaRPr lang="it-IT"/>
           </a:p>
@@ -4737,7 +4736,7 @@
           <a:p>
             <a:fld id="{373ED4F9-5675-4C73-A6F3-2C3832F92984}" type="datetimeFigureOut">
               <a:rPr lang="it-IT" smtClean="0"/>
-              <a:t>28/10/2023</a:t>
+              <a:t>01/11/2023</a:t>
             </a:fld>
             <a:endParaRPr lang="it-IT"/>
           </a:p>
@@ -5149,7 +5148,7 @@
           <a:p>
             <a:fld id="{373ED4F9-5675-4C73-A6F3-2C3832F92984}" type="datetimeFigureOut">
               <a:rPr lang="it-IT" smtClean="0"/>
-              <a:t>28/10/2023</a:t>
+              <a:t>01/11/2023</a:t>
             </a:fld>
             <a:endParaRPr lang="it-IT"/>
           </a:p>
@@ -5290,7 +5289,7 @@
           <a:p>
             <a:fld id="{373ED4F9-5675-4C73-A6F3-2C3832F92984}" type="datetimeFigureOut">
               <a:rPr lang="it-IT" smtClean="0"/>
-              <a:t>28/10/2023</a:t>
+              <a:t>01/11/2023</a:t>
             </a:fld>
             <a:endParaRPr lang="it-IT"/>
           </a:p>
@@ -5403,7 +5402,7 @@
           <a:p>
             <a:fld id="{373ED4F9-5675-4C73-A6F3-2C3832F92984}" type="datetimeFigureOut">
               <a:rPr lang="it-IT" smtClean="0"/>
-              <a:t>28/10/2023</a:t>
+              <a:t>01/11/2023</a:t>
             </a:fld>
             <a:endParaRPr lang="it-IT"/>
           </a:p>
@@ -5714,7 +5713,7 @@
           <a:p>
             <a:fld id="{373ED4F9-5675-4C73-A6F3-2C3832F92984}" type="datetimeFigureOut">
               <a:rPr lang="it-IT" smtClean="0"/>
-              <a:t>28/10/2023</a:t>
+              <a:t>01/11/2023</a:t>
             </a:fld>
             <a:endParaRPr lang="it-IT"/>
           </a:p>
@@ -6002,7 +6001,7 @@
           <a:p>
             <a:fld id="{373ED4F9-5675-4C73-A6F3-2C3832F92984}" type="datetimeFigureOut">
               <a:rPr lang="it-IT" smtClean="0"/>
-              <a:t>28/10/2023</a:t>
+              <a:t>01/11/2023</a:t>
             </a:fld>
             <a:endParaRPr lang="it-IT"/>
           </a:p>
@@ -6250,7 +6249,7 @@
           <a:p>
             <a:fld id="{373ED4F9-5675-4C73-A6F3-2C3832F92984}" type="datetimeFigureOut">
               <a:rPr lang="it-IT" smtClean="0"/>
-              <a:t>28/10/2023</a:t>
+              <a:t>01/11/2023</a:t>
             </a:fld>
             <a:endParaRPr lang="it-IT"/>
           </a:p>
@@ -9315,7 +9314,12 @@
             <p:ph type="body" idx="1"/>
           </p:nvPr>
         </p:nvSpPr>
-        <p:spPr/>
+        <p:spPr>
+          <a:xfrm>
+            <a:off x="836612" y="1681163"/>
+            <a:ext cx="5157787" cy="1231345"/>
+          </a:xfrm>
+        </p:spPr>
         <p:txBody>
           <a:bodyPr/>
           <a:lstStyle/>
@@ -9323,8 +9327,17 @@
             <a:pPr algn="ctr"/>
             <a:r>
               <a:rPr lang="it-IT" dirty="0"/>
-              <a:t>Opinion-building</a:t>
+              <a:t>Opinion-building: </a:t>
             </a:r>
+            <a:r>
+              <a:rPr lang="en-US" dirty="0"/>
+              <a:t>Social media as the People’s voice</a:t>
+            </a:r>
+            <a:endParaRPr lang="it-IT" dirty="0"/>
+          </a:p>
+          <a:p>
+            <a:pPr algn="ctr"/>
+            <a:endParaRPr lang="it-IT" dirty="0"/>
           </a:p>
         </p:txBody>
       </p:sp>
@@ -9409,7 +9422,12 @@
             <p:ph type="body" sz="quarter" idx="3"/>
           </p:nvPr>
         </p:nvSpPr>
-        <p:spPr/>
+        <p:spPr>
+          <a:xfrm>
+            <a:off x="6146798" y="1586706"/>
+            <a:ext cx="5183188" cy="1325563"/>
+          </a:xfrm>
+        </p:spPr>
         <p:txBody>
           <a:bodyPr/>
           <a:lstStyle/>
@@ -9417,8 +9435,17 @@
             <a:pPr algn="ctr"/>
             <a:r>
               <a:rPr lang="it-IT" dirty="0"/>
-              <a:t>Movement-building</a:t>
+              <a:t>Movement-building: </a:t>
             </a:r>
+            <a:r>
+              <a:rPr lang="en-US" dirty="0"/>
+              <a:t>Social media as the People’s rally</a:t>
+            </a:r>
+            <a:endParaRPr lang="it-IT" dirty="0"/>
+          </a:p>
+          <a:p>
+            <a:pPr algn="ctr"/>
+            <a:endParaRPr lang="it-IT" dirty="0"/>
           </a:p>
         </p:txBody>
       </p:sp>
@@ -9518,125 +9545,6 @@
           <p:cNvPr id="2" name="Titolo 1">
             <a:extLst>
               <a:ext uri="{FF2B5EF4-FFF2-40B4-BE49-F238E27FC236}">
-                <a16:creationId xmlns:a16="http://schemas.microsoft.com/office/drawing/2014/main" id="{9CA00C5F-2AF9-DC01-FF84-A2DD3676E9D5}"/>
-              </a:ext>
-            </a:extLst>
-          </p:cNvPr>
-          <p:cNvSpPr>
-            <a:spLocks noGrp="1"/>
-          </p:cNvSpPr>
-          <p:nvPr>
-            <p:ph type="title"/>
-          </p:nvPr>
-        </p:nvSpPr>
-        <p:spPr/>
-        <p:txBody>
-          <a:bodyPr>
-            <a:normAutofit/>
-          </a:bodyPr>
-          <a:lstStyle/>
-          <a:p>
-            <a:r>
-              <a:rPr lang="en-US" dirty="0"/>
-              <a:t>What makes social media such a propitious space for the rise of populist movements?</a:t>
-            </a:r>
-            <a:endParaRPr lang="it-IT" dirty="0"/>
-          </a:p>
-        </p:txBody>
-      </p:sp>
-      <p:sp>
-        <p:nvSpPr>
-          <p:cNvPr id="4" name="Segnaposto contenuto 3">
-            <a:extLst>
-              <a:ext uri="{FF2B5EF4-FFF2-40B4-BE49-F238E27FC236}">
-                <a16:creationId xmlns:a16="http://schemas.microsoft.com/office/drawing/2014/main" id="{95DE9C62-AD78-7A39-4DF6-3800137C5788}"/>
-              </a:ext>
-            </a:extLst>
-          </p:cNvPr>
-          <p:cNvSpPr>
-            <a:spLocks noGrp="1"/>
-          </p:cNvSpPr>
-          <p:nvPr>
-            <p:ph sz="half" idx="1"/>
-          </p:nvPr>
-        </p:nvSpPr>
-        <p:spPr/>
-        <p:txBody>
-          <a:bodyPr/>
-          <a:lstStyle/>
-          <a:p>
-            <a:r>
-              <a:rPr lang="en-US" dirty="0"/>
-              <a:t>Social media as the People’s voice</a:t>
-            </a:r>
-            <a:endParaRPr lang="it-IT" dirty="0"/>
-          </a:p>
-        </p:txBody>
-      </p:sp>
-      <p:sp>
-        <p:nvSpPr>
-          <p:cNvPr id="5" name="Segnaposto contenuto 4">
-            <a:extLst>
-              <a:ext uri="{FF2B5EF4-FFF2-40B4-BE49-F238E27FC236}">
-                <a16:creationId xmlns:a16="http://schemas.microsoft.com/office/drawing/2014/main" id="{7B923DCD-D1A9-BA74-C9D5-E41BD0DB76F7}"/>
-              </a:ext>
-            </a:extLst>
-          </p:cNvPr>
-          <p:cNvSpPr>
-            <a:spLocks noGrp="1"/>
-          </p:cNvSpPr>
-          <p:nvPr>
-            <p:ph sz="half" idx="2"/>
-          </p:nvPr>
-        </p:nvSpPr>
-        <p:spPr/>
-        <p:txBody>
-          <a:bodyPr/>
-          <a:lstStyle/>
-          <a:p>
-            <a:r>
-              <a:rPr lang="en-US" dirty="0"/>
-              <a:t>Social media as the People’s rally</a:t>
-            </a:r>
-            <a:endParaRPr lang="it-IT" dirty="0"/>
-          </a:p>
-        </p:txBody>
-      </p:sp>
-    </p:spTree>
-    <p:extLst>
-      <p:ext uri="{BB962C8B-B14F-4D97-AF65-F5344CB8AC3E}">
-        <p14:creationId xmlns:p14="http://schemas.microsoft.com/office/powerpoint/2010/main" val="2528475036"/>
-      </p:ext>
-    </p:extLst>
-  </p:cSld>
-  <p:clrMapOvr>
-    <a:masterClrMapping/>
-  </p:clrMapOvr>
-</p:sld>
-</file>
-
-<file path=ppt/slides/slide7.xml><?xml version="1.0" encoding="utf-8"?>
-<p:sld xmlns:a="http://schemas.openxmlformats.org/drawingml/2006/main" xmlns:r="http://schemas.openxmlformats.org/officeDocument/2006/relationships" xmlns:p="http://schemas.openxmlformats.org/presentationml/2006/main">
-  <p:cSld>
-    <p:spTree>
-      <p:nvGrpSpPr>
-        <p:cNvPr id="1" name=""/>
-        <p:cNvGrpSpPr/>
-        <p:nvPr/>
-      </p:nvGrpSpPr>
-      <p:grpSpPr>
-        <a:xfrm>
-          <a:off x="0" y="0"/>
-          <a:ext cx="0" cy="0"/>
-          <a:chOff x="0" y="0"/>
-          <a:chExt cx="0" cy="0"/>
-        </a:xfrm>
-      </p:grpSpPr>
-      <p:sp>
-        <p:nvSpPr>
-          <p:cNvPr id="2" name="Titolo 1">
-            <a:extLst>
-              <a:ext uri="{FF2B5EF4-FFF2-40B4-BE49-F238E27FC236}">
                 <a16:creationId xmlns:a16="http://schemas.microsoft.com/office/drawing/2014/main" id="{4DBEE531-8920-6FFF-BE6D-46B60DC92AAA}"/>
               </a:ext>
             </a:extLst>
@@ -9711,7 +9619,7 @@
 </p:sld>
 </file>
 
-<file path=ppt/slides/slide8.xml><?xml version="1.0" encoding="utf-8"?>
+<file path=ppt/slides/slide7.xml><?xml version="1.0" encoding="utf-8"?>
 <p:sld xmlns:a="http://schemas.openxmlformats.org/drawingml/2006/main" xmlns:r="http://schemas.openxmlformats.org/officeDocument/2006/relationships" xmlns:p="http://schemas.openxmlformats.org/presentationml/2006/main">
   <p:cSld>
     <p:bg>
@@ -10176,7 +10084,7 @@
 </p:sld>
 </file>
 
-<file path=ppt/slides/slide9.xml><?xml version="1.0" encoding="utf-8"?>
+<file path=ppt/slides/slide8.xml><?xml version="1.0" encoding="utf-8"?>
 <p:sld xmlns:a="http://schemas.openxmlformats.org/drawingml/2006/main" xmlns:r="http://schemas.openxmlformats.org/officeDocument/2006/relationships" xmlns:p="http://schemas.openxmlformats.org/presentationml/2006/main">
   <p:cSld>
     <p:bg>
